--- a/interface.pptx
+++ b/interface.pptx
@@ -8,6 +8,12 @@
     <p:sldId id="256" r:id="rId2"/>
     <p:sldId id="257" r:id="rId3"/>
     <p:sldId id="258" r:id="rId4"/>
+    <p:sldId id="259" r:id="rId5"/>
+    <p:sldId id="260" r:id="rId6"/>
+    <p:sldId id="261" r:id="rId7"/>
+    <p:sldId id="262" r:id="rId8"/>
+    <p:sldId id="263" r:id="rId9"/>
+    <p:sldId id="264" r:id="rId10"/>
   </p:sldIdLst>
   <p:sldSz cx="12192000" cy="6858000"/>
   <p:notesSz cx="6858000" cy="9144000"/>
@@ -106,6 +112,11 @@
       </a:defRPr>
     </a:lvl9pPr>
   </p:defaultTextStyle>
+  <p:extLst>
+    <p:ext uri="{EFAFB233-063F-42B5-8137-9DF3F51BA10A}">
+      <p15:sldGuideLst xmlns:p15="http://schemas.microsoft.com/office/powerpoint/2012/main"/>
+    </p:ext>
+  </p:extLst>
 </p:presentation>
 </file>
 
@@ -258,7 +269,7 @@
           <a:p>
             <a:fld id="{CF1480D1-E5B4-46BB-8D8B-12C667FA202E}" type="datetimeFigureOut">
               <a:rPr lang="es-MX" smtClean="0"/>
-              <a:t>18/09/2020</a:t>
+              <a:t>19/09/2020</a:t>
             </a:fld>
             <a:endParaRPr lang="es-MX"/>
           </a:p>
@@ -458,7 +469,7 @@
           <a:p>
             <a:fld id="{CF1480D1-E5B4-46BB-8D8B-12C667FA202E}" type="datetimeFigureOut">
               <a:rPr lang="es-MX" smtClean="0"/>
-              <a:t>18/09/2020</a:t>
+              <a:t>19/09/2020</a:t>
             </a:fld>
             <a:endParaRPr lang="es-MX"/>
           </a:p>
@@ -668,7 +679,7 @@
           <a:p>
             <a:fld id="{CF1480D1-E5B4-46BB-8D8B-12C667FA202E}" type="datetimeFigureOut">
               <a:rPr lang="es-MX" smtClean="0"/>
-              <a:t>18/09/2020</a:t>
+              <a:t>19/09/2020</a:t>
             </a:fld>
             <a:endParaRPr lang="es-MX"/>
           </a:p>
@@ -868,7 +879,7 @@
           <a:p>
             <a:fld id="{CF1480D1-E5B4-46BB-8D8B-12C667FA202E}" type="datetimeFigureOut">
               <a:rPr lang="es-MX" smtClean="0"/>
-              <a:t>18/09/2020</a:t>
+              <a:t>19/09/2020</a:t>
             </a:fld>
             <a:endParaRPr lang="es-MX"/>
           </a:p>
@@ -1144,7 +1155,7 @@
           <a:p>
             <a:fld id="{CF1480D1-E5B4-46BB-8D8B-12C667FA202E}" type="datetimeFigureOut">
               <a:rPr lang="es-MX" smtClean="0"/>
-              <a:t>18/09/2020</a:t>
+              <a:t>19/09/2020</a:t>
             </a:fld>
             <a:endParaRPr lang="es-MX"/>
           </a:p>
@@ -1412,7 +1423,7 @@
           <a:p>
             <a:fld id="{CF1480D1-E5B4-46BB-8D8B-12C667FA202E}" type="datetimeFigureOut">
               <a:rPr lang="es-MX" smtClean="0"/>
-              <a:t>18/09/2020</a:t>
+              <a:t>19/09/2020</a:t>
             </a:fld>
             <a:endParaRPr lang="es-MX"/>
           </a:p>
@@ -1827,7 +1838,7 @@
           <a:p>
             <a:fld id="{CF1480D1-E5B4-46BB-8D8B-12C667FA202E}" type="datetimeFigureOut">
               <a:rPr lang="es-MX" smtClean="0"/>
-              <a:t>18/09/2020</a:t>
+              <a:t>19/09/2020</a:t>
             </a:fld>
             <a:endParaRPr lang="es-MX"/>
           </a:p>
@@ -1969,7 +1980,7 @@
           <a:p>
             <a:fld id="{CF1480D1-E5B4-46BB-8D8B-12C667FA202E}" type="datetimeFigureOut">
               <a:rPr lang="es-MX" smtClean="0"/>
-              <a:t>18/09/2020</a:t>
+              <a:t>19/09/2020</a:t>
             </a:fld>
             <a:endParaRPr lang="es-MX"/>
           </a:p>
@@ -2082,7 +2093,7 @@
           <a:p>
             <a:fld id="{CF1480D1-E5B4-46BB-8D8B-12C667FA202E}" type="datetimeFigureOut">
               <a:rPr lang="es-MX" smtClean="0"/>
-              <a:t>18/09/2020</a:t>
+              <a:t>19/09/2020</a:t>
             </a:fld>
             <a:endParaRPr lang="es-MX"/>
           </a:p>
@@ -2395,7 +2406,7 @@
           <a:p>
             <a:fld id="{CF1480D1-E5B4-46BB-8D8B-12C667FA202E}" type="datetimeFigureOut">
               <a:rPr lang="es-MX" smtClean="0"/>
-              <a:t>18/09/2020</a:t>
+              <a:t>19/09/2020</a:t>
             </a:fld>
             <a:endParaRPr lang="es-MX"/>
           </a:p>
@@ -2684,7 +2695,7 @@
           <a:p>
             <a:fld id="{CF1480D1-E5B4-46BB-8D8B-12C667FA202E}" type="datetimeFigureOut">
               <a:rPr lang="es-MX" smtClean="0"/>
-              <a:t>18/09/2020</a:t>
+              <a:t>19/09/2020</a:t>
             </a:fld>
             <a:endParaRPr lang="es-MX"/>
           </a:p>
@@ -2927,7 +2938,7 @@
           <a:p>
             <a:fld id="{CF1480D1-E5B4-46BB-8D8B-12C667FA202E}" type="datetimeFigureOut">
               <a:rPr lang="es-MX" smtClean="0"/>
-              <a:t>18/09/2020</a:t>
+              <a:t>19/09/2020</a:t>
             </a:fld>
             <a:endParaRPr lang="es-MX"/>
           </a:p>
@@ -8340,6 +8351,7159 @@
 </p:sld>
 </file>
 
+<file path=ppt/slides/slide4.xml><?xml version="1.0" encoding="utf-8"?>
+<p:sld xmlns:a="http://schemas.openxmlformats.org/drawingml/2006/main" xmlns:r="http://schemas.openxmlformats.org/officeDocument/2006/relationships" xmlns:p="http://schemas.openxmlformats.org/presentationml/2006/main">
+  <p:cSld>
+    <p:bg>
+      <p:bgPr>
+        <a:solidFill>
+          <a:schemeClr val="tx1"/>
+        </a:solidFill>
+        <a:effectLst/>
+      </p:bgPr>
+    </p:bg>
+    <p:spTree>
+      <p:nvGrpSpPr>
+        <p:cNvPr id="1" name=""/>
+        <p:cNvGrpSpPr/>
+        <p:nvPr/>
+      </p:nvGrpSpPr>
+      <p:grpSpPr>
+        <a:xfrm>
+          <a:off x="0" y="0"/>
+          <a:ext cx="0" cy="0"/>
+          <a:chOff x="0" y="0"/>
+          <a:chExt cx="0" cy="0"/>
+        </a:xfrm>
+      </p:grpSpPr>
+      <p:sp>
+        <p:nvSpPr>
+          <p:cNvPr id="5" name="Rectangle: Rounded Corners 4">
+            <a:extLst>
+              <a:ext uri="{FF2B5EF4-FFF2-40B4-BE49-F238E27FC236}">
+                <a16:creationId xmlns:a16="http://schemas.microsoft.com/office/drawing/2014/main" id="{0FC681C2-F285-4A45-A560-9BC6B526B759}"/>
+              </a:ext>
+            </a:extLst>
+          </p:cNvPr>
+          <p:cNvSpPr/>
+          <p:nvPr/>
+        </p:nvSpPr>
+        <p:spPr>
+          <a:xfrm>
+            <a:off x="8995183" y="185884"/>
+            <a:ext cx="2854738" cy="461394"/>
+          </a:xfrm>
+          <a:prstGeom prst="roundRect">
+            <a:avLst>
+              <a:gd name="adj" fmla="val 50000"/>
+            </a:avLst>
+          </a:prstGeom>
+          <a:solidFill>
+            <a:srgbClr val="000000">
+              <a:alpha val="47843"/>
+            </a:srgbClr>
+          </a:solidFill>
+          <a:ln>
+            <a:noFill/>
+          </a:ln>
+        </p:spPr>
+        <p:style>
+          <a:lnRef idx="2">
+            <a:schemeClr val="accent1">
+              <a:shade val="50000"/>
+            </a:schemeClr>
+          </a:lnRef>
+          <a:fillRef idx="1">
+            <a:schemeClr val="accent1"/>
+          </a:fillRef>
+          <a:effectRef idx="0">
+            <a:schemeClr val="accent1"/>
+          </a:effectRef>
+          <a:fontRef idx="minor">
+            <a:schemeClr val="lt1"/>
+          </a:fontRef>
+        </p:style>
+        <p:txBody>
+          <a:bodyPr rtlCol="0" anchor="ctr"/>
+          <a:lstStyle/>
+          <a:p>
+            <a:pPr algn="ctr"/>
+            <a:r>
+              <a:rPr lang="es-MX" dirty="0">
+                <a:latin typeface="Consolas" panose="020B0609020204030204" pitchFamily="49" charset="0"/>
+                <a:cs typeface="Courier New" panose="02070309020205020404" pitchFamily="49" charset="0"/>
+              </a:rPr>
+              <a:t>Level2</a:t>
+            </a:r>
+          </a:p>
+        </p:txBody>
+      </p:sp>
+      <p:pic>
+        <p:nvPicPr>
+          <p:cNvPr id="9" name="Picture 8" descr="A picture containing drawing&#10;&#10;Description automatically generated">
+            <a:extLst>
+              <a:ext uri="{FF2B5EF4-FFF2-40B4-BE49-F238E27FC236}">
+                <a16:creationId xmlns:a16="http://schemas.microsoft.com/office/drawing/2014/main" id="{8A52CF7B-0A78-4E06-89CC-1B2C7399ED55}"/>
+              </a:ext>
+            </a:extLst>
+          </p:cNvPr>
+          <p:cNvPicPr>
+            <a:picLocks noChangeAspect="1"/>
+          </p:cNvPicPr>
+          <p:nvPr/>
+        </p:nvPicPr>
+        <p:blipFill>
+          <a:blip r:embed="rId2">
+            <a:extLst>
+              <a:ext uri="{28A0092B-C50C-407E-A947-70E740481C1C}">
+                <a14:useLocalDpi xmlns:a14="http://schemas.microsoft.com/office/drawing/2010/main" val="0"/>
+              </a:ext>
+            </a:extLst>
+          </a:blip>
+          <a:stretch>
+            <a:fillRect/>
+          </a:stretch>
+        </p:blipFill>
+        <p:spPr>
+          <a:xfrm>
+            <a:off x="639055" y="1845578"/>
+            <a:ext cx="3249505" cy="3707366"/>
+          </a:xfrm>
+          <a:prstGeom prst="rect">
+            <a:avLst/>
+          </a:prstGeom>
+        </p:spPr>
+      </p:pic>
+      <p:grpSp>
+        <p:nvGrpSpPr>
+          <p:cNvPr id="30" name="Group 29">
+            <a:extLst>
+              <a:ext uri="{FF2B5EF4-FFF2-40B4-BE49-F238E27FC236}">
+                <a16:creationId xmlns:a16="http://schemas.microsoft.com/office/drawing/2014/main" id="{A60EA9E6-A425-42C8-B3D6-854E347CD2C3}"/>
+              </a:ext>
+            </a:extLst>
+          </p:cNvPr>
+          <p:cNvGrpSpPr/>
+          <p:nvPr/>
+        </p:nvGrpSpPr>
+        <p:grpSpPr>
+          <a:xfrm>
+            <a:off x="978652" y="3158350"/>
+            <a:ext cx="2603447" cy="1584950"/>
+            <a:chOff x="1163210" y="4494125"/>
+            <a:chExt cx="2090727" cy="1272812"/>
+          </a:xfrm>
+        </p:grpSpPr>
+        <p:pic>
+          <p:nvPicPr>
+            <p:cNvPr id="11" name="Picture 10" descr="A picture containing drawing&#10;&#10;Description automatically generated">
+              <a:extLst>
+                <a:ext uri="{FF2B5EF4-FFF2-40B4-BE49-F238E27FC236}">
+                  <a16:creationId xmlns:a16="http://schemas.microsoft.com/office/drawing/2014/main" id="{64959D38-761E-468C-BE9F-3F093F926245}"/>
+                </a:ext>
+              </a:extLst>
+            </p:cNvPr>
+            <p:cNvPicPr>
+              <a:picLocks noChangeAspect="1"/>
+            </p:cNvPicPr>
+            <p:nvPr/>
+          </p:nvPicPr>
+          <p:blipFill>
+            <a:blip r:embed="rId3">
+              <a:extLst>
+                <a:ext uri="{28A0092B-C50C-407E-A947-70E740481C1C}">
+                  <a14:useLocalDpi xmlns:a14="http://schemas.microsoft.com/office/drawing/2010/main" val="0"/>
+                </a:ext>
+              </a:extLst>
+            </a:blip>
+            <a:stretch>
+              <a:fillRect/>
+            </a:stretch>
+          </p:blipFill>
+          <p:spPr>
+            <a:xfrm>
+              <a:off x="1163210" y="4503242"/>
+              <a:ext cx="521209" cy="521209"/>
+            </a:xfrm>
+            <a:prstGeom prst="rect">
+              <a:avLst/>
+            </a:prstGeom>
+          </p:spPr>
+        </p:pic>
+        <p:pic>
+          <p:nvPicPr>
+            <p:cNvPr id="13" name="Picture 12" descr="A picture containing drawing&#10;&#10;Description automatically generated">
+              <a:extLst>
+                <a:ext uri="{FF2B5EF4-FFF2-40B4-BE49-F238E27FC236}">
+                  <a16:creationId xmlns:a16="http://schemas.microsoft.com/office/drawing/2014/main" id="{553F88BB-B3E9-41F6-B51A-18A4EA6FBC81}"/>
+                </a:ext>
+              </a:extLst>
+            </p:cNvPr>
+            <p:cNvPicPr>
+              <a:picLocks noChangeAspect="1"/>
+            </p:cNvPicPr>
+            <p:nvPr/>
+          </p:nvPicPr>
+          <p:blipFill>
+            <a:blip r:embed="rId4">
+              <a:extLst>
+                <a:ext uri="{28A0092B-C50C-407E-A947-70E740481C1C}">
+                  <a14:useLocalDpi xmlns:a14="http://schemas.microsoft.com/office/drawing/2010/main" val="0"/>
+                </a:ext>
+              </a:extLst>
+            </a:blip>
+            <a:stretch>
+              <a:fillRect/>
+            </a:stretch>
+          </p:blipFill>
+          <p:spPr>
+            <a:xfrm>
+              <a:off x="1947969" y="4503242"/>
+              <a:ext cx="521209" cy="521209"/>
+            </a:xfrm>
+            <a:prstGeom prst="rect">
+              <a:avLst/>
+            </a:prstGeom>
+          </p:spPr>
+        </p:pic>
+        <p:pic>
+          <p:nvPicPr>
+            <p:cNvPr id="15" name="Picture 14" descr="A picture containing drawing, light&#10;&#10;Description automatically generated">
+              <a:extLst>
+                <a:ext uri="{FF2B5EF4-FFF2-40B4-BE49-F238E27FC236}">
+                  <a16:creationId xmlns:a16="http://schemas.microsoft.com/office/drawing/2014/main" id="{23EF0E69-5071-4578-AB80-000A88FF1C39}"/>
+                </a:ext>
+              </a:extLst>
+            </p:cNvPr>
+            <p:cNvPicPr>
+              <a:picLocks noChangeAspect="1"/>
+            </p:cNvPicPr>
+            <p:nvPr/>
+          </p:nvPicPr>
+          <p:blipFill>
+            <a:blip r:embed="rId5">
+              <a:extLst>
+                <a:ext uri="{28A0092B-C50C-407E-A947-70E740481C1C}">
+                  <a14:useLocalDpi xmlns:a14="http://schemas.microsoft.com/office/drawing/2010/main" val="0"/>
+                </a:ext>
+              </a:extLst>
+            </a:blip>
+            <a:stretch>
+              <a:fillRect/>
+            </a:stretch>
+          </p:blipFill>
+          <p:spPr>
+            <a:xfrm>
+              <a:off x="2732728" y="4494125"/>
+              <a:ext cx="521209" cy="521209"/>
+            </a:xfrm>
+            <a:prstGeom prst="rect">
+              <a:avLst/>
+            </a:prstGeom>
+          </p:spPr>
+        </p:pic>
+        <p:pic>
+          <p:nvPicPr>
+            <p:cNvPr id="17" name="Picture 16" descr="A picture containing drawing&#10;&#10;Description automatically generated">
+              <a:extLst>
+                <a:ext uri="{FF2B5EF4-FFF2-40B4-BE49-F238E27FC236}">
+                  <a16:creationId xmlns:a16="http://schemas.microsoft.com/office/drawing/2014/main" id="{3E927AAD-BB88-4654-A9C8-7B321C039A63}"/>
+                </a:ext>
+              </a:extLst>
+            </p:cNvPr>
+            <p:cNvPicPr>
+              <a:picLocks noChangeAspect="1"/>
+            </p:cNvPicPr>
+            <p:nvPr/>
+          </p:nvPicPr>
+          <p:blipFill>
+            <a:blip r:embed="rId6">
+              <a:extLst>
+                <a:ext uri="{28A0092B-C50C-407E-A947-70E740481C1C}">
+                  <a14:useLocalDpi xmlns:a14="http://schemas.microsoft.com/office/drawing/2010/main" val="0"/>
+                </a:ext>
+              </a:extLst>
+            </a:blip>
+            <a:stretch>
+              <a:fillRect/>
+            </a:stretch>
+          </p:blipFill>
+          <p:spPr>
+            <a:xfrm>
+              <a:off x="1426760" y="5245728"/>
+              <a:ext cx="521209" cy="521209"/>
+            </a:xfrm>
+            <a:prstGeom prst="rect">
+              <a:avLst/>
+            </a:prstGeom>
+          </p:spPr>
+        </p:pic>
+        <p:pic>
+          <p:nvPicPr>
+            <p:cNvPr id="19" name="Picture 18" descr="A picture containing drawing&#10;&#10;Description automatically generated">
+              <a:extLst>
+                <a:ext uri="{FF2B5EF4-FFF2-40B4-BE49-F238E27FC236}">
+                  <a16:creationId xmlns:a16="http://schemas.microsoft.com/office/drawing/2014/main" id="{1B9A1E90-79C0-4EF4-82E1-73939AF20932}"/>
+                </a:ext>
+              </a:extLst>
+            </p:cNvPr>
+            <p:cNvPicPr>
+              <a:picLocks noChangeAspect="1"/>
+            </p:cNvPicPr>
+            <p:nvPr/>
+          </p:nvPicPr>
+          <p:blipFill>
+            <a:blip r:embed="rId7">
+              <a:extLst>
+                <a:ext uri="{28A0092B-C50C-407E-A947-70E740481C1C}">
+                  <a14:useLocalDpi xmlns:a14="http://schemas.microsoft.com/office/drawing/2010/main" val="0"/>
+                </a:ext>
+              </a:extLst>
+            </a:blip>
+            <a:stretch>
+              <a:fillRect/>
+            </a:stretch>
+          </p:blipFill>
+          <p:spPr>
+            <a:xfrm>
+              <a:off x="2397055" y="5245728"/>
+              <a:ext cx="521209" cy="521209"/>
+            </a:xfrm>
+            <a:prstGeom prst="rect">
+              <a:avLst/>
+            </a:prstGeom>
+          </p:spPr>
+        </p:pic>
+      </p:grpSp>
+      <p:sp>
+        <p:nvSpPr>
+          <p:cNvPr id="21" name="Oval 20">
+            <a:extLst>
+              <a:ext uri="{FF2B5EF4-FFF2-40B4-BE49-F238E27FC236}">
+                <a16:creationId xmlns:a16="http://schemas.microsoft.com/office/drawing/2014/main" id="{D17D8C7A-2364-4B00-A5D3-C56B7A70D27F}"/>
+              </a:ext>
+            </a:extLst>
+          </p:cNvPr>
+          <p:cNvSpPr/>
+          <p:nvPr/>
+        </p:nvSpPr>
+        <p:spPr>
+          <a:xfrm>
+            <a:off x="6073882" y="1951143"/>
+            <a:ext cx="227732" cy="227732"/>
+          </a:xfrm>
+          <a:prstGeom prst="ellipse">
+            <a:avLst/>
+          </a:prstGeom>
+          <a:solidFill>
+            <a:schemeClr val="bg1"/>
+          </a:solidFill>
+          <a:ln>
+            <a:solidFill>
+              <a:schemeClr val="bg1"/>
+            </a:solidFill>
+          </a:ln>
+        </p:spPr>
+        <p:style>
+          <a:lnRef idx="2">
+            <a:schemeClr val="accent1">
+              <a:shade val="50000"/>
+            </a:schemeClr>
+          </a:lnRef>
+          <a:fillRef idx="1">
+            <a:schemeClr val="accent1"/>
+          </a:fillRef>
+          <a:effectRef idx="0">
+            <a:schemeClr val="accent1"/>
+          </a:effectRef>
+          <a:fontRef idx="minor">
+            <a:schemeClr val="lt1"/>
+          </a:fontRef>
+        </p:style>
+        <p:txBody>
+          <a:bodyPr rtlCol="0" anchor="ctr"/>
+          <a:lstStyle/>
+          <a:p>
+            <a:pPr algn="ctr"/>
+            <a:endParaRPr lang="es-MX" dirty="0">
+              <a:solidFill>
+                <a:sysClr val="windowText" lastClr="000000"/>
+              </a:solidFill>
+            </a:endParaRPr>
+          </a:p>
+        </p:txBody>
+      </p:sp>
+      <p:sp>
+        <p:nvSpPr>
+          <p:cNvPr id="23" name="Oval 22">
+            <a:extLst>
+              <a:ext uri="{FF2B5EF4-FFF2-40B4-BE49-F238E27FC236}">
+                <a16:creationId xmlns:a16="http://schemas.microsoft.com/office/drawing/2014/main" id="{0CB06B11-22A5-46DD-A13B-15CE749034A3}"/>
+              </a:ext>
+            </a:extLst>
+          </p:cNvPr>
+          <p:cNvSpPr/>
+          <p:nvPr/>
+        </p:nvSpPr>
+        <p:spPr>
+          <a:xfrm>
+            <a:off x="7842308" y="3455215"/>
+            <a:ext cx="227732" cy="227732"/>
+          </a:xfrm>
+          <a:prstGeom prst="ellipse">
+            <a:avLst/>
+          </a:prstGeom>
+          <a:solidFill>
+            <a:schemeClr val="bg1"/>
+          </a:solidFill>
+          <a:ln>
+            <a:solidFill>
+              <a:schemeClr val="bg1"/>
+            </a:solidFill>
+          </a:ln>
+        </p:spPr>
+        <p:style>
+          <a:lnRef idx="2">
+            <a:schemeClr val="accent1">
+              <a:shade val="50000"/>
+            </a:schemeClr>
+          </a:lnRef>
+          <a:fillRef idx="1">
+            <a:schemeClr val="accent1"/>
+          </a:fillRef>
+          <a:effectRef idx="0">
+            <a:schemeClr val="accent1"/>
+          </a:effectRef>
+          <a:fontRef idx="minor">
+            <a:schemeClr val="lt1"/>
+          </a:fontRef>
+        </p:style>
+        <p:txBody>
+          <a:bodyPr rtlCol="0" anchor="ctr"/>
+          <a:lstStyle/>
+          <a:p>
+            <a:pPr algn="ctr"/>
+            <a:endParaRPr lang="es-MX" dirty="0">
+              <a:solidFill>
+                <a:sysClr val="windowText" lastClr="000000"/>
+              </a:solidFill>
+            </a:endParaRPr>
+          </a:p>
+        </p:txBody>
+      </p:sp>
+      <p:sp>
+        <p:nvSpPr>
+          <p:cNvPr id="25" name="Oval 24">
+            <a:extLst>
+              <a:ext uri="{FF2B5EF4-FFF2-40B4-BE49-F238E27FC236}">
+                <a16:creationId xmlns:a16="http://schemas.microsoft.com/office/drawing/2014/main" id="{5207A54F-DEEC-4DDC-ACFF-4A02261BB8BC}"/>
+              </a:ext>
+            </a:extLst>
+          </p:cNvPr>
+          <p:cNvSpPr/>
+          <p:nvPr/>
+        </p:nvSpPr>
+        <p:spPr>
+          <a:xfrm>
+            <a:off x="6896136" y="2671669"/>
+            <a:ext cx="227732" cy="227732"/>
+          </a:xfrm>
+          <a:prstGeom prst="ellipse">
+            <a:avLst/>
+          </a:prstGeom>
+          <a:solidFill>
+            <a:schemeClr val="bg1"/>
+          </a:solidFill>
+          <a:ln>
+            <a:solidFill>
+              <a:schemeClr val="bg1"/>
+            </a:solidFill>
+          </a:ln>
+        </p:spPr>
+        <p:style>
+          <a:lnRef idx="2">
+            <a:schemeClr val="accent1">
+              <a:shade val="50000"/>
+            </a:schemeClr>
+          </a:lnRef>
+          <a:fillRef idx="1">
+            <a:schemeClr val="accent1"/>
+          </a:fillRef>
+          <a:effectRef idx="0">
+            <a:schemeClr val="accent1"/>
+          </a:effectRef>
+          <a:fontRef idx="minor">
+            <a:schemeClr val="lt1"/>
+          </a:fontRef>
+        </p:style>
+        <p:txBody>
+          <a:bodyPr rtlCol="0" anchor="ctr"/>
+          <a:lstStyle/>
+          <a:p>
+            <a:pPr algn="ctr"/>
+            <a:endParaRPr lang="es-MX" dirty="0">
+              <a:solidFill>
+                <a:sysClr val="windowText" lastClr="000000"/>
+              </a:solidFill>
+            </a:endParaRPr>
+          </a:p>
+        </p:txBody>
+      </p:sp>
+      <p:sp>
+        <p:nvSpPr>
+          <p:cNvPr id="27" name="Oval 26">
+            <a:extLst>
+              <a:ext uri="{FF2B5EF4-FFF2-40B4-BE49-F238E27FC236}">
+                <a16:creationId xmlns:a16="http://schemas.microsoft.com/office/drawing/2014/main" id="{DA95D1DD-572E-40B3-A6E3-35B46DB44550}"/>
+              </a:ext>
+            </a:extLst>
+          </p:cNvPr>
+          <p:cNvSpPr/>
+          <p:nvPr/>
+        </p:nvSpPr>
+        <p:spPr>
+          <a:xfrm>
+            <a:off x="8692612" y="4241118"/>
+            <a:ext cx="227732" cy="227732"/>
+          </a:xfrm>
+          <a:prstGeom prst="ellipse">
+            <a:avLst/>
+          </a:prstGeom>
+          <a:solidFill>
+            <a:schemeClr val="bg1"/>
+          </a:solidFill>
+          <a:ln>
+            <a:solidFill>
+              <a:schemeClr val="bg1"/>
+            </a:solidFill>
+          </a:ln>
+        </p:spPr>
+        <p:style>
+          <a:lnRef idx="2">
+            <a:schemeClr val="accent1">
+              <a:shade val="50000"/>
+            </a:schemeClr>
+          </a:lnRef>
+          <a:fillRef idx="1">
+            <a:schemeClr val="accent1"/>
+          </a:fillRef>
+          <a:effectRef idx="0">
+            <a:schemeClr val="accent1"/>
+          </a:effectRef>
+          <a:fontRef idx="minor">
+            <a:schemeClr val="lt1"/>
+          </a:fontRef>
+        </p:style>
+        <p:txBody>
+          <a:bodyPr rtlCol="0" anchor="ctr"/>
+          <a:lstStyle/>
+          <a:p>
+            <a:pPr algn="ctr"/>
+            <a:endParaRPr lang="es-MX" dirty="0">
+              <a:solidFill>
+                <a:sysClr val="windowText" lastClr="000000"/>
+              </a:solidFill>
+            </a:endParaRPr>
+          </a:p>
+        </p:txBody>
+      </p:sp>
+      <p:sp>
+        <p:nvSpPr>
+          <p:cNvPr id="29" name="Oval 28">
+            <a:extLst>
+              <a:ext uri="{FF2B5EF4-FFF2-40B4-BE49-F238E27FC236}">
+                <a16:creationId xmlns:a16="http://schemas.microsoft.com/office/drawing/2014/main" id="{E0A59819-FC03-4E9A-BE0F-F13BE6288264}"/>
+              </a:ext>
+            </a:extLst>
+          </p:cNvPr>
+          <p:cNvSpPr/>
+          <p:nvPr/>
+        </p:nvSpPr>
+        <p:spPr>
+          <a:xfrm>
+            <a:off x="9939709" y="5017996"/>
+            <a:ext cx="227732" cy="227732"/>
+          </a:xfrm>
+          <a:prstGeom prst="ellipse">
+            <a:avLst/>
+          </a:prstGeom>
+          <a:solidFill>
+            <a:schemeClr val="bg1"/>
+          </a:solidFill>
+          <a:ln>
+            <a:solidFill>
+              <a:schemeClr val="bg1"/>
+            </a:solidFill>
+          </a:ln>
+        </p:spPr>
+        <p:style>
+          <a:lnRef idx="2">
+            <a:schemeClr val="accent1">
+              <a:shade val="50000"/>
+            </a:schemeClr>
+          </a:lnRef>
+          <a:fillRef idx="1">
+            <a:schemeClr val="accent1"/>
+          </a:fillRef>
+          <a:effectRef idx="0">
+            <a:schemeClr val="accent1"/>
+          </a:effectRef>
+          <a:fontRef idx="minor">
+            <a:schemeClr val="lt1"/>
+          </a:fontRef>
+        </p:style>
+        <p:txBody>
+          <a:bodyPr rtlCol="0" anchor="ctr"/>
+          <a:lstStyle/>
+          <a:p>
+            <a:pPr algn="ctr"/>
+            <a:endParaRPr lang="es-MX" dirty="0">
+              <a:solidFill>
+                <a:sysClr val="windowText" lastClr="000000"/>
+              </a:solidFill>
+            </a:endParaRPr>
+          </a:p>
+        </p:txBody>
+      </p:sp>
+    </p:spTree>
+    <p:extLst>
+      <p:ext uri="{BB962C8B-B14F-4D97-AF65-F5344CB8AC3E}">
+        <p14:creationId xmlns:p14="http://schemas.microsoft.com/office/powerpoint/2010/main" val="3729807870"/>
+      </p:ext>
+    </p:extLst>
+  </p:cSld>
+  <p:clrMapOvr>
+    <a:masterClrMapping/>
+  </p:clrMapOvr>
+</p:sld>
+</file>
+
+<file path=ppt/slides/slide5.xml><?xml version="1.0" encoding="utf-8"?>
+<p:sld xmlns:a="http://schemas.openxmlformats.org/drawingml/2006/main" xmlns:r="http://schemas.openxmlformats.org/officeDocument/2006/relationships" xmlns:p="http://schemas.openxmlformats.org/presentationml/2006/main">
+  <p:cSld>
+    <p:bg>
+      <p:bgPr>
+        <a:solidFill>
+          <a:schemeClr val="tx1"/>
+        </a:solidFill>
+        <a:effectLst/>
+      </p:bgPr>
+    </p:bg>
+    <p:spTree>
+      <p:nvGrpSpPr>
+        <p:cNvPr id="1" name=""/>
+        <p:cNvGrpSpPr/>
+        <p:nvPr/>
+      </p:nvGrpSpPr>
+      <p:grpSpPr>
+        <a:xfrm>
+          <a:off x="0" y="0"/>
+          <a:ext cx="0" cy="0"/>
+          <a:chOff x="0" y="0"/>
+          <a:chExt cx="0" cy="0"/>
+        </a:xfrm>
+      </p:grpSpPr>
+      <p:sp>
+        <p:nvSpPr>
+          <p:cNvPr id="5" name="Rectangle: Rounded Corners 4">
+            <a:extLst>
+              <a:ext uri="{FF2B5EF4-FFF2-40B4-BE49-F238E27FC236}">
+                <a16:creationId xmlns:a16="http://schemas.microsoft.com/office/drawing/2014/main" id="{0FC681C2-F285-4A45-A560-9BC6B526B759}"/>
+              </a:ext>
+            </a:extLst>
+          </p:cNvPr>
+          <p:cNvSpPr/>
+          <p:nvPr/>
+        </p:nvSpPr>
+        <p:spPr>
+          <a:xfrm>
+            <a:off x="8995183" y="185884"/>
+            <a:ext cx="2854738" cy="461394"/>
+          </a:xfrm>
+          <a:prstGeom prst="roundRect">
+            <a:avLst>
+              <a:gd name="adj" fmla="val 50000"/>
+            </a:avLst>
+          </a:prstGeom>
+          <a:solidFill>
+            <a:srgbClr val="000000">
+              <a:alpha val="47843"/>
+            </a:srgbClr>
+          </a:solidFill>
+          <a:ln>
+            <a:noFill/>
+          </a:ln>
+        </p:spPr>
+        <p:style>
+          <a:lnRef idx="2">
+            <a:schemeClr val="accent1">
+              <a:shade val="50000"/>
+            </a:schemeClr>
+          </a:lnRef>
+          <a:fillRef idx="1">
+            <a:schemeClr val="accent1"/>
+          </a:fillRef>
+          <a:effectRef idx="0">
+            <a:schemeClr val="accent1"/>
+          </a:effectRef>
+          <a:fontRef idx="minor">
+            <a:schemeClr val="lt1"/>
+          </a:fontRef>
+        </p:style>
+        <p:txBody>
+          <a:bodyPr rtlCol="0" anchor="ctr"/>
+          <a:lstStyle/>
+          <a:p>
+            <a:pPr algn="ctr"/>
+            <a:r>
+              <a:rPr lang="es-MX" dirty="0">
+                <a:latin typeface="Consolas" panose="020B0609020204030204" pitchFamily="49" charset="0"/>
+                <a:cs typeface="Courier New" panose="02070309020205020404" pitchFamily="49" charset="0"/>
+              </a:rPr>
+              <a:t>Level2</a:t>
+            </a:r>
+          </a:p>
+        </p:txBody>
+      </p:sp>
+      <p:pic>
+        <p:nvPicPr>
+          <p:cNvPr id="9" name="Picture 8" descr="A picture containing drawing&#10;&#10;Description automatically generated">
+            <a:extLst>
+              <a:ext uri="{FF2B5EF4-FFF2-40B4-BE49-F238E27FC236}">
+                <a16:creationId xmlns:a16="http://schemas.microsoft.com/office/drawing/2014/main" id="{8A52CF7B-0A78-4E06-89CC-1B2C7399ED55}"/>
+              </a:ext>
+            </a:extLst>
+          </p:cNvPr>
+          <p:cNvPicPr>
+            <a:picLocks noChangeAspect="1"/>
+          </p:cNvPicPr>
+          <p:nvPr/>
+        </p:nvPicPr>
+        <p:blipFill>
+          <a:blip r:embed="rId2">
+            <a:extLst>
+              <a:ext uri="{28A0092B-C50C-407E-A947-70E740481C1C}">
+                <a14:useLocalDpi xmlns:a14="http://schemas.microsoft.com/office/drawing/2010/main" val="0"/>
+              </a:ext>
+            </a:extLst>
+          </a:blip>
+          <a:stretch>
+            <a:fillRect/>
+          </a:stretch>
+        </p:blipFill>
+        <p:spPr>
+          <a:xfrm>
+            <a:off x="639055" y="1845578"/>
+            <a:ext cx="3249505" cy="3707366"/>
+          </a:xfrm>
+          <a:prstGeom prst="rect">
+            <a:avLst/>
+          </a:prstGeom>
+        </p:spPr>
+      </p:pic>
+      <p:pic>
+        <p:nvPicPr>
+          <p:cNvPr id="11" name="Picture 10" descr="A picture containing drawing&#10;&#10;Description automatically generated">
+            <a:extLst>
+              <a:ext uri="{FF2B5EF4-FFF2-40B4-BE49-F238E27FC236}">
+                <a16:creationId xmlns:a16="http://schemas.microsoft.com/office/drawing/2014/main" id="{64959D38-761E-468C-BE9F-3F093F926245}"/>
+              </a:ext>
+            </a:extLst>
+          </p:cNvPr>
+          <p:cNvPicPr>
+            <a:picLocks noChangeAspect="1"/>
+          </p:cNvPicPr>
+          <p:nvPr/>
+        </p:nvPicPr>
+        <p:blipFill>
+          <a:blip r:embed="rId3">
+            <a:extLst>
+              <a:ext uri="{28A0092B-C50C-407E-A947-70E740481C1C}">
+                <a14:useLocalDpi xmlns:a14="http://schemas.microsoft.com/office/drawing/2010/main" val="0"/>
+              </a:ext>
+            </a:extLst>
+          </a:blip>
+          <a:stretch>
+            <a:fillRect/>
+          </a:stretch>
+        </p:blipFill>
+        <p:spPr>
+          <a:xfrm>
+            <a:off x="5863234" y="1740495"/>
+            <a:ext cx="649028" cy="649028"/>
+          </a:xfrm>
+          <a:prstGeom prst="rect">
+            <a:avLst/>
+          </a:prstGeom>
+        </p:spPr>
+      </p:pic>
+      <p:pic>
+        <p:nvPicPr>
+          <p:cNvPr id="13" name="Picture 12" descr="A picture containing drawing&#10;&#10;Description automatically generated">
+            <a:extLst>
+              <a:ext uri="{FF2B5EF4-FFF2-40B4-BE49-F238E27FC236}">
+                <a16:creationId xmlns:a16="http://schemas.microsoft.com/office/drawing/2014/main" id="{553F88BB-B3E9-41F6-B51A-18A4EA6FBC81}"/>
+              </a:ext>
+            </a:extLst>
+          </p:cNvPr>
+          <p:cNvPicPr>
+            <a:picLocks noChangeAspect="1"/>
+          </p:cNvPicPr>
+          <p:nvPr/>
+        </p:nvPicPr>
+        <p:blipFill>
+          <a:blip r:embed="rId4">
+            <a:extLst>
+              <a:ext uri="{28A0092B-C50C-407E-A947-70E740481C1C}">
+                <a14:useLocalDpi xmlns:a14="http://schemas.microsoft.com/office/drawing/2010/main" val="0"/>
+              </a:ext>
+            </a:extLst>
+          </a:blip>
+          <a:stretch>
+            <a:fillRect/>
+          </a:stretch>
+        </p:blipFill>
+        <p:spPr>
+          <a:xfrm>
+            <a:off x="6685488" y="2461021"/>
+            <a:ext cx="649028" cy="649028"/>
+          </a:xfrm>
+          <a:prstGeom prst="rect">
+            <a:avLst/>
+          </a:prstGeom>
+        </p:spPr>
+      </p:pic>
+      <p:pic>
+        <p:nvPicPr>
+          <p:cNvPr id="15" name="Picture 14" descr="A picture containing drawing, light&#10;&#10;Description automatically generated">
+            <a:extLst>
+              <a:ext uri="{FF2B5EF4-FFF2-40B4-BE49-F238E27FC236}">
+                <a16:creationId xmlns:a16="http://schemas.microsoft.com/office/drawing/2014/main" id="{23EF0E69-5071-4578-AB80-000A88FF1C39}"/>
+              </a:ext>
+            </a:extLst>
+          </p:cNvPr>
+          <p:cNvPicPr>
+            <a:picLocks noChangeAspect="1"/>
+          </p:cNvPicPr>
+          <p:nvPr/>
+        </p:nvPicPr>
+        <p:blipFill>
+          <a:blip r:embed="rId5">
+            <a:extLst>
+              <a:ext uri="{28A0092B-C50C-407E-A947-70E740481C1C}">
+                <a14:useLocalDpi xmlns:a14="http://schemas.microsoft.com/office/drawing/2010/main" val="0"/>
+              </a:ext>
+            </a:extLst>
+          </a:blip>
+          <a:stretch>
+            <a:fillRect/>
+          </a:stretch>
+        </p:blipFill>
+        <p:spPr>
+          <a:xfrm>
+            <a:off x="7654414" y="3244567"/>
+            <a:ext cx="649028" cy="649028"/>
+          </a:xfrm>
+          <a:prstGeom prst="rect">
+            <a:avLst/>
+          </a:prstGeom>
+        </p:spPr>
+      </p:pic>
+      <p:pic>
+        <p:nvPicPr>
+          <p:cNvPr id="17" name="Picture 16" descr="A picture containing drawing&#10;&#10;Description automatically generated">
+            <a:extLst>
+              <a:ext uri="{FF2B5EF4-FFF2-40B4-BE49-F238E27FC236}">
+                <a16:creationId xmlns:a16="http://schemas.microsoft.com/office/drawing/2014/main" id="{3E927AAD-BB88-4654-A9C8-7B321C039A63}"/>
+              </a:ext>
+            </a:extLst>
+          </p:cNvPr>
+          <p:cNvPicPr>
+            <a:picLocks noChangeAspect="1"/>
+          </p:cNvPicPr>
+          <p:nvPr/>
+        </p:nvPicPr>
+        <p:blipFill>
+          <a:blip r:embed="rId6">
+            <a:extLst>
+              <a:ext uri="{28A0092B-C50C-407E-A947-70E740481C1C}">
+                <a14:useLocalDpi xmlns:a14="http://schemas.microsoft.com/office/drawing/2010/main" val="0"/>
+              </a:ext>
+            </a:extLst>
+          </a:blip>
+          <a:stretch>
+            <a:fillRect/>
+          </a:stretch>
+        </p:blipFill>
+        <p:spPr>
+          <a:xfrm>
+            <a:off x="8481964" y="4030470"/>
+            <a:ext cx="649028" cy="649028"/>
+          </a:xfrm>
+          <a:prstGeom prst="rect">
+            <a:avLst/>
+          </a:prstGeom>
+        </p:spPr>
+      </p:pic>
+      <p:pic>
+        <p:nvPicPr>
+          <p:cNvPr id="19" name="Picture 18" descr="A picture containing drawing&#10;&#10;Description automatically generated">
+            <a:extLst>
+              <a:ext uri="{FF2B5EF4-FFF2-40B4-BE49-F238E27FC236}">
+                <a16:creationId xmlns:a16="http://schemas.microsoft.com/office/drawing/2014/main" id="{1B9A1E90-79C0-4EF4-82E1-73939AF20932}"/>
+              </a:ext>
+            </a:extLst>
+          </p:cNvPr>
+          <p:cNvPicPr>
+            <a:picLocks noChangeAspect="1"/>
+          </p:cNvPicPr>
+          <p:nvPr/>
+        </p:nvPicPr>
+        <p:blipFill>
+          <a:blip r:embed="rId7">
+            <a:extLst>
+              <a:ext uri="{28A0092B-C50C-407E-A947-70E740481C1C}">
+                <a14:useLocalDpi xmlns:a14="http://schemas.microsoft.com/office/drawing/2010/main" val="0"/>
+              </a:ext>
+            </a:extLst>
+          </a:blip>
+          <a:stretch>
+            <a:fillRect/>
+          </a:stretch>
+        </p:blipFill>
+        <p:spPr>
+          <a:xfrm>
+            <a:off x="9729061" y="4807348"/>
+            <a:ext cx="649028" cy="649028"/>
+          </a:xfrm>
+          <a:prstGeom prst="rect">
+            <a:avLst/>
+          </a:prstGeom>
+        </p:spPr>
+      </p:pic>
+      <p:sp>
+        <p:nvSpPr>
+          <p:cNvPr id="21" name="Oval 20">
+            <a:extLst>
+              <a:ext uri="{FF2B5EF4-FFF2-40B4-BE49-F238E27FC236}">
+                <a16:creationId xmlns:a16="http://schemas.microsoft.com/office/drawing/2014/main" id="{D17D8C7A-2364-4B00-A5D3-C56B7A70D27F}"/>
+              </a:ext>
+            </a:extLst>
+          </p:cNvPr>
+          <p:cNvSpPr/>
+          <p:nvPr/>
+        </p:nvSpPr>
+        <p:spPr>
+          <a:xfrm>
+            <a:off x="6073882" y="1951143"/>
+            <a:ext cx="227732" cy="227732"/>
+          </a:xfrm>
+          <a:prstGeom prst="ellipse">
+            <a:avLst/>
+          </a:prstGeom>
+          <a:solidFill>
+            <a:schemeClr val="bg1"/>
+          </a:solidFill>
+          <a:ln>
+            <a:solidFill>
+              <a:schemeClr val="bg1"/>
+            </a:solidFill>
+          </a:ln>
+        </p:spPr>
+        <p:style>
+          <a:lnRef idx="2">
+            <a:schemeClr val="accent1">
+              <a:shade val="50000"/>
+            </a:schemeClr>
+          </a:lnRef>
+          <a:fillRef idx="1">
+            <a:schemeClr val="accent1"/>
+          </a:fillRef>
+          <a:effectRef idx="0">
+            <a:schemeClr val="accent1"/>
+          </a:effectRef>
+          <a:fontRef idx="minor">
+            <a:schemeClr val="lt1"/>
+          </a:fontRef>
+        </p:style>
+        <p:txBody>
+          <a:bodyPr rtlCol="0" anchor="ctr"/>
+          <a:lstStyle/>
+          <a:p>
+            <a:pPr algn="ctr"/>
+            <a:endParaRPr lang="es-MX" dirty="0">
+              <a:solidFill>
+                <a:sysClr val="windowText" lastClr="000000"/>
+              </a:solidFill>
+            </a:endParaRPr>
+          </a:p>
+        </p:txBody>
+      </p:sp>
+      <p:sp>
+        <p:nvSpPr>
+          <p:cNvPr id="23" name="Oval 22">
+            <a:extLst>
+              <a:ext uri="{FF2B5EF4-FFF2-40B4-BE49-F238E27FC236}">
+                <a16:creationId xmlns:a16="http://schemas.microsoft.com/office/drawing/2014/main" id="{0CB06B11-22A5-46DD-A13B-15CE749034A3}"/>
+              </a:ext>
+            </a:extLst>
+          </p:cNvPr>
+          <p:cNvSpPr/>
+          <p:nvPr/>
+        </p:nvSpPr>
+        <p:spPr>
+          <a:xfrm>
+            <a:off x="7842308" y="3455215"/>
+            <a:ext cx="227732" cy="227732"/>
+          </a:xfrm>
+          <a:prstGeom prst="ellipse">
+            <a:avLst/>
+          </a:prstGeom>
+          <a:solidFill>
+            <a:schemeClr val="bg1"/>
+          </a:solidFill>
+          <a:ln>
+            <a:solidFill>
+              <a:schemeClr val="bg1"/>
+            </a:solidFill>
+          </a:ln>
+        </p:spPr>
+        <p:style>
+          <a:lnRef idx="2">
+            <a:schemeClr val="accent1">
+              <a:shade val="50000"/>
+            </a:schemeClr>
+          </a:lnRef>
+          <a:fillRef idx="1">
+            <a:schemeClr val="accent1"/>
+          </a:fillRef>
+          <a:effectRef idx="0">
+            <a:schemeClr val="accent1"/>
+          </a:effectRef>
+          <a:fontRef idx="minor">
+            <a:schemeClr val="lt1"/>
+          </a:fontRef>
+        </p:style>
+        <p:txBody>
+          <a:bodyPr rtlCol="0" anchor="ctr"/>
+          <a:lstStyle/>
+          <a:p>
+            <a:pPr algn="ctr"/>
+            <a:endParaRPr lang="es-MX" dirty="0">
+              <a:solidFill>
+                <a:sysClr val="windowText" lastClr="000000"/>
+              </a:solidFill>
+            </a:endParaRPr>
+          </a:p>
+        </p:txBody>
+      </p:sp>
+      <p:sp>
+        <p:nvSpPr>
+          <p:cNvPr id="25" name="Oval 24">
+            <a:extLst>
+              <a:ext uri="{FF2B5EF4-FFF2-40B4-BE49-F238E27FC236}">
+                <a16:creationId xmlns:a16="http://schemas.microsoft.com/office/drawing/2014/main" id="{5207A54F-DEEC-4DDC-ACFF-4A02261BB8BC}"/>
+              </a:ext>
+            </a:extLst>
+          </p:cNvPr>
+          <p:cNvSpPr/>
+          <p:nvPr/>
+        </p:nvSpPr>
+        <p:spPr>
+          <a:xfrm>
+            <a:off x="6896136" y="2671669"/>
+            <a:ext cx="227732" cy="227732"/>
+          </a:xfrm>
+          <a:prstGeom prst="ellipse">
+            <a:avLst/>
+          </a:prstGeom>
+          <a:solidFill>
+            <a:schemeClr val="bg1"/>
+          </a:solidFill>
+          <a:ln>
+            <a:solidFill>
+              <a:schemeClr val="bg1"/>
+            </a:solidFill>
+          </a:ln>
+        </p:spPr>
+        <p:style>
+          <a:lnRef idx="2">
+            <a:schemeClr val="accent1">
+              <a:shade val="50000"/>
+            </a:schemeClr>
+          </a:lnRef>
+          <a:fillRef idx="1">
+            <a:schemeClr val="accent1"/>
+          </a:fillRef>
+          <a:effectRef idx="0">
+            <a:schemeClr val="accent1"/>
+          </a:effectRef>
+          <a:fontRef idx="minor">
+            <a:schemeClr val="lt1"/>
+          </a:fontRef>
+        </p:style>
+        <p:txBody>
+          <a:bodyPr rtlCol="0" anchor="ctr"/>
+          <a:lstStyle/>
+          <a:p>
+            <a:pPr algn="ctr"/>
+            <a:endParaRPr lang="es-MX" dirty="0">
+              <a:solidFill>
+                <a:sysClr val="windowText" lastClr="000000"/>
+              </a:solidFill>
+            </a:endParaRPr>
+          </a:p>
+        </p:txBody>
+      </p:sp>
+      <p:sp>
+        <p:nvSpPr>
+          <p:cNvPr id="27" name="Oval 26">
+            <a:extLst>
+              <a:ext uri="{FF2B5EF4-FFF2-40B4-BE49-F238E27FC236}">
+                <a16:creationId xmlns:a16="http://schemas.microsoft.com/office/drawing/2014/main" id="{DA95D1DD-572E-40B3-A6E3-35B46DB44550}"/>
+              </a:ext>
+            </a:extLst>
+          </p:cNvPr>
+          <p:cNvSpPr/>
+          <p:nvPr/>
+        </p:nvSpPr>
+        <p:spPr>
+          <a:xfrm>
+            <a:off x="8692612" y="4241118"/>
+            <a:ext cx="227732" cy="227732"/>
+          </a:xfrm>
+          <a:prstGeom prst="ellipse">
+            <a:avLst/>
+          </a:prstGeom>
+          <a:solidFill>
+            <a:schemeClr val="bg1"/>
+          </a:solidFill>
+          <a:ln>
+            <a:solidFill>
+              <a:schemeClr val="bg1"/>
+            </a:solidFill>
+          </a:ln>
+        </p:spPr>
+        <p:style>
+          <a:lnRef idx="2">
+            <a:schemeClr val="accent1">
+              <a:shade val="50000"/>
+            </a:schemeClr>
+          </a:lnRef>
+          <a:fillRef idx="1">
+            <a:schemeClr val="accent1"/>
+          </a:fillRef>
+          <a:effectRef idx="0">
+            <a:schemeClr val="accent1"/>
+          </a:effectRef>
+          <a:fontRef idx="minor">
+            <a:schemeClr val="lt1"/>
+          </a:fontRef>
+        </p:style>
+        <p:txBody>
+          <a:bodyPr rtlCol="0" anchor="ctr"/>
+          <a:lstStyle/>
+          <a:p>
+            <a:pPr algn="ctr"/>
+            <a:endParaRPr lang="es-MX" dirty="0">
+              <a:solidFill>
+                <a:sysClr val="windowText" lastClr="000000"/>
+              </a:solidFill>
+            </a:endParaRPr>
+          </a:p>
+        </p:txBody>
+      </p:sp>
+      <p:sp>
+        <p:nvSpPr>
+          <p:cNvPr id="29" name="Oval 28">
+            <a:extLst>
+              <a:ext uri="{FF2B5EF4-FFF2-40B4-BE49-F238E27FC236}">
+                <a16:creationId xmlns:a16="http://schemas.microsoft.com/office/drawing/2014/main" id="{E0A59819-FC03-4E9A-BE0F-F13BE6288264}"/>
+              </a:ext>
+            </a:extLst>
+          </p:cNvPr>
+          <p:cNvSpPr/>
+          <p:nvPr/>
+        </p:nvSpPr>
+        <p:spPr>
+          <a:xfrm>
+            <a:off x="9939709" y="5017996"/>
+            <a:ext cx="227732" cy="227732"/>
+          </a:xfrm>
+          <a:prstGeom prst="ellipse">
+            <a:avLst/>
+          </a:prstGeom>
+          <a:solidFill>
+            <a:schemeClr val="bg1"/>
+          </a:solidFill>
+          <a:ln>
+            <a:solidFill>
+              <a:schemeClr val="bg1"/>
+            </a:solidFill>
+          </a:ln>
+        </p:spPr>
+        <p:style>
+          <a:lnRef idx="2">
+            <a:schemeClr val="accent1">
+              <a:shade val="50000"/>
+            </a:schemeClr>
+          </a:lnRef>
+          <a:fillRef idx="1">
+            <a:schemeClr val="accent1"/>
+          </a:fillRef>
+          <a:effectRef idx="0">
+            <a:schemeClr val="accent1"/>
+          </a:effectRef>
+          <a:fontRef idx="minor">
+            <a:schemeClr val="lt1"/>
+          </a:fontRef>
+        </p:style>
+        <p:txBody>
+          <a:bodyPr rtlCol="0" anchor="ctr"/>
+          <a:lstStyle/>
+          <a:p>
+            <a:pPr algn="ctr"/>
+            <a:endParaRPr lang="es-MX" dirty="0">
+              <a:solidFill>
+                <a:sysClr val="windowText" lastClr="000000"/>
+              </a:solidFill>
+            </a:endParaRPr>
+          </a:p>
+        </p:txBody>
+      </p:sp>
+      <p:cxnSp>
+        <p:nvCxnSpPr>
+          <p:cNvPr id="3" name="Straight Connector 2">
+            <a:extLst>
+              <a:ext uri="{FF2B5EF4-FFF2-40B4-BE49-F238E27FC236}">
+                <a16:creationId xmlns:a16="http://schemas.microsoft.com/office/drawing/2014/main" id="{9C103705-F06D-420A-AE1A-E986225CD3FD}"/>
+              </a:ext>
+            </a:extLst>
+          </p:cNvPr>
+          <p:cNvCxnSpPr>
+            <a:stCxn id="21" idx="5"/>
+            <a:endCxn id="29" idx="2"/>
+          </p:cNvCxnSpPr>
+          <p:nvPr/>
+        </p:nvCxnSpPr>
+        <p:spPr>
+          <a:xfrm>
+            <a:off x="6268263" y="2145524"/>
+            <a:ext cx="3671446" cy="2986338"/>
+          </a:xfrm>
+          <a:prstGeom prst="line">
+            <a:avLst/>
+          </a:prstGeom>
+          <a:ln w="76200">
+            <a:solidFill>
+              <a:schemeClr val="bg1"/>
+            </a:solidFill>
+          </a:ln>
+        </p:spPr>
+        <p:style>
+          <a:lnRef idx="1">
+            <a:schemeClr val="accent1"/>
+          </a:lnRef>
+          <a:fillRef idx="0">
+            <a:schemeClr val="accent1"/>
+          </a:fillRef>
+          <a:effectRef idx="0">
+            <a:schemeClr val="accent1"/>
+          </a:effectRef>
+          <a:fontRef idx="minor">
+            <a:schemeClr val="tx1"/>
+          </a:fontRef>
+        </p:style>
+      </p:cxnSp>
+    </p:spTree>
+    <p:extLst>
+      <p:ext uri="{BB962C8B-B14F-4D97-AF65-F5344CB8AC3E}">
+        <p14:creationId xmlns:p14="http://schemas.microsoft.com/office/powerpoint/2010/main" val="52441115"/>
+      </p:ext>
+    </p:extLst>
+  </p:cSld>
+  <p:clrMapOvr>
+    <a:masterClrMapping/>
+  </p:clrMapOvr>
+</p:sld>
+</file>
+
+<file path=ppt/slides/slide6.xml><?xml version="1.0" encoding="utf-8"?>
+<p:sld xmlns:a="http://schemas.openxmlformats.org/drawingml/2006/main" xmlns:r="http://schemas.openxmlformats.org/officeDocument/2006/relationships" xmlns:p="http://schemas.openxmlformats.org/presentationml/2006/main">
+  <p:cSld>
+    <p:bg>
+      <p:bgPr>
+        <a:solidFill>
+          <a:schemeClr val="tx1"/>
+        </a:solidFill>
+        <a:effectLst/>
+      </p:bgPr>
+    </p:bg>
+    <p:spTree>
+      <p:nvGrpSpPr>
+        <p:cNvPr id="1" name=""/>
+        <p:cNvGrpSpPr/>
+        <p:nvPr/>
+      </p:nvGrpSpPr>
+      <p:grpSpPr>
+        <a:xfrm>
+          <a:off x="0" y="0"/>
+          <a:ext cx="0" cy="0"/>
+          <a:chOff x="0" y="0"/>
+          <a:chExt cx="0" cy="0"/>
+        </a:xfrm>
+      </p:grpSpPr>
+      <p:sp>
+        <p:nvSpPr>
+          <p:cNvPr id="5" name="Rectangle: Rounded Corners 4">
+            <a:extLst>
+              <a:ext uri="{FF2B5EF4-FFF2-40B4-BE49-F238E27FC236}">
+                <a16:creationId xmlns:a16="http://schemas.microsoft.com/office/drawing/2014/main" id="{0FC681C2-F285-4A45-A560-9BC6B526B759}"/>
+              </a:ext>
+            </a:extLst>
+          </p:cNvPr>
+          <p:cNvSpPr/>
+          <p:nvPr/>
+        </p:nvSpPr>
+        <p:spPr>
+          <a:xfrm>
+            <a:off x="8995183" y="185884"/>
+            <a:ext cx="2854738" cy="461394"/>
+          </a:xfrm>
+          <a:prstGeom prst="roundRect">
+            <a:avLst>
+              <a:gd name="adj" fmla="val 50000"/>
+            </a:avLst>
+          </a:prstGeom>
+          <a:solidFill>
+            <a:srgbClr val="000000">
+              <a:alpha val="47843"/>
+            </a:srgbClr>
+          </a:solidFill>
+          <a:ln>
+            <a:noFill/>
+          </a:ln>
+        </p:spPr>
+        <p:style>
+          <a:lnRef idx="2">
+            <a:schemeClr val="accent1">
+              <a:shade val="50000"/>
+            </a:schemeClr>
+          </a:lnRef>
+          <a:fillRef idx="1">
+            <a:schemeClr val="accent1"/>
+          </a:fillRef>
+          <a:effectRef idx="0">
+            <a:schemeClr val="accent1"/>
+          </a:effectRef>
+          <a:fontRef idx="minor">
+            <a:schemeClr val="lt1"/>
+          </a:fontRef>
+        </p:style>
+        <p:txBody>
+          <a:bodyPr rtlCol="0" anchor="ctr"/>
+          <a:lstStyle/>
+          <a:p>
+            <a:pPr algn="ctr"/>
+            <a:r>
+              <a:rPr lang="es-MX" dirty="0">
+                <a:latin typeface="Consolas" panose="020B0609020204030204" pitchFamily="49" charset="0"/>
+                <a:cs typeface="Courier New" panose="02070309020205020404" pitchFamily="49" charset="0"/>
+              </a:rPr>
+              <a:t>Level3</a:t>
+            </a:r>
+          </a:p>
+        </p:txBody>
+      </p:sp>
+      <p:pic>
+        <p:nvPicPr>
+          <p:cNvPr id="9" name="Picture 8" descr="A picture containing drawing&#10;&#10;Description automatically generated">
+            <a:extLst>
+              <a:ext uri="{FF2B5EF4-FFF2-40B4-BE49-F238E27FC236}">
+                <a16:creationId xmlns:a16="http://schemas.microsoft.com/office/drawing/2014/main" id="{8A52CF7B-0A78-4E06-89CC-1B2C7399ED55}"/>
+              </a:ext>
+            </a:extLst>
+          </p:cNvPr>
+          <p:cNvPicPr>
+            <a:picLocks noChangeAspect="1"/>
+          </p:cNvPicPr>
+          <p:nvPr/>
+        </p:nvPicPr>
+        <p:blipFill>
+          <a:blip r:embed="rId2">
+            <a:extLst>
+              <a:ext uri="{28A0092B-C50C-407E-A947-70E740481C1C}">
+                <a14:useLocalDpi xmlns:a14="http://schemas.microsoft.com/office/drawing/2010/main" val="0"/>
+              </a:ext>
+            </a:extLst>
+          </a:blip>
+          <a:stretch>
+            <a:fillRect/>
+          </a:stretch>
+        </p:blipFill>
+        <p:spPr>
+          <a:xfrm>
+            <a:off x="639055" y="1845578"/>
+            <a:ext cx="3249505" cy="3707366"/>
+          </a:xfrm>
+          <a:prstGeom prst="rect">
+            <a:avLst/>
+          </a:prstGeom>
+        </p:spPr>
+      </p:pic>
+      <p:grpSp>
+        <p:nvGrpSpPr>
+          <p:cNvPr id="30" name="Group 29">
+            <a:extLst>
+              <a:ext uri="{FF2B5EF4-FFF2-40B4-BE49-F238E27FC236}">
+                <a16:creationId xmlns:a16="http://schemas.microsoft.com/office/drawing/2014/main" id="{A60EA9E6-A425-42C8-B3D6-854E347CD2C3}"/>
+              </a:ext>
+            </a:extLst>
+          </p:cNvPr>
+          <p:cNvGrpSpPr/>
+          <p:nvPr/>
+        </p:nvGrpSpPr>
+        <p:grpSpPr>
+          <a:xfrm>
+            <a:off x="978652" y="3158350"/>
+            <a:ext cx="2603447" cy="1584950"/>
+            <a:chOff x="1163210" y="4494125"/>
+            <a:chExt cx="2090727" cy="1272812"/>
+          </a:xfrm>
+        </p:grpSpPr>
+        <p:pic>
+          <p:nvPicPr>
+            <p:cNvPr id="11" name="Picture 10" descr="A picture containing drawing&#10;&#10;Description automatically generated">
+              <a:extLst>
+                <a:ext uri="{FF2B5EF4-FFF2-40B4-BE49-F238E27FC236}">
+                  <a16:creationId xmlns:a16="http://schemas.microsoft.com/office/drawing/2014/main" id="{64959D38-761E-468C-BE9F-3F093F926245}"/>
+                </a:ext>
+              </a:extLst>
+            </p:cNvPr>
+            <p:cNvPicPr>
+              <a:picLocks noChangeAspect="1"/>
+            </p:cNvPicPr>
+            <p:nvPr/>
+          </p:nvPicPr>
+          <p:blipFill>
+            <a:blip r:embed="rId3">
+              <a:extLst>
+                <a:ext uri="{28A0092B-C50C-407E-A947-70E740481C1C}">
+                  <a14:useLocalDpi xmlns:a14="http://schemas.microsoft.com/office/drawing/2010/main" val="0"/>
+                </a:ext>
+              </a:extLst>
+            </a:blip>
+            <a:stretch>
+              <a:fillRect/>
+            </a:stretch>
+          </p:blipFill>
+          <p:spPr>
+            <a:xfrm>
+              <a:off x="1163210" y="4503242"/>
+              <a:ext cx="521209" cy="521209"/>
+            </a:xfrm>
+            <a:prstGeom prst="rect">
+              <a:avLst/>
+            </a:prstGeom>
+          </p:spPr>
+        </p:pic>
+        <p:pic>
+          <p:nvPicPr>
+            <p:cNvPr id="13" name="Picture 12" descr="A picture containing drawing&#10;&#10;Description automatically generated">
+              <a:extLst>
+                <a:ext uri="{FF2B5EF4-FFF2-40B4-BE49-F238E27FC236}">
+                  <a16:creationId xmlns:a16="http://schemas.microsoft.com/office/drawing/2014/main" id="{553F88BB-B3E9-41F6-B51A-18A4EA6FBC81}"/>
+                </a:ext>
+              </a:extLst>
+            </p:cNvPr>
+            <p:cNvPicPr>
+              <a:picLocks noChangeAspect="1"/>
+            </p:cNvPicPr>
+            <p:nvPr/>
+          </p:nvPicPr>
+          <p:blipFill>
+            <a:blip r:embed="rId4">
+              <a:extLst>
+                <a:ext uri="{28A0092B-C50C-407E-A947-70E740481C1C}">
+                  <a14:useLocalDpi xmlns:a14="http://schemas.microsoft.com/office/drawing/2010/main" val="0"/>
+                </a:ext>
+              </a:extLst>
+            </a:blip>
+            <a:stretch>
+              <a:fillRect/>
+            </a:stretch>
+          </p:blipFill>
+          <p:spPr>
+            <a:xfrm>
+              <a:off x="1947969" y="4503242"/>
+              <a:ext cx="521209" cy="521209"/>
+            </a:xfrm>
+            <a:prstGeom prst="rect">
+              <a:avLst/>
+            </a:prstGeom>
+          </p:spPr>
+        </p:pic>
+        <p:pic>
+          <p:nvPicPr>
+            <p:cNvPr id="15" name="Picture 14" descr="A picture containing drawing, light&#10;&#10;Description automatically generated">
+              <a:extLst>
+                <a:ext uri="{FF2B5EF4-FFF2-40B4-BE49-F238E27FC236}">
+                  <a16:creationId xmlns:a16="http://schemas.microsoft.com/office/drawing/2014/main" id="{23EF0E69-5071-4578-AB80-000A88FF1C39}"/>
+                </a:ext>
+              </a:extLst>
+            </p:cNvPr>
+            <p:cNvPicPr>
+              <a:picLocks noChangeAspect="1"/>
+            </p:cNvPicPr>
+            <p:nvPr/>
+          </p:nvPicPr>
+          <p:blipFill>
+            <a:blip r:embed="rId5">
+              <a:extLst>
+                <a:ext uri="{28A0092B-C50C-407E-A947-70E740481C1C}">
+                  <a14:useLocalDpi xmlns:a14="http://schemas.microsoft.com/office/drawing/2010/main" val="0"/>
+                </a:ext>
+              </a:extLst>
+            </a:blip>
+            <a:stretch>
+              <a:fillRect/>
+            </a:stretch>
+          </p:blipFill>
+          <p:spPr>
+            <a:xfrm>
+              <a:off x="2732728" y="4494125"/>
+              <a:ext cx="521209" cy="521209"/>
+            </a:xfrm>
+            <a:prstGeom prst="rect">
+              <a:avLst/>
+            </a:prstGeom>
+          </p:spPr>
+        </p:pic>
+        <p:pic>
+          <p:nvPicPr>
+            <p:cNvPr id="17" name="Picture 16" descr="A picture containing drawing&#10;&#10;Description automatically generated">
+              <a:extLst>
+                <a:ext uri="{FF2B5EF4-FFF2-40B4-BE49-F238E27FC236}">
+                  <a16:creationId xmlns:a16="http://schemas.microsoft.com/office/drawing/2014/main" id="{3E927AAD-BB88-4654-A9C8-7B321C039A63}"/>
+                </a:ext>
+              </a:extLst>
+            </p:cNvPr>
+            <p:cNvPicPr>
+              <a:picLocks noChangeAspect="1"/>
+            </p:cNvPicPr>
+            <p:nvPr/>
+          </p:nvPicPr>
+          <p:blipFill>
+            <a:blip r:embed="rId6">
+              <a:extLst>
+                <a:ext uri="{28A0092B-C50C-407E-A947-70E740481C1C}">
+                  <a14:useLocalDpi xmlns:a14="http://schemas.microsoft.com/office/drawing/2010/main" val="0"/>
+                </a:ext>
+              </a:extLst>
+            </a:blip>
+            <a:stretch>
+              <a:fillRect/>
+            </a:stretch>
+          </p:blipFill>
+          <p:spPr>
+            <a:xfrm>
+              <a:off x="1426760" y="5245728"/>
+              <a:ext cx="521209" cy="521209"/>
+            </a:xfrm>
+            <a:prstGeom prst="rect">
+              <a:avLst/>
+            </a:prstGeom>
+          </p:spPr>
+        </p:pic>
+        <p:pic>
+          <p:nvPicPr>
+            <p:cNvPr id="19" name="Picture 18" descr="A picture containing drawing&#10;&#10;Description automatically generated">
+              <a:extLst>
+                <a:ext uri="{FF2B5EF4-FFF2-40B4-BE49-F238E27FC236}">
+                  <a16:creationId xmlns:a16="http://schemas.microsoft.com/office/drawing/2014/main" id="{1B9A1E90-79C0-4EF4-82E1-73939AF20932}"/>
+                </a:ext>
+              </a:extLst>
+            </p:cNvPr>
+            <p:cNvPicPr>
+              <a:picLocks noChangeAspect="1"/>
+            </p:cNvPicPr>
+            <p:nvPr/>
+          </p:nvPicPr>
+          <p:blipFill>
+            <a:blip r:embed="rId7">
+              <a:extLst>
+                <a:ext uri="{28A0092B-C50C-407E-A947-70E740481C1C}">
+                  <a14:useLocalDpi xmlns:a14="http://schemas.microsoft.com/office/drawing/2010/main" val="0"/>
+                </a:ext>
+              </a:extLst>
+            </a:blip>
+            <a:stretch>
+              <a:fillRect/>
+            </a:stretch>
+          </p:blipFill>
+          <p:spPr>
+            <a:xfrm>
+              <a:off x="2397055" y="5245728"/>
+              <a:ext cx="521209" cy="521209"/>
+            </a:xfrm>
+            <a:prstGeom prst="rect">
+              <a:avLst/>
+            </a:prstGeom>
+          </p:spPr>
+        </p:pic>
+      </p:grpSp>
+      <p:sp>
+        <p:nvSpPr>
+          <p:cNvPr id="21" name="Oval 20">
+            <a:extLst>
+              <a:ext uri="{FF2B5EF4-FFF2-40B4-BE49-F238E27FC236}">
+                <a16:creationId xmlns:a16="http://schemas.microsoft.com/office/drawing/2014/main" id="{D17D8C7A-2364-4B00-A5D3-C56B7A70D27F}"/>
+              </a:ext>
+            </a:extLst>
+          </p:cNvPr>
+          <p:cNvSpPr/>
+          <p:nvPr/>
+        </p:nvSpPr>
+        <p:spPr>
+          <a:xfrm>
+            <a:off x="4773589" y="2102145"/>
+            <a:ext cx="227732" cy="227732"/>
+          </a:xfrm>
+          <a:prstGeom prst="ellipse">
+            <a:avLst/>
+          </a:prstGeom>
+          <a:solidFill>
+            <a:schemeClr val="bg1"/>
+          </a:solidFill>
+          <a:ln>
+            <a:solidFill>
+              <a:schemeClr val="bg1"/>
+            </a:solidFill>
+          </a:ln>
+        </p:spPr>
+        <p:style>
+          <a:lnRef idx="2">
+            <a:schemeClr val="accent1">
+              <a:shade val="50000"/>
+            </a:schemeClr>
+          </a:lnRef>
+          <a:fillRef idx="1">
+            <a:schemeClr val="accent1"/>
+          </a:fillRef>
+          <a:effectRef idx="0">
+            <a:schemeClr val="accent1"/>
+          </a:effectRef>
+          <a:fontRef idx="minor">
+            <a:schemeClr val="lt1"/>
+          </a:fontRef>
+        </p:style>
+        <p:txBody>
+          <a:bodyPr rtlCol="0" anchor="ctr"/>
+          <a:lstStyle/>
+          <a:p>
+            <a:pPr algn="ctr"/>
+            <a:endParaRPr lang="es-MX" dirty="0">
+              <a:solidFill>
+                <a:sysClr val="windowText" lastClr="000000"/>
+              </a:solidFill>
+            </a:endParaRPr>
+          </a:p>
+        </p:txBody>
+      </p:sp>
+      <p:sp>
+        <p:nvSpPr>
+          <p:cNvPr id="23" name="Oval 22">
+            <a:extLst>
+              <a:ext uri="{FF2B5EF4-FFF2-40B4-BE49-F238E27FC236}">
+                <a16:creationId xmlns:a16="http://schemas.microsoft.com/office/drawing/2014/main" id="{0CB06B11-22A5-46DD-A13B-15CE749034A3}"/>
+              </a:ext>
+            </a:extLst>
+          </p:cNvPr>
+          <p:cNvSpPr/>
+          <p:nvPr/>
+        </p:nvSpPr>
+        <p:spPr>
+          <a:xfrm>
+            <a:off x="6340679" y="4904130"/>
+            <a:ext cx="227732" cy="227732"/>
+          </a:xfrm>
+          <a:prstGeom prst="ellipse">
+            <a:avLst/>
+          </a:prstGeom>
+          <a:solidFill>
+            <a:schemeClr val="bg1"/>
+          </a:solidFill>
+          <a:ln>
+            <a:solidFill>
+              <a:schemeClr val="bg1"/>
+            </a:solidFill>
+          </a:ln>
+        </p:spPr>
+        <p:style>
+          <a:lnRef idx="2">
+            <a:schemeClr val="accent1">
+              <a:shade val="50000"/>
+            </a:schemeClr>
+          </a:lnRef>
+          <a:fillRef idx="1">
+            <a:schemeClr val="accent1"/>
+          </a:fillRef>
+          <a:effectRef idx="0">
+            <a:schemeClr val="accent1"/>
+          </a:effectRef>
+          <a:fontRef idx="minor">
+            <a:schemeClr val="lt1"/>
+          </a:fontRef>
+        </p:style>
+        <p:txBody>
+          <a:bodyPr rtlCol="0" anchor="ctr"/>
+          <a:lstStyle/>
+          <a:p>
+            <a:pPr algn="ctr"/>
+            <a:endParaRPr lang="es-MX" dirty="0">
+              <a:solidFill>
+                <a:sysClr val="windowText" lastClr="000000"/>
+              </a:solidFill>
+            </a:endParaRPr>
+          </a:p>
+        </p:txBody>
+      </p:sp>
+      <p:sp>
+        <p:nvSpPr>
+          <p:cNvPr id="25" name="Oval 24">
+            <a:extLst>
+              <a:ext uri="{FF2B5EF4-FFF2-40B4-BE49-F238E27FC236}">
+                <a16:creationId xmlns:a16="http://schemas.microsoft.com/office/drawing/2014/main" id="{5207A54F-DEEC-4DDC-ACFF-4A02261BB8BC}"/>
+              </a:ext>
+            </a:extLst>
+          </p:cNvPr>
+          <p:cNvSpPr/>
+          <p:nvPr/>
+        </p:nvSpPr>
+        <p:spPr>
+          <a:xfrm>
+            <a:off x="5523836" y="2922619"/>
+            <a:ext cx="227732" cy="227732"/>
+          </a:xfrm>
+          <a:prstGeom prst="ellipse">
+            <a:avLst/>
+          </a:prstGeom>
+          <a:solidFill>
+            <a:schemeClr val="bg1"/>
+          </a:solidFill>
+          <a:ln>
+            <a:solidFill>
+              <a:schemeClr val="bg1"/>
+            </a:solidFill>
+          </a:ln>
+        </p:spPr>
+        <p:style>
+          <a:lnRef idx="2">
+            <a:schemeClr val="accent1">
+              <a:shade val="50000"/>
+            </a:schemeClr>
+          </a:lnRef>
+          <a:fillRef idx="1">
+            <a:schemeClr val="accent1"/>
+          </a:fillRef>
+          <a:effectRef idx="0">
+            <a:schemeClr val="accent1"/>
+          </a:effectRef>
+          <a:fontRef idx="minor">
+            <a:schemeClr val="lt1"/>
+          </a:fontRef>
+        </p:style>
+        <p:txBody>
+          <a:bodyPr rtlCol="0" anchor="ctr"/>
+          <a:lstStyle/>
+          <a:p>
+            <a:pPr algn="ctr"/>
+            <a:endParaRPr lang="es-MX" dirty="0">
+              <a:solidFill>
+                <a:sysClr val="windowText" lastClr="000000"/>
+              </a:solidFill>
+            </a:endParaRPr>
+          </a:p>
+        </p:txBody>
+      </p:sp>
+      <p:sp>
+        <p:nvSpPr>
+          <p:cNvPr id="27" name="Oval 26">
+            <a:extLst>
+              <a:ext uri="{FF2B5EF4-FFF2-40B4-BE49-F238E27FC236}">
+                <a16:creationId xmlns:a16="http://schemas.microsoft.com/office/drawing/2014/main" id="{DA95D1DD-572E-40B3-A6E3-35B46DB44550}"/>
+              </a:ext>
+            </a:extLst>
+          </p:cNvPr>
+          <p:cNvSpPr/>
+          <p:nvPr/>
+        </p:nvSpPr>
+        <p:spPr>
+          <a:xfrm>
+            <a:off x="7207761" y="4192152"/>
+            <a:ext cx="227732" cy="227732"/>
+          </a:xfrm>
+          <a:prstGeom prst="ellipse">
+            <a:avLst/>
+          </a:prstGeom>
+          <a:solidFill>
+            <a:schemeClr val="bg1"/>
+          </a:solidFill>
+          <a:ln>
+            <a:solidFill>
+              <a:schemeClr val="bg1"/>
+            </a:solidFill>
+          </a:ln>
+        </p:spPr>
+        <p:style>
+          <a:lnRef idx="2">
+            <a:schemeClr val="accent1">
+              <a:shade val="50000"/>
+            </a:schemeClr>
+          </a:lnRef>
+          <a:fillRef idx="1">
+            <a:schemeClr val="accent1"/>
+          </a:fillRef>
+          <a:effectRef idx="0">
+            <a:schemeClr val="accent1"/>
+          </a:effectRef>
+          <a:fontRef idx="minor">
+            <a:schemeClr val="lt1"/>
+          </a:fontRef>
+        </p:style>
+        <p:txBody>
+          <a:bodyPr rtlCol="0" anchor="ctr"/>
+          <a:lstStyle/>
+          <a:p>
+            <a:pPr algn="ctr"/>
+            <a:endParaRPr lang="es-MX" dirty="0">
+              <a:solidFill>
+                <a:sysClr val="windowText" lastClr="000000"/>
+              </a:solidFill>
+            </a:endParaRPr>
+          </a:p>
+        </p:txBody>
+      </p:sp>
+      <p:sp>
+        <p:nvSpPr>
+          <p:cNvPr id="29" name="Oval 28">
+            <a:extLst>
+              <a:ext uri="{FF2B5EF4-FFF2-40B4-BE49-F238E27FC236}">
+                <a16:creationId xmlns:a16="http://schemas.microsoft.com/office/drawing/2014/main" id="{E0A59819-FC03-4E9A-BE0F-F13BE6288264}"/>
+              </a:ext>
+            </a:extLst>
+          </p:cNvPr>
+          <p:cNvSpPr/>
+          <p:nvPr/>
+        </p:nvSpPr>
+        <p:spPr>
+          <a:xfrm>
+            <a:off x="7295215" y="2494639"/>
+            <a:ext cx="227732" cy="227732"/>
+          </a:xfrm>
+          <a:prstGeom prst="ellipse">
+            <a:avLst/>
+          </a:prstGeom>
+          <a:solidFill>
+            <a:schemeClr val="bg1"/>
+          </a:solidFill>
+          <a:ln>
+            <a:solidFill>
+              <a:schemeClr val="bg1"/>
+            </a:solidFill>
+          </a:ln>
+        </p:spPr>
+        <p:style>
+          <a:lnRef idx="2">
+            <a:schemeClr val="accent1">
+              <a:shade val="50000"/>
+            </a:schemeClr>
+          </a:lnRef>
+          <a:fillRef idx="1">
+            <a:schemeClr val="accent1"/>
+          </a:fillRef>
+          <a:effectRef idx="0">
+            <a:schemeClr val="accent1"/>
+          </a:effectRef>
+          <a:fontRef idx="minor">
+            <a:schemeClr val="lt1"/>
+          </a:fontRef>
+        </p:style>
+        <p:txBody>
+          <a:bodyPr rtlCol="0" anchor="ctr"/>
+          <a:lstStyle/>
+          <a:p>
+            <a:pPr algn="ctr"/>
+            <a:endParaRPr lang="es-MX" dirty="0">
+              <a:solidFill>
+                <a:sysClr val="windowText" lastClr="000000"/>
+              </a:solidFill>
+            </a:endParaRPr>
+          </a:p>
+        </p:txBody>
+      </p:sp>
+      <p:sp>
+        <p:nvSpPr>
+          <p:cNvPr id="16" name="Oval 15">
+            <a:extLst>
+              <a:ext uri="{FF2B5EF4-FFF2-40B4-BE49-F238E27FC236}">
+                <a16:creationId xmlns:a16="http://schemas.microsoft.com/office/drawing/2014/main" id="{2482FA3C-CE29-4628-AD12-565CF24C6801}"/>
+              </a:ext>
+            </a:extLst>
+          </p:cNvPr>
+          <p:cNvSpPr/>
+          <p:nvPr/>
+        </p:nvSpPr>
+        <p:spPr>
+          <a:xfrm>
+            <a:off x="8075710" y="3315134"/>
+            <a:ext cx="227732" cy="227732"/>
+          </a:xfrm>
+          <a:prstGeom prst="ellipse">
+            <a:avLst/>
+          </a:prstGeom>
+          <a:solidFill>
+            <a:schemeClr val="bg1"/>
+          </a:solidFill>
+          <a:ln>
+            <a:solidFill>
+              <a:schemeClr val="bg1"/>
+            </a:solidFill>
+          </a:ln>
+        </p:spPr>
+        <p:style>
+          <a:lnRef idx="2">
+            <a:schemeClr val="accent1">
+              <a:shade val="50000"/>
+            </a:schemeClr>
+          </a:lnRef>
+          <a:fillRef idx="1">
+            <a:schemeClr val="accent1"/>
+          </a:fillRef>
+          <a:effectRef idx="0">
+            <a:schemeClr val="accent1"/>
+          </a:effectRef>
+          <a:fontRef idx="minor">
+            <a:schemeClr val="lt1"/>
+          </a:fontRef>
+        </p:style>
+        <p:txBody>
+          <a:bodyPr rtlCol="0" anchor="ctr"/>
+          <a:lstStyle/>
+          <a:p>
+            <a:pPr algn="ctr"/>
+            <a:endParaRPr lang="es-MX" dirty="0">
+              <a:solidFill>
+                <a:sysClr val="windowText" lastClr="000000"/>
+              </a:solidFill>
+            </a:endParaRPr>
+          </a:p>
+        </p:txBody>
+      </p:sp>
+      <p:sp>
+        <p:nvSpPr>
+          <p:cNvPr id="18" name="Oval 17">
+            <a:extLst>
+              <a:ext uri="{FF2B5EF4-FFF2-40B4-BE49-F238E27FC236}">
+                <a16:creationId xmlns:a16="http://schemas.microsoft.com/office/drawing/2014/main" id="{EF3C037C-9E3A-4991-AE5F-94FE1E04D7BA}"/>
+              </a:ext>
+            </a:extLst>
+          </p:cNvPr>
+          <p:cNvSpPr/>
+          <p:nvPr/>
+        </p:nvSpPr>
+        <p:spPr>
+          <a:xfrm>
+            <a:off x="9443435" y="2722371"/>
+            <a:ext cx="227732" cy="227732"/>
+          </a:xfrm>
+          <a:prstGeom prst="ellipse">
+            <a:avLst/>
+          </a:prstGeom>
+          <a:solidFill>
+            <a:schemeClr val="bg1"/>
+          </a:solidFill>
+          <a:ln>
+            <a:solidFill>
+              <a:schemeClr val="bg1"/>
+            </a:solidFill>
+          </a:ln>
+        </p:spPr>
+        <p:style>
+          <a:lnRef idx="2">
+            <a:schemeClr val="accent1">
+              <a:shade val="50000"/>
+            </a:schemeClr>
+          </a:lnRef>
+          <a:fillRef idx="1">
+            <a:schemeClr val="accent1"/>
+          </a:fillRef>
+          <a:effectRef idx="0">
+            <a:schemeClr val="accent1"/>
+          </a:effectRef>
+          <a:fontRef idx="minor">
+            <a:schemeClr val="lt1"/>
+          </a:fontRef>
+        </p:style>
+        <p:txBody>
+          <a:bodyPr rtlCol="0" anchor="ctr"/>
+          <a:lstStyle/>
+          <a:p>
+            <a:pPr algn="ctr"/>
+            <a:endParaRPr lang="es-MX" dirty="0">
+              <a:solidFill>
+                <a:sysClr val="windowText" lastClr="000000"/>
+              </a:solidFill>
+            </a:endParaRPr>
+          </a:p>
+        </p:txBody>
+      </p:sp>
+      <p:sp>
+        <p:nvSpPr>
+          <p:cNvPr id="20" name="Oval 19">
+            <a:extLst>
+              <a:ext uri="{FF2B5EF4-FFF2-40B4-BE49-F238E27FC236}">
+                <a16:creationId xmlns:a16="http://schemas.microsoft.com/office/drawing/2014/main" id="{257CF7D6-15E1-485E-8622-296F73C71668}"/>
+              </a:ext>
+            </a:extLst>
+          </p:cNvPr>
+          <p:cNvSpPr/>
+          <p:nvPr/>
+        </p:nvSpPr>
+        <p:spPr>
+          <a:xfrm>
+            <a:off x="10811160" y="2129608"/>
+            <a:ext cx="227732" cy="227732"/>
+          </a:xfrm>
+          <a:prstGeom prst="ellipse">
+            <a:avLst/>
+          </a:prstGeom>
+          <a:solidFill>
+            <a:schemeClr val="bg1"/>
+          </a:solidFill>
+          <a:ln>
+            <a:solidFill>
+              <a:schemeClr val="bg1"/>
+            </a:solidFill>
+          </a:ln>
+        </p:spPr>
+        <p:style>
+          <a:lnRef idx="2">
+            <a:schemeClr val="accent1">
+              <a:shade val="50000"/>
+            </a:schemeClr>
+          </a:lnRef>
+          <a:fillRef idx="1">
+            <a:schemeClr val="accent1"/>
+          </a:fillRef>
+          <a:effectRef idx="0">
+            <a:schemeClr val="accent1"/>
+          </a:effectRef>
+          <a:fontRef idx="minor">
+            <a:schemeClr val="lt1"/>
+          </a:fontRef>
+        </p:style>
+        <p:txBody>
+          <a:bodyPr rtlCol="0" anchor="ctr"/>
+          <a:lstStyle/>
+          <a:p>
+            <a:pPr algn="ctr"/>
+            <a:endParaRPr lang="es-MX" dirty="0">
+              <a:solidFill>
+                <a:sysClr val="windowText" lastClr="000000"/>
+              </a:solidFill>
+            </a:endParaRPr>
+          </a:p>
+        </p:txBody>
+      </p:sp>
+    </p:spTree>
+    <p:extLst>
+      <p:ext uri="{BB962C8B-B14F-4D97-AF65-F5344CB8AC3E}">
+        <p14:creationId xmlns:p14="http://schemas.microsoft.com/office/powerpoint/2010/main" val="2188435969"/>
+      </p:ext>
+    </p:extLst>
+  </p:cSld>
+  <p:clrMapOvr>
+    <a:masterClrMapping/>
+  </p:clrMapOvr>
+</p:sld>
+</file>
+
+<file path=ppt/slides/slide7.xml><?xml version="1.0" encoding="utf-8"?>
+<p:sld xmlns:a="http://schemas.openxmlformats.org/drawingml/2006/main" xmlns:r="http://schemas.openxmlformats.org/officeDocument/2006/relationships" xmlns:p="http://schemas.openxmlformats.org/presentationml/2006/main">
+  <p:cSld>
+    <p:bg>
+      <p:bgPr>
+        <a:solidFill>
+          <a:schemeClr val="tx1"/>
+        </a:solidFill>
+        <a:effectLst/>
+      </p:bgPr>
+    </p:bg>
+    <p:spTree>
+      <p:nvGrpSpPr>
+        <p:cNvPr id="1" name=""/>
+        <p:cNvGrpSpPr/>
+        <p:nvPr/>
+      </p:nvGrpSpPr>
+      <p:grpSpPr>
+        <a:xfrm>
+          <a:off x="0" y="0"/>
+          <a:ext cx="0" cy="0"/>
+          <a:chOff x="0" y="0"/>
+          <a:chExt cx="0" cy="0"/>
+        </a:xfrm>
+      </p:grpSpPr>
+      <p:pic>
+        <p:nvPicPr>
+          <p:cNvPr id="22" name="Picture 21" descr="A picture containing drawing&#10;&#10;Description automatically generated">
+            <a:extLst>
+              <a:ext uri="{FF2B5EF4-FFF2-40B4-BE49-F238E27FC236}">
+                <a16:creationId xmlns:a16="http://schemas.microsoft.com/office/drawing/2014/main" id="{34F790CE-2EE6-4EAD-93F8-44A80BA7112B}"/>
+              </a:ext>
+            </a:extLst>
+          </p:cNvPr>
+          <p:cNvPicPr>
+            <a:picLocks noChangeAspect="1"/>
+          </p:cNvPicPr>
+          <p:nvPr/>
+        </p:nvPicPr>
+        <p:blipFill>
+          <a:blip r:embed="rId2">
+            <a:extLst>
+              <a:ext uri="{28A0092B-C50C-407E-A947-70E740481C1C}">
+                <a14:useLocalDpi xmlns:a14="http://schemas.microsoft.com/office/drawing/2010/main" val="0"/>
+              </a:ext>
+            </a:extLst>
+          </a:blip>
+          <a:stretch>
+            <a:fillRect/>
+          </a:stretch>
+        </p:blipFill>
+        <p:spPr>
+          <a:xfrm>
+            <a:off x="7084567" y="2283991"/>
+            <a:ext cx="649028" cy="649028"/>
+          </a:xfrm>
+          <a:prstGeom prst="rect">
+            <a:avLst/>
+          </a:prstGeom>
+        </p:spPr>
+      </p:pic>
+      <p:pic>
+        <p:nvPicPr>
+          <p:cNvPr id="24" name="Picture 23" descr="A picture containing drawing&#10;&#10;Description automatically generated">
+            <a:extLst>
+              <a:ext uri="{FF2B5EF4-FFF2-40B4-BE49-F238E27FC236}">
+                <a16:creationId xmlns:a16="http://schemas.microsoft.com/office/drawing/2014/main" id="{9162017C-232E-4564-8077-6BC8BCD28DED}"/>
+              </a:ext>
+            </a:extLst>
+          </p:cNvPr>
+          <p:cNvPicPr>
+            <a:picLocks noChangeAspect="1"/>
+          </p:cNvPicPr>
+          <p:nvPr/>
+        </p:nvPicPr>
+        <p:blipFill>
+          <a:blip r:embed="rId2">
+            <a:extLst>
+              <a:ext uri="{28A0092B-C50C-407E-A947-70E740481C1C}">
+                <a14:useLocalDpi xmlns:a14="http://schemas.microsoft.com/office/drawing/2010/main" val="0"/>
+              </a:ext>
+            </a:extLst>
+          </a:blip>
+          <a:stretch>
+            <a:fillRect/>
+          </a:stretch>
+        </p:blipFill>
+        <p:spPr>
+          <a:xfrm>
+            <a:off x="6130031" y="4693482"/>
+            <a:ext cx="649028" cy="649028"/>
+          </a:xfrm>
+          <a:prstGeom prst="rect">
+            <a:avLst/>
+          </a:prstGeom>
+        </p:spPr>
+      </p:pic>
+      <p:pic>
+        <p:nvPicPr>
+          <p:cNvPr id="26" name="Picture 25" descr="A picture containing drawing&#10;&#10;Description automatically generated">
+            <a:extLst>
+              <a:ext uri="{FF2B5EF4-FFF2-40B4-BE49-F238E27FC236}">
+                <a16:creationId xmlns:a16="http://schemas.microsoft.com/office/drawing/2014/main" id="{21967522-E06A-46F4-A92A-239B21935D00}"/>
+              </a:ext>
+            </a:extLst>
+          </p:cNvPr>
+          <p:cNvPicPr>
+            <a:picLocks noChangeAspect="1"/>
+          </p:cNvPicPr>
+          <p:nvPr/>
+        </p:nvPicPr>
+        <p:blipFill>
+          <a:blip r:embed="rId2">
+            <a:extLst>
+              <a:ext uri="{28A0092B-C50C-407E-A947-70E740481C1C}">
+                <a14:useLocalDpi xmlns:a14="http://schemas.microsoft.com/office/drawing/2010/main" val="0"/>
+              </a:ext>
+            </a:extLst>
+          </a:blip>
+          <a:stretch>
+            <a:fillRect/>
+          </a:stretch>
+        </p:blipFill>
+        <p:spPr>
+          <a:xfrm>
+            <a:off x="9237173" y="2540525"/>
+            <a:ext cx="649028" cy="649028"/>
+          </a:xfrm>
+          <a:prstGeom prst="rect">
+            <a:avLst/>
+          </a:prstGeom>
+        </p:spPr>
+      </p:pic>
+      <p:sp>
+        <p:nvSpPr>
+          <p:cNvPr id="5" name="Rectangle: Rounded Corners 4">
+            <a:extLst>
+              <a:ext uri="{FF2B5EF4-FFF2-40B4-BE49-F238E27FC236}">
+                <a16:creationId xmlns:a16="http://schemas.microsoft.com/office/drawing/2014/main" id="{0FC681C2-F285-4A45-A560-9BC6B526B759}"/>
+              </a:ext>
+            </a:extLst>
+          </p:cNvPr>
+          <p:cNvSpPr/>
+          <p:nvPr/>
+        </p:nvSpPr>
+        <p:spPr>
+          <a:xfrm>
+            <a:off x="8995183" y="185884"/>
+            <a:ext cx="2854738" cy="461394"/>
+          </a:xfrm>
+          <a:prstGeom prst="roundRect">
+            <a:avLst>
+              <a:gd name="adj" fmla="val 50000"/>
+            </a:avLst>
+          </a:prstGeom>
+          <a:solidFill>
+            <a:srgbClr val="000000">
+              <a:alpha val="47843"/>
+            </a:srgbClr>
+          </a:solidFill>
+          <a:ln>
+            <a:noFill/>
+          </a:ln>
+        </p:spPr>
+        <p:style>
+          <a:lnRef idx="2">
+            <a:schemeClr val="accent1">
+              <a:shade val="50000"/>
+            </a:schemeClr>
+          </a:lnRef>
+          <a:fillRef idx="1">
+            <a:schemeClr val="accent1"/>
+          </a:fillRef>
+          <a:effectRef idx="0">
+            <a:schemeClr val="accent1"/>
+          </a:effectRef>
+          <a:fontRef idx="minor">
+            <a:schemeClr val="lt1"/>
+          </a:fontRef>
+        </p:style>
+        <p:txBody>
+          <a:bodyPr rtlCol="0" anchor="ctr"/>
+          <a:lstStyle/>
+          <a:p>
+            <a:pPr algn="ctr"/>
+            <a:r>
+              <a:rPr lang="es-MX" dirty="0">
+                <a:latin typeface="Consolas" panose="020B0609020204030204" pitchFamily="49" charset="0"/>
+                <a:cs typeface="Courier New" panose="02070309020205020404" pitchFamily="49" charset="0"/>
+              </a:rPr>
+              <a:t>Level3</a:t>
+            </a:r>
+          </a:p>
+        </p:txBody>
+      </p:sp>
+      <p:pic>
+        <p:nvPicPr>
+          <p:cNvPr id="9" name="Picture 8" descr="A picture containing drawing&#10;&#10;Description automatically generated">
+            <a:extLst>
+              <a:ext uri="{FF2B5EF4-FFF2-40B4-BE49-F238E27FC236}">
+                <a16:creationId xmlns:a16="http://schemas.microsoft.com/office/drawing/2014/main" id="{8A52CF7B-0A78-4E06-89CC-1B2C7399ED55}"/>
+              </a:ext>
+            </a:extLst>
+          </p:cNvPr>
+          <p:cNvPicPr>
+            <a:picLocks noChangeAspect="1"/>
+          </p:cNvPicPr>
+          <p:nvPr/>
+        </p:nvPicPr>
+        <p:blipFill>
+          <a:blip r:embed="rId3">
+            <a:extLst>
+              <a:ext uri="{28A0092B-C50C-407E-A947-70E740481C1C}">
+                <a14:useLocalDpi xmlns:a14="http://schemas.microsoft.com/office/drawing/2010/main" val="0"/>
+              </a:ext>
+            </a:extLst>
+          </a:blip>
+          <a:stretch>
+            <a:fillRect/>
+          </a:stretch>
+        </p:blipFill>
+        <p:spPr>
+          <a:xfrm>
+            <a:off x="639055" y="1845578"/>
+            <a:ext cx="3249505" cy="3707366"/>
+          </a:xfrm>
+          <a:prstGeom prst="rect">
+            <a:avLst/>
+          </a:prstGeom>
+        </p:spPr>
+      </p:pic>
+      <p:pic>
+        <p:nvPicPr>
+          <p:cNvPr id="11" name="Picture 10" descr="A picture containing drawing&#10;&#10;Description automatically generated">
+            <a:extLst>
+              <a:ext uri="{FF2B5EF4-FFF2-40B4-BE49-F238E27FC236}">
+                <a16:creationId xmlns:a16="http://schemas.microsoft.com/office/drawing/2014/main" id="{64959D38-761E-468C-BE9F-3F093F926245}"/>
+              </a:ext>
+            </a:extLst>
+          </p:cNvPr>
+          <p:cNvPicPr>
+            <a:picLocks noChangeAspect="1"/>
+          </p:cNvPicPr>
+          <p:nvPr/>
+        </p:nvPicPr>
+        <p:blipFill>
+          <a:blip r:embed="rId2">
+            <a:extLst>
+              <a:ext uri="{28A0092B-C50C-407E-A947-70E740481C1C}">
+                <a14:useLocalDpi xmlns:a14="http://schemas.microsoft.com/office/drawing/2010/main" val="0"/>
+              </a:ext>
+            </a:extLst>
+          </a:blip>
+          <a:stretch>
+            <a:fillRect/>
+          </a:stretch>
+        </p:blipFill>
+        <p:spPr>
+          <a:xfrm>
+            <a:off x="4562941" y="1891497"/>
+            <a:ext cx="649028" cy="649028"/>
+          </a:xfrm>
+          <a:prstGeom prst="rect">
+            <a:avLst/>
+          </a:prstGeom>
+        </p:spPr>
+      </p:pic>
+      <p:pic>
+        <p:nvPicPr>
+          <p:cNvPr id="13" name="Picture 12" descr="A picture containing drawing&#10;&#10;Description automatically generated">
+            <a:extLst>
+              <a:ext uri="{FF2B5EF4-FFF2-40B4-BE49-F238E27FC236}">
+                <a16:creationId xmlns:a16="http://schemas.microsoft.com/office/drawing/2014/main" id="{553F88BB-B3E9-41F6-B51A-18A4EA6FBC81}"/>
+              </a:ext>
+            </a:extLst>
+          </p:cNvPr>
+          <p:cNvPicPr>
+            <a:picLocks noChangeAspect="1"/>
+          </p:cNvPicPr>
+          <p:nvPr/>
+        </p:nvPicPr>
+        <p:blipFill>
+          <a:blip r:embed="rId4">
+            <a:extLst>
+              <a:ext uri="{28A0092B-C50C-407E-A947-70E740481C1C}">
+                <a14:useLocalDpi xmlns:a14="http://schemas.microsoft.com/office/drawing/2010/main" val="0"/>
+              </a:ext>
+            </a:extLst>
+          </a:blip>
+          <a:stretch>
+            <a:fillRect/>
+          </a:stretch>
+        </p:blipFill>
+        <p:spPr>
+          <a:xfrm>
+            <a:off x="5313188" y="2711971"/>
+            <a:ext cx="649028" cy="649028"/>
+          </a:xfrm>
+          <a:prstGeom prst="rect">
+            <a:avLst/>
+          </a:prstGeom>
+        </p:spPr>
+      </p:pic>
+      <p:pic>
+        <p:nvPicPr>
+          <p:cNvPr id="15" name="Picture 14" descr="A picture containing drawing, light&#10;&#10;Description automatically generated">
+            <a:extLst>
+              <a:ext uri="{FF2B5EF4-FFF2-40B4-BE49-F238E27FC236}">
+                <a16:creationId xmlns:a16="http://schemas.microsoft.com/office/drawing/2014/main" id="{23EF0E69-5071-4578-AB80-000A88FF1C39}"/>
+              </a:ext>
+            </a:extLst>
+          </p:cNvPr>
+          <p:cNvPicPr>
+            <a:picLocks noChangeAspect="1"/>
+          </p:cNvPicPr>
+          <p:nvPr/>
+        </p:nvPicPr>
+        <p:blipFill>
+          <a:blip r:embed="rId5">
+            <a:extLst>
+              <a:ext uri="{28A0092B-C50C-407E-A947-70E740481C1C}">
+                <a14:useLocalDpi xmlns:a14="http://schemas.microsoft.com/office/drawing/2010/main" val="0"/>
+              </a:ext>
+            </a:extLst>
+          </a:blip>
+          <a:stretch>
+            <a:fillRect/>
+          </a:stretch>
+        </p:blipFill>
+        <p:spPr>
+          <a:xfrm>
+            <a:off x="6997113" y="3981504"/>
+            <a:ext cx="649028" cy="649028"/>
+          </a:xfrm>
+          <a:prstGeom prst="rect">
+            <a:avLst/>
+          </a:prstGeom>
+        </p:spPr>
+      </p:pic>
+      <p:pic>
+        <p:nvPicPr>
+          <p:cNvPr id="17" name="Picture 16" descr="A picture containing drawing&#10;&#10;Description automatically generated">
+            <a:extLst>
+              <a:ext uri="{FF2B5EF4-FFF2-40B4-BE49-F238E27FC236}">
+                <a16:creationId xmlns:a16="http://schemas.microsoft.com/office/drawing/2014/main" id="{3E927AAD-BB88-4654-A9C8-7B321C039A63}"/>
+              </a:ext>
+            </a:extLst>
+          </p:cNvPr>
+          <p:cNvPicPr>
+            <a:picLocks noChangeAspect="1"/>
+          </p:cNvPicPr>
+          <p:nvPr/>
+        </p:nvPicPr>
+        <p:blipFill>
+          <a:blip r:embed="rId6">
+            <a:extLst>
+              <a:ext uri="{28A0092B-C50C-407E-A947-70E740481C1C}">
+                <a14:useLocalDpi xmlns:a14="http://schemas.microsoft.com/office/drawing/2010/main" val="0"/>
+              </a:ext>
+            </a:extLst>
+          </a:blip>
+          <a:stretch>
+            <a:fillRect/>
+          </a:stretch>
+        </p:blipFill>
+        <p:spPr>
+          <a:xfrm>
+            <a:off x="7865062" y="3104486"/>
+            <a:ext cx="649028" cy="649028"/>
+          </a:xfrm>
+          <a:prstGeom prst="rect">
+            <a:avLst/>
+          </a:prstGeom>
+        </p:spPr>
+      </p:pic>
+      <p:pic>
+        <p:nvPicPr>
+          <p:cNvPr id="19" name="Picture 18" descr="A picture containing drawing&#10;&#10;Description automatically generated">
+            <a:extLst>
+              <a:ext uri="{FF2B5EF4-FFF2-40B4-BE49-F238E27FC236}">
+                <a16:creationId xmlns:a16="http://schemas.microsoft.com/office/drawing/2014/main" id="{1B9A1E90-79C0-4EF4-82E1-73939AF20932}"/>
+              </a:ext>
+            </a:extLst>
+          </p:cNvPr>
+          <p:cNvPicPr>
+            <a:picLocks noChangeAspect="1"/>
+          </p:cNvPicPr>
+          <p:nvPr/>
+        </p:nvPicPr>
+        <p:blipFill>
+          <a:blip r:embed="rId7">
+            <a:extLst>
+              <a:ext uri="{28A0092B-C50C-407E-A947-70E740481C1C}">
+                <a14:useLocalDpi xmlns:a14="http://schemas.microsoft.com/office/drawing/2010/main" val="0"/>
+              </a:ext>
+            </a:extLst>
+          </a:blip>
+          <a:stretch>
+            <a:fillRect/>
+          </a:stretch>
+        </p:blipFill>
+        <p:spPr>
+          <a:xfrm>
+            <a:off x="10609284" y="1918960"/>
+            <a:ext cx="649028" cy="649028"/>
+          </a:xfrm>
+          <a:prstGeom prst="rect">
+            <a:avLst/>
+          </a:prstGeom>
+        </p:spPr>
+      </p:pic>
+      <p:sp>
+        <p:nvSpPr>
+          <p:cNvPr id="21" name="Oval 20">
+            <a:extLst>
+              <a:ext uri="{FF2B5EF4-FFF2-40B4-BE49-F238E27FC236}">
+                <a16:creationId xmlns:a16="http://schemas.microsoft.com/office/drawing/2014/main" id="{D17D8C7A-2364-4B00-A5D3-C56B7A70D27F}"/>
+              </a:ext>
+            </a:extLst>
+          </p:cNvPr>
+          <p:cNvSpPr/>
+          <p:nvPr/>
+        </p:nvSpPr>
+        <p:spPr>
+          <a:xfrm>
+            <a:off x="4773589" y="2102145"/>
+            <a:ext cx="227732" cy="227732"/>
+          </a:xfrm>
+          <a:prstGeom prst="ellipse">
+            <a:avLst/>
+          </a:prstGeom>
+          <a:solidFill>
+            <a:schemeClr val="bg1"/>
+          </a:solidFill>
+          <a:ln>
+            <a:solidFill>
+              <a:schemeClr val="bg1"/>
+            </a:solidFill>
+          </a:ln>
+        </p:spPr>
+        <p:style>
+          <a:lnRef idx="2">
+            <a:schemeClr val="accent1">
+              <a:shade val="50000"/>
+            </a:schemeClr>
+          </a:lnRef>
+          <a:fillRef idx="1">
+            <a:schemeClr val="accent1"/>
+          </a:fillRef>
+          <a:effectRef idx="0">
+            <a:schemeClr val="accent1"/>
+          </a:effectRef>
+          <a:fontRef idx="minor">
+            <a:schemeClr val="lt1"/>
+          </a:fontRef>
+        </p:style>
+        <p:txBody>
+          <a:bodyPr rtlCol="0" anchor="ctr"/>
+          <a:lstStyle/>
+          <a:p>
+            <a:pPr algn="ctr"/>
+            <a:endParaRPr lang="es-MX" dirty="0">
+              <a:solidFill>
+                <a:sysClr val="windowText" lastClr="000000"/>
+              </a:solidFill>
+            </a:endParaRPr>
+          </a:p>
+        </p:txBody>
+      </p:sp>
+      <p:sp>
+        <p:nvSpPr>
+          <p:cNvPr id="23" name="Oval 22">
+            <a:extLst>
+              <a:ext uri="{FF2B5EF4-FFF2-40B4-BE49-F238E27FC236}">
+                <a16:creationId xmlns:a16="http://schemas.microsoft.com/office/drawing/2014/main" id="{0CB06B11-22A5-46DD-A13B-15CE749034A3}"/>
+              </a:ext>
+            </a:extLst>
+          </p:cNvPr>
+          <p:cNvSpPr/>
+          <p:nvPr/>
+        </p:nvSpPr>
+        <p:spPr>
+          <a:xfrm>
+            <a:off x="6340679" y="4904130"/>
+            <a:ext cx="227732" cy="227732"/>
+          </a:xfrm>
+          <a:prstGeom prst="ellipse">
+            <a:avLst/>
+          </a:prstGeom>
+          <a:solidFill>
+            <a:schemeClr val="bg1"/>
+          </a:solidFill>
+          <a:ln>
+            <a:solidFill>
+              <a:schemeClr val="bg1"/>
+            </a:solidFill>
+          </a:ln>
+        </p:spPr>
+        <p:style>
+          <a:lnRef idx="2">
+            <a:schemeClr val="accent1">
+              <a:shade val="50000"/>
+            </a:schemeClr>
+          </a:lnRef>
+          <a:fillRef idx="1">
+            <a:schemeClr val="accent1"/>
+          </a:fillRef>
+          <a:effectRef idx="0">
+            <a:schemeClr val="accent1"/>
+          </a:effectRef>
+          <a:fontRef idx="minor">
+            <a:schemeClr val="lt1"/>
+          </a:fontRef>
+        </p:style>
+        <p:txBody>
+          <a:bodyPr rtlCol="0" anchor="ctr"/>
+          <a:lstStyle/>
+          <a:p>
+            <a:pPr algn="ctr"/>
+            <a:endParaRPr lang="es-MX" dirty="0">
+              <a:solidFill>
+                <a:sysClr val="windowText" lastClr="000000"/>
+              </a:solidFill>
+            </a:endParaRPr>
+          </a:p>
+        </p:txBody>
+      </p:sp>
+      <p:sp>
+        <p:nvSpPr>
+          <p:cNvPr id="25" name="Oval 24">
+            <a:extLst>
+              <a:ext uri="{FF2B5EF4-FFF2-40B4-BE49-F238E27FC236}">
+                <a16:creationId xmlns:a16="http://schemas.microsoft.com/office/drawing/2014/main" id="{5207A54F-DEEC-4DDC-ACFF-4A02261BB8BC}"/>
+              </a:ext>
+            </a:extLst>
+          </p:cNvPr>
+          <p:cNvSpPr/>
+          <p:nvPr/>
+        </p:nvSpPr>
+        <p:spPr>
+          <a:xfrm>
+            <a:off x="5523836" y="2922619"/>
+            <a:ext cx="227732" cy="227732"/>
+          </a:xfrm>
+          <a:prstGeom prst="ellipse">
+            <a:avLst/>
+          </a:prstGeom>
+          <a:solidFill>
+            <a:schemeClr val="bg1"/>
+          </a:solidFill>
+          <a:ln>
+            <a:solidFill>
+              <a:schemeClr val="bg1"/>
+            </a:solidFill>
+          </a:ln>
+        </p:spPr>
+        <p:style>
+          <a:lnRef idx="2">
+            <a:schemeClr val="accent1">
+              <a:shade val="50000"/>
+            </a:schemeClr>
+          </a:lnRef>
+          <a:fillRef idx="1">
+            <a:schemeClr val="accent1"/>
+          </a:fillRef>
+          <a:effectRef idx="0">
+            <a:schemeClr val="accent1"/>
+          </a:effectRef>
+          <a:fontRef idx="minor">
+            <a:schemeClr val="lt1"/>
+          </a:fontRef>
+        </p:style>
+        <p:txBody>
+          <a:bodyPr rtlCol="0" anchor="ctr"/>
+          <a:lstStyle/>
+          <a:p>
+            <a:pPr algn="ctr"/>
+            <a:endParaRPr lang="es-MX" dirty="0">
+              <a:solidFill>
+                <a:sysClr val="windowText" lastClr="000000"/>
+              </a:solidFill>
+            </a:endParaRPr>
+          </a:p>
+        </p:txBody>
+      </p:sp>
+      <p:sp>
+        <p:nvSpPr>
+          <p:cNvPr id="27" name="Oval 26">
+            <a:extLst>
+              <a:ext uri="{FF2B5EF4-FFF2-40B4-BE49-F238E27FC236}">
+                <a16:creationId xmlns:a16="http://schemas.microsoft.com/office/drawing/2014/main" id="{DA95D1DD-572E-40B3-A6E3-35B46DB44550}"/>
+              </a:ext>
+            </a:extLst>
+          </p:cNvPr>
+          <p:cNvSpPr/>
+          <p:nvPr/>
+        </p:nvSpPr>
+        <p:spPr>
+          <a:xfrm>
+            <a:off x="7207761" y="4192152"/>
+            <a:ext cx="227732" cy="227732"/>
+          </a:xfrm>
+          <a:prstGeom prst="ellipse">
+            <a:avLst/>
+          </a:prstGeom>
+          <a:solidFill>
+            <a:schemeClr val="bg1"/>
+          </a:solidFill>
+          <a:ln>
+            <a:solidFill>
+              <a:schemeClr val="bg1"/>
+            </a:solidFill>
+          </a:ln>
+        </p:spPr>
+        <p:style>
+          <a:lnRef idx="2">
+            <a:schemeClr val="accent1">
+              <a:shade val="50000"/>
+            </a:schemeClr>
+          </a:lnRef>
+          <a:fillRef idx="1">
+            <a:schemeClr val="accent1"/>
+          </a:fillRef>
+          <a:effectRef idx="0">
+            <a:schemeClr val="accent1"/>
+          </a:effectRef>
+          <a:fontRef idx="minor">
+            <a:schemeClr val="lt1"/>
+          </a:fontRef>
+        </p:style>
+        <p:txBody>
+          <a:bodyPr rtlCol="0" anchor="ctr"/>
+          <a:lstStyle/>
+          <a:p>
+            <a:pPr algn="ctr"/>
+            <a:endParaRPr lang="es-MX" dirty="0">
+              <a:solidFill>
+                <a:sysClr val="windowText" lastClr="000000"/>
+              </a:solidFill>
+            </a:endParaRPr>
+          </a:p>
+        </p:txBody>
+      </p:sp>
+      <p:sp>
+        <p:nvSpPr>
+          <p:cNvPr id="29" name="Oval 28">
+            <a:extLst>
+              <a:ext uri="{FF2B5EF4-FFF2-40B4-BE49-F238E27FC236}">
+                <a16:creationId xmlns:a16="http://schemas.microsoft.com/office/drawing/2014/main" id="{E0A59819-FC03-4E9A-BE0F-F13BE6288264}"/>
+              </a:ext>
+            </a:extLst>
+          </p:cNvPr>
+          <p:cNvSpPr/>
+          <p:nvPr/>
+        </p:nvSpPr>
+        <p:spPr>
+          <a:xfrm>
+            <a:off x="7295215" y="2494639"/>
+            <a:ext cx="227732" cy="227732"/>
+          </a:xfrm>
+          <a:prstGeom prst="ellipse">
+            <a:avLst/>
+          </a:prstGeom>
+          <a:solidFill>
+            <a:schemeClr val="bg1"/>
+          </a:solidFill>
+          <a:ln>
+            <a:solidFill>
+              <a:schemeClr val="bg1"/>
+            </a:solidFill>
+          </a:ln>
+        </p:spPr>
+        <p:style>
+          <a:lnRef idx="2">
+            <a:schemeClr val="accent1">
+              <a:shade val="50000"/>
+            </a:schemeClr>
+          </a:lnRef>
+          <a:fillRef idx="1">
+            <a:schemeClr val="accent1"/>
+          </a:fillRef>
+          <a:effectRef idx="0">
+            <a:schemeClr val="accent1"/>
+          </a:effectRef>
+          <a:fontRef idx="minor">
+            <a:schemeClr val="lt1"/>
+          </a:fontRef>
+        </p:style>
+        <p:txBody>
+          <a:bodyPr rtlCol="0" anchor="ctr"/>
+          <a:lstStyle/>
+          <a:p>
+            <a:pPr algn="ctr"/>
+            <a:endParaRPr lang="es-MX" dirty="0">
+              <a:solidFill>
+                <a:sysClr val="windowText" lastClr="000000"/>
+              </a:solidFill>
+            </a:endParaRPr>
+          </a:p>
+        </p:txBody>
+      </p:sp>
+      <p:sp>
+        <p:nvSpPr>
+          <p:cNvPr id="16" name="Oval 15">
+            <a:extLst>
+              <a:ext uri="{FF2B5EF4-FFF2-40B4-BE49-F238E27FC236}">
+                <a16:creationId xmlns:a16="http://schemas.microsoft.com/office/drawing/2014/main" id="{2482FA3C-CE29-4628-AD12-565CF24C6801}"/>
+              </a:ext>
+            </a:extLst>
+          </p:cNvPr>
+          <p:cNvSpPr/>
+          <p:nvPr/>
+        </p:nvSpPr>
+        <p:spPr>
+          <a:xfrm>
+            <a:off x="8075710" y="3315134"/>
+            <a:ext cx="227732" cy="227732"/>
+          </a:xfrm>
+          <a:prstGeom prst="ellipse">
+            <a:avLst/>
+          </a:prstGeom>
+          <a:solidFill>
+            <a:schemeClr val="bg1"/>
+          </a:solidFill>
+          <a:ln>
+            <a:solidFill>
+              <a:schemeClr val="bg1"/>
+            </a:solidFill>
+          </a:ln>
+        </p:spPr>
+        <p:style>
+          <a:lnRef idx="2">
+            <a:schemeClr val="accent1">
+              <a:shade val="50000"/>
+            </a:schemeClr>
+          </a:lnRef>
+          <a:fillRef idx="1">
+            <a:schemeClr val="accent1"/>
+          </a:fillRef>
+          <a:effectRef idx="0">
+            <a:schemeClr val="accent1"/>
+          </a:effectRef>
+          <a:fontRef idx="minor">
+            <a:schemeClr val="lt1"/>
+          </a:fontRef>
+        </p:style>
+        <p:txBody>
+          <a:bodyPr rtlCol="0" anchor="ctr"/>
+          <a:lstStyle/>
+          <a:p>
+            <a:pPr algn="ctr"/>
+            <a:endParaRPr lang="es-MX" dirty="0">
+              <a:solidFill>
+                <a:sysClr val="windowText" lastClr="000000"/>
+              </a:solidFill>
+            </a:endParaRPr>
+          </a:p>
+        </p:txBody>
+      </p:sp>
+      <p:sp>
+        <p:nvSpPr>
+          <p:cNvPr id="18" name="Oval 17">
+            <a:extLst>
+              <a:ext uri="{FF2B5EF4-FFF2-40B4-BE49-F238E27FC236}">
+                <a16:creationId xmlns:a16="http://schemas.microsoft.com/office/drawing/2014/main" id="{EF3C037C-9E3A-4991-AE5F-94FE1E04D7BA}"/>
+              </a:ext>
+            </a:extLst>
+          </p:cNvPr>
+          <p:cNvSpPr/>
+          <p:nvPr/>
+        </p:nvSpPr>
+        <p:spPr>
+          <a:xfrm>
+            <a:off x="9443435" y="2722371"/>
+            <a:ext cx="227732" cy="227732"/>
+          </a:xfrm>
+          <a:prstGeom prst="ellipse">
+            <a:avLst/>
+          </a:prstGeom>
+          <a:solidFill>
+            <a:schemeClr val="bg1"/>
+          </a:solidFill>
+          <a:ln>
+            <a:solidFill>
+              <a:schemeClr val="bg1"/>
+            </a:solidFill>
+          </a:ln>
+        </p:spPr>
+        <p:style>
+          <a:lnRef idx="2">
+            <a:schemeClr val="accent1">
+              <a:shade val="50000"/>
+            </a:schemeClr>
+          </a:lnRef>
+          <a:fillRef idx="1">
+            <a:schemeClr val="accent1"/>
+          </a:fillRef>
+          <a:effectRef idx="0">
+            <a:schemeClr val="accent1"/>
+          </a:effectRef>
+          <a:fontRef idx="minor">
+            <a:schemeClr val="lt1"/>
+          </a:fontRef>
+        </p:style>
+        <p:txBody>
+          <a:bodyPr rtlCol="0" anchor="ctr"/>
+          <a:lstStyle/>
+          <a:p>
+            <a:pPr algn="ctr"/>
+            <a:endParaRPr lang="es-MX" dirty="0">
+              <a:solidFill>
+                <a:sysClr val="windowText" lastClr="000000"/>
+              </a:solidFill>
+            </a:endParaRPr>
+          </a:p>
+        </p:txBody>
+      </p:sp>
+      <p:sp>
+        <p:nvSpPr>
+          <p:cNvPr id="20" name="Oval 19">
+            <a:extLst>
+              <a:ext uri="{FF2B5EF4-FFF2-40B4-BE49-F238E27FC236}">
+                <a16:creationId xmlns:a16="http://schemas.microsoft.com/office/drawing/2014/main" id="{257CF7D6-15E1-485E-8622-296F73C71668}"/>
+              </a:ext>
+            </a:extLst>
+          </p:cNvPr>
+          <p:cNvSpPr/>
+          <p:nvPr/>
+        </p:nvSpPr>
+        <p:spPr>
+          <a:xfrm>
+            <a:off x="10811160" y="2129608"/>
+            <a:ext cx="227732" cy="227732"/>
+          </a:xfrm>
+          <a:prstGeom prst="ellipse">
+            <a:avLst/>
+          </a:prstGeom>
+          <a:solidFill>
+            <a:schemeClr val="bg1"/>
+          </a:solidFill>
+          <a:ln>
+            <a:solidFill>
+              <a:schemeClr val="bg1"/>
+            </a:solidFill>
+          </a:ln>
+        </p:spPr>
+        <p:style>
+          <a:lnRef idx="2">
+            <a:schemeClr val="accent1">
+              <a:shade val="50000"/>
+            </a:schemeClr>
+          </a:lnRef>
+          <a:fillRef idx="1">
+            <a:schemeClr val="accent1"/>
+          </a:fillRef>
+          <a:effectRef idx="0">
+            <a:schemeClr val="accent1"/>
+          </a:effectRef>
+          <a:fontRef idx="minor">
+            <a:schemeClr val="lt1"/>
+          </a:fontRef>
+        </p:style>
+        <p:txBody>
+          <a:bodyPr rtlCol="0" anchor="ctr"/>
+          <a:lstStyle/>
+          <a:p>
+            <a:pPr algn="ctr"/>
+            <a:endParaRPr lang="es-MX" dirty="0">
+              <a:solidFill>
+                <a:sysClr val="windowText" lastClr="000000"/>
+              </a:solidFill>
+            </a:endParaRPr>
+          </a:p>
+        </p:txBody>
+      </p:sp>
+      <p:cxnSp>
+        <p:nvCxnSpPr>
+          <p:cNvPr id="3" name="Straight Connector 2">
+            <a:extLst>
+              <a:ext uri="{FF2B5EF4-FFF2-40B4-BE49-F238E27FC236}">
+                <a16:creationId xmlns:a16="http://schemas.microsoft.com/office/drawing/2014/main" id="{27F89D99-395C-42BE-8038-38F57BAF4361}"/>
+              </a:ext>
+            </a:extLst>
+          </p:cNvPr>
+          <p:cNvCxnSpPr>
+            <a:stCxn id="21" idx="5"/>
+            <a:endCxn id="25" idx="1"/>
+          </p:cNvCxnSpPr>
+          <p:nvPr/>
+        </p:nvCxnSpPr>
+        <p:spPr>
+          <a:xfrm>
+            <a:off x="4967970" y="2296526"/>
+            <a:ext cx="589217" cy="659444"/>
+          </a:xfrm>
+          <a:prstGeom prst="line">
+            <a:avLst/>
+          </a:prstGeom>
+          <a:ln w="76200">
+            <a:solidFill>
+              <a:schemeClr val="bg1"/>
+            </a:solidFill>
+          </a:ln>
+        </p:spPr>
+        <p:style>
+          <a:lnRef idx="1">
+            <a:schemeClr val="accent1"/>
+          </a:lnRef>
+          <a:fillRef idx="0">
+            <a:schemeClr val="accent1"/>
+          </a:fillRef>
+          <a:effectRef idx="0">
+            <a:schemeClr val="accent1"/>
+          </a:effectRef>
+          <a:fontRef idx="minor">
+            <a:schemeClr val="tx1"/>
+          </a:fontRef>
+        </p:style>
+      </p:cxnSp>
+      <p:cxnSp>
+        <p:nvCxnSpPr>
+          <p:cNvPr id="28" name="Straight Connector 27">
+            <a:extLst>
+              <a:ext uri="{FF2B5EF4-FFF2-40B4-BE49-F238E27FC236}">
+                <a16:creationId xmlns:a16="http://schemas.microsoft.com/office/drawing/2014/main" id="{CD699AD7-0EF1-4A96-B8B7-D96520D5E9E6}"/>
+              </a:ext>
+            </a:extLst>
+          </p:cNvPr>
+          <p:cNvCxnSpPr>
+            <a:cxnSpLocks/>
+            <a:stCxn id="29" idx="5"/>
+            <a:endCxn id="16" idx="1"/>
+          </p:cNvCxnSpPr>
+          <p:nvPr/>
+        </p:nvCxnSpPr>
+        <p:spPr>
+          <a:xfrm>
+            <a:off x="7489596" y="2689020"/>
+            <a:ext cx="619465" cy="659465"/>
+          </a:xfrm>
+          <a:prstGeom prst="line">
+            <a:avLst/>
+          </a:prstGeom>
+          <a:ln w="76200">
+            <a:solidFill>
+              <a:schemeClr val="bg1"/>
+            </a:solidFill>
+          </a:ln>
+        </p:spPr>
+        <p:style>
+          <a:lnRef idx="1">
+            <a:schemeClr val="accent1"/>
+          </a:lnRef>
+          <a:fillRef idx="0">
+            <a:schemeClr val="accent1"/>
+          </a:fillRef>
+          <a:effectRef idx="0">
+            <a:schemeClr val="accent1"/>
+          </a:effectRef>
+          <a:fontRef idx="minor">
+            <a:schemeClr val="tx1"/>
+          </a:fontRef>
+        </p:style>
+      </p:cxnSp>
+      <p:cxnSp>
+        <p:nvCxnSpPr>
+          <p:cNvPr id="31" name="Straight Connector 30">
+            <a:extLst>
+              <a:ext uri="{FF2B5EF4-FFF2-40B4-BE49-F238E27FC236}">
+                <a16:creationId xmlns:a16="http://schemas.microsoft.com/office/drawing/2014/main" id="{86B983B1-C92E-47D8-BCFC-9839DFBDAB25}"/>
+              </a:ext>
+            </a:extLst>
+          </p:cNvPr>
+          <p:cNvCxnSpPr>
+            <a:cxnSpLocks/>
+            <a:stCxn id="18" idx="6"/>
+            <a:endCxn id="20" idx="2"/>
+          </p:cNvCxnSpPr>
+          <p:nvPr/>
+        </p:nvCxnSpPr>
+        <p:spPr>
+          <a:xfrm flipV="1">
+            <a:off x="9671167" y="2243474"/>
+            <a:ext cx="1139993" cy="592763"/>
+          </a:xfrm>
+          <a:prstGeom prst="line">
+            <a:avLst/>
+          </a:prstGeom>
+          <a:ln w="76200">
+            <a:solidFill>
+              <a:schemeClr val="bg1"/>
+            </a:solidFill>
+          </a:ln>
+        </p:spPr>
+        <p:style>
+          <a:lnRef idx="1">
+            <a:schemeClr val="accent1"/>
+          </a:lnRef>
+          <a:fillRef idx="0">
+            <a:schemeClr val="accent1"/>
+          </a:fillRef>
+          <a:effectRef idx="0">
+            <a:schemeClr val="accent1"/>
+          </a:effectRef>
+          <a:fontRef idx="minor">
+            <a:schemeClr val="tx1"/>
+          </a:fontRef>
+        </p:style>
+      </p:cxnSp>
+      <p:cxnSp>
+        <p:nvCxnSpPr>
+          <p:cNvPr id="32" name="Straight Connector 31">
+            <a:extLst>
+              <a:ext uri="{FF2B5EF4-FFF2-40B4-BE49-F238E27FC236}">
+                <a16:creationId xmlns:a16="http://schemas.microsoft.com/office/drawing/2014/main" id="{4B6C5D53-BFE2-4911-9DCE-15F61AD05686}"/>
+              </a:ext>
+            </a:extLst>
+          </p:cNvPr>
+          <p:cNvCxnSpPr>
+            <a:cxnSpLocks/>
+            <a:stCxn id="27" idx="3"/>
+            <a:endCxn id="23" idx="7"/>
+          </p:cNvCxnSpPr>
+          <p:nvPr/>
+        </p:nvCxnSpPr>
+        <p:spPr>
+          <a:xfrm flipH="1">
+            <a:off x="6535060" y="4386533"/>
+            <a:ext cx="706052" cy="550948"/>
+          </a:xfrm>
+          <a:prstGeom prst="line">
+            <a:avLst/>
+          </a:prstGeom>
+          <a:ln w="76200">
+            <a:solidFill>
+              <a:schemeClr val="bg1"/>
+            </a:solidFill>
+          </a:ln>
+        </p:spPr>
+        <p:style>
+          <a:lnRef idx="1">
+            <a:schemeClr val="accent1"/>
+          </a:lnRef>
+          <a:fillRef idx="0">
+            <a:schemeClr val="accent1"/>
+          </a:fillRef>
+          <a:effectRef idx="0">
+            <a:schemeClr val="accent1"/>
+          </a:effectRef>
+          <a:fontRef idx="minor">
+            <a:schemeClr val="tx1"/>
+          </a:fontRef>
+        </p:style>
+      </p:cxnSp>
+      <p:pic>
+        <p:nvPicPr>
+          <p:cNvPr id="33" name="Picture 32" descr="A picture containing drawing, light&#10;&#10;Description automatically generated">
+            <a:extLst>
+              <a:ext uri="{FF2B5EF4-FFF2-40B4-BE49-F238E27FC236}">
+                <a16:creationId xmlns:a16="http://schemas.microsoft.com/office/drawing/2014/main" id="{B387679E-4370-4F17-A173-5F34D5EF7EE2}"/>
+              </a:ext>
+            </a:extLst>
+          </p:cNvPr>
+          <p:cNvPicPr>
+            <a:picLocks noChangeAspect="1"/>
+          </p:cNvPicPr>
+          <p:nvPr/>
+        </p:nvPicPr>
+        <p:blipFill>
+          <a:blip r:embed="rId5">
+            <a:extLst>
+              <a:ext uri="{28A0092B-C50C-407E-A947-70E740481C1C}">
+                <a14:useLocalDpi xmlns:a14="http://schemas.microsoft.com/office/drawing/2010/main" val="0"/>
+              </a:ext>
+            </a:extLst>
+          </a:blip>
+          <a:stretch>
+            <a:fillRect/>
+          </a:stretch>
+        </p:blipFill>
+        <p:spPr>
+          <a:xfrm>
+            <a:off x="8579301" y="4482834"/>
+            <a:ext cx="649028" cy="649028"/>
+          </a:xfrm>
+          <a:prstGeom prst="rect">
+            <a:avLst/>
+          </a:prstGeom>
+        </p:spPr>
+      </p:pic>
+      <p:sp>
+        <p:nvSpPr>
+          <p:cNvPr id="34" name="Oval 33">
+            <a:extLst>
+              <a:ext uri="{FF2B5EF4-FFF2-40B4-BE49-F238E27FC236}">
+                <a16:creationId xmlns:a16="http://schemas.microsoft.com/office/drawing/2014/main" id="{9A4C7B2C-7C20-485D-830A-6E82058C373E}"/>
+              </a:ext>
+            </a:extLst>
+          </p:cNvPr>
+          <p:cNvSpPr/>
+          <p:nvPr/>
+        </p:nvSpPr>
+        <p:spPr>
+          <a:xfrm>
+            <a:off x="8789949" y="4693482"/>
+            <a:ext cx="227732" cy="227732"/>
+          </a:xfrm>
+          <a:prstGeom prst="ellipse">
+            <a:avLst/>
+          </a:prstGeom>
+          <a:solidFill>
+            <a:schemeClr val="bg1"/>
+          </a:solidFill>
+          <a:ln>
+            <a:solidFill>
+              <a:schemeClr val="bg1"/>
+            </a:solidFill>
+          </a:ln>
+        </p:spPr>
+        <p:style>
+          <a:lnRef idx="2">
+            <a:schemeClr val="accent1">
+              <a:shade val="50000"/>
+            </a:schemeClr>
+          </a:lnRef>
+          <a:fillRef idx="1">
+            <a:schemeClr val="accent1"/>
+          </a:fillRef>
+          <a:effectRef idx="0">
+            <a:schemeClr val="accent1"/>
+          </a:effectRef>
+          <a:fontRef idx="minor">
+            <a:schemeClr val="lt1"/>
+          </a:fontRef>
+        </p:style>
+        <p:txBody>
+          <a:bodyPr rtlCol="0" anchor="ctr"/>
+          <a:lstStyle/>
+          <a:p>
+            <a:pPr algn="ctr"/>
+            <a:endParaRPr lang="es-MX" dirty="0">
+              <a:solidFill>
+                <a:sysClr val="windowText" lastClr="000000"/>
+              </a:solidFill>
+            </a:endParaRPr>
+          </a:p>
+        </p:txBody>
+      </p:sp>
+      <p:pic>
+        <p:nvPicPr>
+          <p:cNvPr id="35" name="Picture 34" descr="A picture containing drawing&#10;&#10;Description automatically generated">
+            <a:extLst>
+              <a:ext uri="{FF2B5EF4-FFF2-40B4-BE49-F238E27FC236}">
+                <a16:creationId xmlns:a16="http://schemas.microsoft.com/office/drawing/2014/main" id="{CDD48F13-7E7E-48AA-B13B-8415122F8D0F}"/>
+              </a:ext>
+            </a:extLst>
+          </p:cNvPr>
+          <p:cNvPicPr>
+            <a:picLocks noChangeAspect="1"/>
+          </p:cNvPicPr>
+          <p:nvPr/>
+        </p:nvPicPr>
+        <p:blipFill>
+          <a:blip r:embed="rId7">
+            <a:extLst>
+              <a:ext uri="{28A0092B-C50C-407E-A947-70E740481C1C}">
+                <a14:useLocalDpi xmlns:a14="http://schemas.microsoft.com/office/drawing/2010/main" val="0"/>
+              </a:ext>
+            </a:extLst>
+          </a:blip>
+          <a:stretch>
+            <a:fillRect/>
+          </a:stretch>
+        </p:blipFill>
+        <p:spPr>
+          <a:xfrm>
+            <a:off x="9736378" y="3505220"/>
+            <a:ext cx="649028" cy="649028"/>
+          </a:xfrm>
+          <a:prstGeom prst="rect">
+            <a:avLst/>
+          </a:prstGeom>
+        </p:spPr>
+      </p:pic>
+      <p:sp>
+        <p:nvSpPr>
+          <p:cNvPr id="36" name="Oval 35">
+            <a:extLst>
+              <a:ext uri="{FF2B5EF4-FFF2-40B4-BE49-F238E27FC236}">
+                <a16:creationId xmlns:a16="http://schemas.microsoft.com/office/drawing/2014/main" id="{23B6C626-8ED4-4943-BE26-B1D08BBAB60A}"/>
+              </a:ext>
+            </a:extLst>
+          </p:cNvPr>
+          <p:cNvSpPr/>
+          <p:nvPr/>
+        </p:nvSpPr>
+        <p:spPr>
+          <a:xfrm>
+            <a:off x="9938254" y="3715868"/>
+            <a:ext cx="227732" cy="227732"/>
+          </a:xfrm>
+          <a:prstGeom prst="ellipse">
+            <a:avLst/>
+          </a:prstGeom>
+          <a:solidFill>
+            <a:schemeClr val="bg1"/>
+          </a:solidFill>
+          <a:ln>
+            <a:solidFill>
+              <a:schemeClr val="bg1"/>
+            </a:solidFill>
+          </a:ln>
+        </p:spPr>
+        <p:style>
+          <a:lnRef idx="2">
+            <a:schemeClr val="accent1">
+              <a:shade val="50000"/>
+            </a:schemeClr>
+          </a:lnRef>
+          <a:fillRef idx="1">
+            <a:schemeClr val="accent1"/>
+          </a:fillRef>
+          <a:effectRef idx="0">
+            <a:schemeClr val="accent1"/>
+          </a:effectRef>
+          <a:fontRef idx="minor">
+            <a:schemeClr val="lt1"/>
+          </a:fontRef>
+        </p:style>
+        <p:txBody>
+          <a:bodyPr rtlCol="0" anchor="ctr"/>
+          <a:lstStyle/>
+          <a:p>
+            <a:pPr algn="ctr"/>
+            <a:endParaRPr lang="es-MX" dirty="0">
+              <a:solidFill>
+                <a:sysClr val="windowText" lastClr="000000"/>
+              </a:solidFill>
+            </a:endParaRPr>
+          </a:p>
+        </p:txBody>
+      </p:sp>
+      <p:cxnSp>
+        <p:nvCxnSpPr>
+          <p:cNvPr id="37" name="Straight Connector 36">
+            <a:extLst>
+              <a:ext uri="{FF2B5EF4-FFF2-40B4-BE49-F238E27FC236}">
+                <a16:creationId xmlns:a16="http://schemas.microsoft.com/office/drawing/2014/main" id="{B42AD259-D17F-451A-8062-DBE43FCD22A3}"/>
+              </a:ext>
+            </a:extLst>
+          </p:cNvPr>
+          <p:cNvCxnSpPr>
+            <a:cxnSpLocks/>
+            <a:stCxn id="34" idx="7"/>
+            <a:endCxn id="36" idx="3"/>
+          </p:cNvCxnSpPr>
+          <p:nvPr/>
+        </p:nvCxnSpPr>
+        <p:spPr>
+          <a:xfrm flipV="1">
+            <a:off x="8984330" y="3910249"/>
+            <a:ext cx="987275" cy="816584"/>
+          </a:xfrm>
+          <a:prstGeom prst="line">
+            <a:avLst/>
+          </a:prstGeom>
+          <a:ln w="76200">
+            <a:solidFill>
+              <a:schemeClr val="bg1"/>
+            </a:solidFill>
+          </a:ln>
+        </p:spPr>
+        <p:style>
+          <a:lnRef idx="1">
+            <a:schemeClr val="accent1"/>
+          </a:lnRef>
+          <a:fillRef idx="0">
+            <a:schemeClr val="accent1"/>
+          </a:fillRef>
+          <a:effectRef idx="0">
+            <a:schemeClr val="accent1"/>
+          </a:effectRef>
+          <a:fontRef idx="minor">
+            <a:schemeClr val="tx1"/>
+          </a:fontRef>
+        </p:style>
+      </p:cxnSp>
+    </p:spTree>
+    <p:extLst>
+      <p:ext uri="{BB962C8B-B14F-4D97-AF65-F5344CB8AC3E}">
+        <p14:creationId xmlns:p14="http://schemas.microsoft.com/office/powerpoint/2010/main" val="2633088384"/>
+      </p:ext>
+    </p:extLst>
+  </p:cSld>
+  <p:clrMapOvr>
+    <a:masterClrMapping/>
+  </p:clrMapOvr>
+</p:sld>
+</file>
+
+<file path=ppt/slides/slide8.xml><?xml version="1.0" encoding="utf-8"?>
+<p:sld xmlns:a="http://schemas.openxmlformats.org/drawingml/2006/main" xmlns:r="http://schemas.openxmlformats.org/officeDocument/2006/relationships" xmlns:p="http://schemas.openxmlformats.org/presentationml/2006/main">
+  <p:cSld>
+    <p:bg>
+      <p:bgPr>
+        <a:solidFill>
+          <a:schemeClr val="tx1"/>
+        </a:solidFill>
+        <a:effectLst/>
+      </p:bgPr>
+    </p:bg>
+    <p:spTree>
+      <p:nvGrpSpPr>
+        <p:cNvPr id="1" name=""/>
+        <p:cNvGrpSpPr/>
+        <p:nvPr/>
+      </p:nvGrpSpPr>
+      <p:grpSpPr>
+        <a:xfrm>
+          <a:off x="0" y="0"/>
+          <a:ext cx="0" cy="0"/>
+          <a:chOff x="0" y="0"/>
+          <a:chExt cx="0" cy="0"/>
+        </a:xfrm>
+      </p:grpSpPr>
+      <p:sp>
+        <p:nvSpPr>
+          <p:cNvPr id="5" name="Rectangle: Rounded Corners 4">
+            <a:extLst>
+              <a:ext uri="{FF2B5EF4-FFF2-40B4-BE49-F238E27FC236}">
+                <a16:creationId xmlns:a16="http://schemas.microsoft.com/office/drawing/2014/main" id="{0FC681C2-F285-4A45-A560-9BC6B526B759}"/>
+              </a:ext>
+            </a:extLst>
+          </p:cNvPr>
+          <p:cNvSpPr/>
+          <p:nvPr/>
+        </p:nvSpPr>
+        <p:spPr>
+          <a:xfrm>
+            <a:off x="8995183" y="185884"/>
+            <a:ext cx="2854738" cy="461394"/>
+          </a:xfrm>
+          <a:prstGeom prst="roundRect">
+            <a:avLst>
+              <a:gd name="adj" fmla="val 50000"/>
+            </a:avLst>
+          </a:prstGeom>
+          <a:solidFill>
+            <a:srgbClr val="000000">
+              <a:alpha val="47843"/>
+            </a:srgbClr>
+          </a:solidFill>
+          <a:ln>
+            <a:noFill/>
+          </a:ln>
+        </p:spPr>
+        <p:style>
+          <a:lnRef idx="2">
+            <a:schemeClr val="accent1">
+              <a:shade val="50000"/>
+            </a:schemeClr>
+          </a:lnRef>
+          <a:fillRef idx="1">
+            <a:schemeClr val="accent1"/>
+          </a:fillRef>
+          <a:effectRef idx="0">
+            <a:schemeClr val="accent1"/>
+          </a:effectRef>
+          <a:fontRef idx="minor">
+            <a:schemeClr val="lt1"/>
+          </a:fontRef>
+        </p:style>
+        <p:txBody>
+          <a:bodyPr rtlCol="0" anchor="ctr"/>
+          <a:lstStyle/>
+          <a:p>
+            <a:pPr algn="ctr"/>
+            <a:r>
+              <a:rPr lang="es-MX" dirty="0">
+                <a:latin typeface="Consolas" panose="020B0609020204030204" pitchFamily="49" charset="0"/>
+                <a:cs typeface="Courier New" panose="02070309020205020404" pitchFamily="49" charset="0"/>
+              </a:rPr>
+              <a:t>Level4</a:t>
+            </a:r>
+          </a:p>
+        </p:txBody>
+      </p:sp>
+      <p:pic>
+        <p:nvPicPr>
+          <p:cNvPr id="9" name="Picture 8" descr="A picture containing drawing&#10;&#10;Description automatically generated">
+            <a:extLst>
+              <a:ext uri="{FF2B5EF4-FFF2-40B4-BE49-F238E27FC236}">
+                <a16:creationId xmlns:a16="http://schemas.microsoft.com/office/drawing/2014/main" id="{8A52CF7B-0A78-4E06-89CC-1B2C7399ED55}"/>
+              </a:ext>
+            </a:extLst>
+          </p:cNvPr>
+          <p:cNvPicPr>
+            <a:picLocks noChangeAspect="1"/>
+          </p:cNvPicPr>
+          <p:nvPr/>
+        </p:nvPicPr>
+        <p:blipFill>
+          <a:blip r:embed="rId2">
+            <a:extLst>
+              <a:ext uri="{28A0092B-C50C-407E-A947-70E740481C1C}">
+                <a14:useLocalDpi xmlns:a14="http://schemas.microsoft.com/office/drawing/2010/main" val="0"/>
+              </a:ext>
+            </a:extLst>
+          </a:blip>
+          <a:stretch>
+            <a:fillRect/>
+          </a:stretch>
+        </p:blipFill>
+        <p:spPr>
+          <a:xfrm>
+            <a:off x="639055" y="1845578"/>
+            <a:ext cx="3249505" cy="3707366"/>
+          </a:xfrm>
+          <a:prstGeom prst="rect">
+            <a:avLst/>
+          </a:prstGeom>
+        </p:spPr>
+      </p:pic>
+      <p:pic>
+        <p:nvPicPr>
+          <p:cNvPr id="11" name="Picture 10" descr="A picture containing drawing&#10;&#10;Description automatically generated">
+            <a:extLst>
+              <a:ext uri="{FF2B5EF4-FFF2-40B4-BE49-F238E27FC236}">
+                <a16:creationId xmlns:a16="http://schemas.microsoft.com/office/drawing/2014/main" id="{64959D38-761E-468C-BE9F-3F093F926245}"/>
+              </a:ext>
+            </a:extLst>
+          </p:cNvPr>
+          <p:cNvPicPr>
+            <a:picLocks noChangeAspect="1"/>
+          </p:cNvPicPr>
+          <p:nvPr/>
+        </p:nvPicPr>
+        <p:blipFill>
+          <a:blip r:embed="rId3">
+            <a:extLst>
+              <a:ext uri="{28A0092B-C50C-407E-A947-70E740481C1C}">
+                <a14:useLocalDpi xmlns:a14="http://schemas.microsoft.com/office/drawing/2010/main" val="0"/>
+              </a:ext>
+            </a:extLst>
+          </a:blip>
+          <a:stretch>
+            <a:fillRect/>
+          </a:stretch>
+        </p:blipFill>
+        <p:spPr>
+          <a:xfrm>
+            <a:off x="976363" y="2824022"/>
+            <a:ext cx="649028" cy="649028"/>
+          </a:xfrm>
+          <a:prstGeom prst="rect">
+            <a:avLst/>
+          </a:prstGeom>
+        </p:spPr>
+      </p:pic>
+      <p:pic>
+        <p:nvPicPr>
+          <p:cNvPr id="13" name="Picture 12" descr="A picture containing drawing&#10;&#10;Description automatically generated">
+            <a:extLst>
+              <a:ext uri="{FF2B5EF4-FFF2-40B4-BE49-F238E27FC236}">
+                <a16:creationId xmlns:a16="http://schemas.microsoft.com/office/drawing/2014/main" id="{553F88BB-B3E9-41F6-B51A-18A4EA6FBC81}"/>
+              </a:ext>
+            </a:extLst>
+          </p:cNvPr>
+          <p:cNvPicPr>
+            <a:picLocks noChangeAspect="1"/>
+          </p:cNvPicPr>
+          <p:nvPr/>
+        </p:nvPicPr>
+        <p:blipFill>
+          <a:blip r:embed="rId4">
+            <a:extLst>
+              <a:ext uri="{28A0092B-C50C-407E-A947-70E740481C1C}">
+                <a14:useLocalDpi xmlns:a14="http://schemas.microsoft.com/office/drawing/2010/main" val="0"/>
+              </a:ext>
+            </a:extLst>
+          </a:blip>
+          <a:stretch>
+            <a:fillRect/>
+          </a:stretch>
+        </p:blipFill>
+        <p:spPr>
+          <a:xfrm>
+            <a:off x="1953573" y="2824022"/>
+            <a:ext cx="649028" cy="649028"/>
+          </a:xfrm>
+          <a:prstGeom prst="rect">
+            <a:avLst/>
+          </a:prstGeom>
+        </p:spPr>
+      </p:pic>
+      <p:pic>
+        <p:nvPicPr>
+          <p:cNvPr id="15" name="Picture 14" descr="A picture containing drawing, light&#10;&#10;Description automatically generated">
+            <a:extLst>
+              <a:ext uri="{FF2B5EF4-FFF2-40B4-BE49-F238E27FC236}">
+                <a16:creationId xmlns:a16="http://schemas.microsoft.com/office/drawing/2014/main" id="{23EF0E69-5071-4578-AB80-000A88FF1C39}"/>
+              </a:ext>
+            </a:extLst>
+          </p:cNvPr>
+          <p:cNvPicPr>
+            <a:picLocks noChangeAspect="1"/>
+          </p:cNvPicPr>
+          <p:nvPr/>
+        </p:nvPicPr>
+        <p:blipFill>
+          <a:blip r:embed="rId5">
+            <a:extLst>
+              <a:ext uri="{28A0092B-C50C-407E-A947-70E740481C1C}">
+                <a14:useLocalDpi xmlns:a14="http://schemas.microsoft.com/office/drawing/2010/main" val="0"/>
+              </a:ext>
+            </a:extLst>
+          </a:blip>
+          <a:stretch>
+            <a:fillRect/>
+          </a:stretch>
+        </p:blipFill>
+        <p:spPr>
+          <a:xfrm>
+            <a:off x="2930782" y="2812669"/>
+            <a:ext cx="649028" cy="649028"/>
+          </a:xfrm>
+          <a:prstGeom prst="rect">
+            <a:avLst/>
+          </a:prstGeom>
+        </p:spPr>
+      </p:pic>
+      <p:pic>
+        <p:nvPicPr>
+          <p:cNvPr id="17" name="Picture 16" descr="A picture containing drawing&#10;&#10;Description automatically generated">
+            <a:extLst>
+              <a:ext uri="{FF2B5EF4-FFF2-40B4-BE49-F238E27FC236}">
+                <a16:creationId xmlns:a16="http://schemas.microsoft.com/office/drawing/2014/main" id="{3E927AAD-BB88-4654-A9C8-7B321C039A63}"/>
+              </a:ext>
+            </a:extLst>
+          </p:cNvPr>
+          <p:cNvPicPr>
+            <a:picLocks noChangeAspect="1"/>
+          </p:cNvPicPr>
+          <p:nvPr/>
+        </p:nvPicPr>
+        <p:blipFill>
+          <a:blip r:embed="rId6">
+            <a:extLst>
+              <a:ext uri="{28A0092B-C50C-407E-A947-70E740481C1C}">
+                <a14:useLocalDpi xmlns:a14="http://schemas.microsoft.com/office/drawing/2010/main" val="0"/>
+              </a:ext>
+            </a:extLst>
+          </a:blip>
+          <a:stretch>
+            <a:fillRect/>
+          </a:stretch>
+        </p:blipFill>
+        <p:spPr>
+          <a:xfrm>
+            <a:off x="1304545" y="3748591"/>
+            <a:ext cx="649028" cy="649028"/>
+          </a:xfrm>
+          <a:prstGeom prst="rect">
+            <a:avLst/>
+          </a:prstGeom>
+        </p:spPr>
+      </p:pic>
+      <p:pic>
+        <p:nvPicPr>
+          <p:cNvPr id="19" name="Picture 18" descr="A picture containing drawing&#10;&#10;Description automatically generated">
+            <a:extLst>
+              <a:ext uri="{FF2B5EF4-FFF2-40B4-BE49-F238E27FC236}">
+                <a16:creationId xmlns:a16="http://schemas.microsoft.com/office/drawing/2014/main" id="{1B9A1E90-79C0-4EF4-82E1-73939AF20932}"/>
+              </a:ext>
+            </a:extLst>
+          </p:cNvPr>
+          <p:cNvPicPr>
+            <a:picLocks noChangeAspect="1"/>
+          </p:cNvPicPr>
+          <p:nvPr/>
+        </p:nvPicPr>
+        <p:blipFill>
+          <a:blip r:embed="rId7">
+            <a:extLst>
+              <a:ext uri="{28A0092B-C50C-407E-A947-70E740481C1C}">
+                <a14:useLocalDpi xmlns:a14="http://schemas.microsoft.com/office/drawing/2010/main" val="0"/>
+              </a:ext>
+            </a:extLst>
+          </a:blip>
+          <a:stretch>
+            <a:fillRect/>
+          </a:stretch>
+        </p:blipFill>
+        <p:spPr>
+          <a:xfrm>
+            <a:off x="2512790" y="3748591"/>
+            <a:ext cx="649028" cy="649028"/>
+          </a:xfrm>
+          <a:prstGeom prst="rect">
+            <a:avLst/>
+          </a:prstGeom>
+        </p:spPr>
+      </p:pic>
+      <p:pic>
+        <p:nvPicPr>
+          <p:cNvPr id="3" name="Picture 2" descr="A picture containing drawing&#10;&#10;Description automatically generated">
+            <a:extLst>
+              <a:ext uri="{FF2B5EF4-FFF2-40B4-BE49-F238E27FC236}">
+                <a16:creationId xmlns:a16="http://schemas.microsoft.com/office/drawing/2014/main" id="{24211293-5E3D-410C-938A-9475250031A2}"/>
+              </a:ext>
+            </a:extLst>
+          </p:cNvPr>
+          <p:cNvPicPr>
+            <a:picLocks noChangeAspect="1"/>
+          </p:cNvPicPr>
+          <p:nvPr/>
+        </p:nvPicPr>
+        <p:blipFill>
+          <a:blip r:embed="rId8">
+            <a:extLst>
+              <a:ext uri="{28A0092B-C50C-407E-A947-70E740481C1C}">
+                <a14:useLocalDpi xmlns:a14="http://schemas.microsoft.com/office/drawing/2010/main" val="0"/>
+              </a:ext>
+            </a:extLst>
+          </a:blip>
+          <a:stretch>
+            <a:fillRect/>
+          </a:stretch>
+        </p:blipFill>
+        <p:spPr>
+          <a:xfrm>
+            <a:off x="1932097" y="4473020"/>
+            <a:ext cx="658842" cy="658842"/>
+          </a:xfrm>
+          <a:prstGeom prst="rect">
+            <a:avLst/>
+          </a:prstGeom>
+        </p:spPr>
+      </p:pic>
+      <p:pic>
+        <p:nvPicPr>
+          <p:cNvPr id="22" name="Picture 21" descr="A picture containing drawing&#10;&#10;Description automatically generated">
+            <a:extLst>
+              <a:ext uri="{FF2B5EF4-FFF2-40B4-BE49-F238E27FC236}">
+                <a16:creationId xmlns:a16="http://schemas.microsoft.com/office/drawing/2014/main" id="{B6AA59DF-6FA5-4E0B-BAA6-73C9B3BC78CE}"/>
+              </a:ext>
+            </a:extLst>
+          </p:cNvPr>
+          <p:cNvPicPr>
+            <a:picLocks noChangeAspect="1"/>
+          </p:cNvPicPr>
+          <p:nvPr/>
+        </p:nvPicPr>
+        <p:blipFill>
+          <a:blip r:embed="rId3">
+            <a:extLst>
+              <a:ext uri="{28A0092B-C50C-407E-A947-70E740481C1C}">
+                <a14:useLocalDpi xmlns:a14="http://schemas.microsoft.com/office/drawing/2010/main" val="0"/>
+              </a:ext>
+            </a:extLst>
+          </a:blip>
+          <a:stretch>
+            <a:fillRect/>
+          </a:stretch>
+        </p:blipFill>
+        <p:spPr>
+          <a:xfrm>
+            <a:off x="655741" y="422873"/>
+            <a:ext cx="649028" cy="649028"/>
+          </a:xfrm>
+          <a:prstGeom prst="rect">
+            <a:avLst/>
+          </a:prstGeom>
+        </p:spPr>
+      </p:pic>
+      <p:pic>
+        <p:nvPicPr>
+          <p:cNvPr id="24" name="Picture 23" descr="A picture containing drawing&#10;&#10;Description automatically generated">
+            <a:extLst>
+              <a:ext uri="{FF2B5EF4-FFF2-40B4-BE49-F238E27FC236}">
+                <a16:creationId xmlns:a16="http://schemas.microsoft.com/office/drawing/2014/main" id="{A38FD131-AA8F-47BE-899D-7FC3DBB72966}"/>
+              </a:ext>
+            </a:extLst>
+          </p:cNvPr>
+          <p:cNvPicPr>
+            <a:picLocks noChangeAspect="1"/>
+          </p:cNvPicPr>
+          <p:nvPr/>
+        </p:nvPicPr>
+        <p:blipFill>
+          <a:blip r:embed="rId3">
+            <a:extLst>
+              <a:ext uri="{28A0092B-C50C-407E-A947-70E740481C1C}">
+                <a14:useLocalDpi xmlns:a14="http://schemas.microsoft.com/office/drawing/2010/main" val="0"/>
+              </a:ext>
+            </a:extLst>
+          </a:blip>
+          <a:stretch>
+            <a:fillRect/>
+          </a:stretch>
+        </p:blipFill>
+        <p:spPr>
+          <a:xfrm>
+            <a:off x="1492800" y="416581"/>
+            <a:ext cx="649028" cy="649028"/>
+          </a:xfrm>
+          <a:prstGeom prst="rect">
+            <a:avLst/>
+          </a:prstGeom>
+        </p:spPr>
+      </p:pic>
+      <p:pic>
+        <p:nvPicPr>
+          <p:cNvPr id="26" name="Picture 25" descr="A picture containing drawing&#10;&#10;Description automatically generated">
+            <a:extLst>
+              <a:ext uri="{FF2B5EF4-FFF2-40B4-BE49-F238E27FC236}">
+                <a16:creationId xmlns:a16="http://schemas.microsoft.com/office/drawing/2014/main" id="{F9360C11-FFF6-4374-A9F3-93CCA93B5ADC}"/>
+              </a:ext>
+            </a:extLst>
+          </p:cNvPr>
+          <p:cNvPicPr>
+            <a:picLocks noChangeAspect="1"/>
+          </p:cNvPicPr>
+          <p:nvPr/>
+        </p:nvPicPr>
+        <p:blipFill>
+          <a:blip r:embed="rId7">
+            <a:extLst>
+              <a:ext uri="{28A0092B-C50C-407E-A947-70E740481C1C}">
+                <a14:useLocalDpi xmlns:a14="http://schemas.microsoft.com/office/drawing/2010/main" val="0"/>
+              </a:ext>
+            </a:extLst>
+          </a:blip>
+          <a:stretch>
+            <a:fillRect/>
+          </a:stretch>
+        </p:blipFill>
+        <p:spPr>
+          <a:xfrm>
+            <a:off x="2329859" y="416581"/>
+            <a:ext cx="649028" cy="649028"/>
+          </a:xfrm>
+          <a:prstGeom prst="rect">
+            <a:avLst/>
+          </a:prstGeom>
+        </p:spPr>
+      </p:pic>
+      <p:pic>
+        <p:nvPicPr>
+          <p:cNvPr id="28" name="Picture 27" descr="A picture containing drawing&#10;&#10;Description automatically generated">
+            <a:extLst>
+              <a:ext uri="{FF2B5EF4-FFF2-40B4-BE49-F238E27FC236}">
+                <a16:creationId xmlns:a16="http://schemas.microsoft.com/office/drawing/2014/main" id="{E41D9960-3EF5-47FD-91A6-680D2D06BFBA}"/>
+              </a:ext>
+            </a:extLst>
+          </p:cNvPr>
+          <p:cNvPicPr>
+            <a:picLocks noChangeAspect="1"/>
+          </p:cNvPicPr>
+          <p:nvPr/>
+        </p:nvPicPr>
+        <p:blipFill>
+          <a:blip r:embed="rId7">
+            <a:extLst>
+              <a:ext uri="{28A0092B-C50C-407E-A947-70E740481C1C}">
+                <a14:useLocalDpi xmlns:a14="http://schemas.microsoft.com/office/drawing/2010/main" val="0"/>
+              </a:ext>
+            </a:extLst>
+          </a:blip>
+          <a:stretch>
+            <a:fillRect/>
+          </a:stretch>
+        </p:blipFill>
+        <p:spPr>
+          <a:xfrm>
+            <a:off x="3161818" y="416581"/>
+            <a:ext cx="649028" cy="649028"/>
+          </a:xfrm>
+          <a:prstGeom prst="rect">
+            <a:avLst/>
+          </a:prstGeom>
+        </p:spPr>
+      </p:pic>
+      <p:pic>
+        <p:nvPicPr>
+          <p:cNvPr id="31" name="Picture 30" descr="A picture containing drawing&#10;&#10;Description automatically generated">
+            <a:extLst>
+              <a:ext uri="{FF2B5EF4-FFF2-40B4-BE49-F238E27FC236}">
+                <a16:creationId xmlns:a16="http://schemas.microsoft.com/office/drawing/2014/main" id="{228243B5-89E4-40DA-B29D-ACB63040EDC9}"/>
+              </a:ext>
+            </a:extLst>
+          </p:cNvPr>
+          <p:cNvPicPr>
+            <a:picLocks noChangeAspect="1"/>
+          </p:cNvPicPr>
+          <p:nvPr/>
+        </p:nvPicPr>
+        <p:blipFill>
+          <a:blip r:embed="rId8">
+            <a:extLst>
+              <a:ext uri="{28A0092B-C50C-407E-A947-70E740481C1C}">
+                <a14:useLocalDpi xmlns:a14="http://schemas.microsoft.com/office/drawing/2010/main" val="0"/>
+              </a:ext>
+            </a:extLst>
+          </a:blip>
+          <a:stretch>
+            <a:fillRect/>
+          </a:stretch>
+        </p:blipFill>
+        <p:spPr>
+          <a:xfrm>
+            <a:off x="3993777" y="416581"/>
+            <a:ext cx="658842" cy="658842"/>
+          </a:xfrm>
+          <a:prstGeom prst="rect">
+            <a:avLst/>
+          </a:prstGeom>
+        </p:spPr>
+      </p:pic>
+      <p:pic>
+        <p:nvPicPr>
+          <p:cNvPr id="32" name="Picture 31" descr="A picture containing drawing&#10;&#10;Description automatically generated">
+            <a:extLst>
+              <a:ext uri="{FF2B5EF4-FFF2-40B4-BE49-F238E27FC236}">
+                <a16:creationId xmlns:a16="http://schemas.microsoft.com/office/drawing/2014/main" id="{83A84E1F-A3A1-442D-B8AF-7AC360551D38}"/>
+              </a:ext>
+            </a:extLst>
+          </p:cNvPr>
+          <p:cNvPicPr>
+            <a:picLocks noChangeAspect="1"/>
+          </p:cNvPicPr>
+          <p:nvPr/>
+        </p:nvPicPr>
+        <p:blipFill>
+          <a:blip r:embed="rId8">
+            <a:extLst>
+              <a:ext uri="{28A0092B-C50C-407E-A947-70E740481C1C}">
+                <a14:useLocalDpi xmlns:a14="http://schemas.microsoft.com/office/drawing/2010/main" val="0"/>
+              </a:ext>
+            </a:extLst>
+          </a:blip>
+          <a:stretch>
+            <a:fillRect/>
+          </a:stretch>
+        </p:blipFill>
+        <p:spPr>
+          <a:xfrm>
+            <a:off x="4830836" y="416581"/>
+            <a:ext cx="658842" cy="658842"/>
+          </a:xfrm>
+          <a:prstGeom prst="rect">
+            <a:avLst/>
+          </a:prstGeom>
+        </p:spPr>
+      </p:pic>
+      <p:pic>
+        <p:nvPicPr>
+          <p:cNvPr id="33" name="Picture 32" descr="A picture containing drawing&#10;&#10;Description automatically generated">
+            <a:extLst>
+              <a:ext uri="{FF2B5EF4-FFF2-40B4-BE49-F238E27FC236}">
+                <a16:creationId xmlns:a16="http://schemas.microsoft.com/office/drawing/2014/main" id="{60340ED0-C18F-4853-91B5-60256B997B34}"/>
+              </a:ext>
+            </a:extLst>
+          </p:cNvPr>
+          <p:cNvPicPr>
+            <a:picLocks noChangeAspect="1"/>
+          </p:cNvPicPr>
+          <p:nvPr/>
+        </p:nvPicPr>
+        <p:blipFill>
+          <a:blip r:embed="rId7">
+            <a:extLst>
+              <a:ext uri="{28A0092B-C50C-407E-A947-70E740481C1C}">
+                <a14:useLocalDpi xmlns:a14="http://schemas.microsoft.com/office/drawing/2010/main" val="0"/>
+              </a:ext>
+            </a:extLst>
+          </a:blip>
+          <a:stretch>
+            <a:fillRect/>
+          </a:stretch>
+        </p:blipFill>
+        <p:spPr>
+          <a:xfrm>
+            <a:off x="5669012" y="416581"/>
+            <a:ext cx="649028" cy="649028"/>
+          </a:xfrm>
+          <a:prstGeom prst="rect">
+            <a:avLst/>
+          </a:prstGeom>
+        </p:spPr>
+      </p:pic>
+      <p:pic>
+        <p:nvPicPr>
+          <p:cNvPr id="34" name="Picture 33" descr="A picture containing drawing&#10;&#10;Description automatically generated">
+            <a:extLst>
+              <a:ext uri="{FF2B5EF4-FFF2-40B4-BE49-F238E27FC236}">
+                <a16:creationId xmlns:a16="http://schemas.microsoft.com/office/drawing/2014/main" id="{315DEDC8-9B3F-4059-9758-BE535FFD1E20}"/>
+              </a:ext>
+            </a:extLst>
+          </p:cNvPr>
+          <p:cNvPicPr>
+            <a:picLocks noChangeAspect="1"/>
+          </p:cNvPicPr>
+          <p:nvPr/>
+        </p:nvPicPr>
+        <p:blipFill>
+          <a:blip r:embed="rId6">
+            <a:extLst>
+              <a:ext uri="{28A0092B-C50C-407E-A947-70E740481C1C}">
+                <a14:useLocalDpi xmlns:a14="http://schemas.microsoft.com/office/drawing/2010/main" val="0"/>
+              </a:ext>
+            </a:extLst>
+          </a:blip>
+          <a:stretch>
+            <a:fillRect/>
+          </a:stretch>
+        </p:blipFill>
+        <p:spPr>
+          <a:xfrm>
+            <a:off x="655741" y="5882360"/>
+            <a:ext cx="649028" cy="649028"/>
+          </a:xfrm>
+          <a:prstGeom prst="rect">
+            <a:avLst/>
+          </a:prstGeom>
+        </p:spPr>
+      </p:pic>
+      <p:pic>
+        <p:nvPicPr>
+          <p:cNvPr id="35" name="Picture 34" descr="A picture containing drawing&#10;&#10;Description automatically generated">
+            <a:extLst>
+              <a:ext uri="{FF2B5EF4-FFF2-40B4-BE49-F238E27FC236}">
+                <a16:creationId xmlns:a16="http://schemas.microsoft.com/office/drawing/2014/main" id="{74263AC3-4AFA-4184-AB2A-69E100F63AC6}"/>
+              </a:ext>
+            </a:extLst>
+          </p:cNvPr>
+          <p:cNvPicPr>
+            <a:picLocks noChangeAspect="1"/>
+          </p:cNvPicPr>
+          <p:nvPr/>
+        </p:nvPicPr>
+        <p:blipFill>
+          <a:blip r:embed="rId6">
+            <a:extLst>
+              <a:ext uri="{28A0092B-C50C-407E-A947-70E740481C1C}">
+                <a14:useLocalDpi xmlns:a14="http://schemas.microsoft.com/office/drawing/2010/main" val="0"/>
+              </a:ext>
+            </a:extLst>
+          </a:blip>
+          <a:stretch>
+            <a:fillRect/>
+          </a:stretch>
+        </p:blipFill>
+        <p:spPr>
+          <a:xfrm>
+            <a:off x="1492800" y="5882360"/>
+            <a:ext cx="649028" cy="649028"/>
+          </a:xfrm>
+          <a:prstGeom prst="rect">
+            <a:avLst/>
+          </a:prstGeom>
+        </p:spPr>
+      </p:pic>
+      <p:pic>
+        <p:nvPicPr>
+          <p:cNvPr id="36" name="Picture 35" descr="A picture containing drawing, light&#10;&#10;Description automatically generated">
+            <a:extLst>
+              <a:ext uri="{FF2B5EF4-FFF2-40B4-BE49-F238E27FC236}">
+                <a16:creationId xmlns:a16="http://schemas.microsoft.com/office/drawing/2014/main" id="{0B9C6FCC-6513-4B78-86B9-AAFC7F9A6474}"/>
+              </a:ext>
+            </a:extLst>
+          </p:cNvPr>
+          <p:cNvPicPr>
+            <a:picLocks noChangeAspect="1"/>
+          </p:cNvPicPr>
+          <p:nvPr/>
+        </p:nvPicPr>
+        <p:blipFill>
+          <a:blip r:embed="rId5">
+            <a:extLst>
+              <a:ext uri="{28A0092B-C50C-407E-A947-70E740481C1C}">
+                <a14:useLocalDpi xmlns:a14="http://schemas.microsoft.com/office/drawing/2010/main" val="0"/>
+              </a:ext>
+            </a:extLst>
+          </a:blip>
+          <a:stretch>
+            <a:fillRect/>
+          </a:stretch>
+        </p:blipFill>
+        <p:spPr>
+          <a:xfrm>
+            <a:off x="2329859" y="5882360"/>
+            <a:ext cx="649028" cy="649028"/>
+          </a:xfrm>
+          <a:prstGeom prst="rect">
+            <a:avLst/>
+          </a:prstGeom>
+        </p:spPr>
+      </p:pic>
+      <p:pic>
+        <p:nvPicPr>
+          <p:cNvPr id="37" name="Picture 36" descr="A picture containing drawing, light&#10;&#10;Description automatically generated">
+            <a:extLst>
+              <a:ext uri="{FF2B5EF4-FFF2-40B4-BE49-F238E27FC236}">
+                <a16:creationId xmlns:a16="http://schemas.microsoft.com/office/drawing/2014/main" id="{1CD44EE8-E141-4F96-AD9A-537A57BFE9B0}"/>
+              </a:ext>
+            </a:extLst>
+          </p:cNvPr>
+          <p:cNvPicPr>
+            <a:picLocks noChangeAspect="1"/>
+          </p:cNvPicPr>
+          <p:nvPr/>
+        </p:nvPicPr>
+        <p:blipFill>
+          <a:blip r:embed="rId5">
+            <a:extLst>
+              <a:ext uri="{28A0092B-C50C-407E-A947-70E740481C1C}">
+                <a14:useLocalDpi xmlns:a14="http://schemas.microsoft.com/office/drawing/2010/main" val="0"/>
+              </a:ext>
+            </a:extLst>
+          </a:blip>
+          <a:stretch>
+            <a:fillRect/>
+          </a:stretch>
+        </p:blipFill>
+        <p:spPr>
+          <a:xfrm>
+            <a:off x="3161818" y="5882360"/>
+            <a:ext cx="649028" cy="649028"/>
+          </a:xfrm>
+          <a:prstGeom prst="rect">
+            <a:avLst/>
+          </a:prstGeom>
+        </p:spPr>
+      </p:pic>
+      <p:pic>
+        <p:nvPicPr>
+          <p:cNvPr id="38" name="Picture 37" descr="A picture containing drawing&#10;&#10;Description automatically generated">
+            <a:extLst>
+              <a:ext uri="{FF2B5EF4-FFF2-40B4-BE49-F238E27FC236}">
+                <a16:creationId xmlns:a16="http://schemas.microsoft.com/office/drawing/2014/main" id="{0C2736DA-AB69-465A-B2F4-3C3D576F4982}"/>
+              </a:ext>
+            </a:extLst>
+          </p:cNvPr>
+          <p:cNvPicPr>
+            <a:picLocks noChangeAspect="1"/>
+          </p:cNvPicPr>
+          <p:nvPr/>
+        </p:nvPicPr>
+        <p:blipFill>
+          <a:blip r:embed="rId4">
+            <a:extLst>
+              <a:ext uri="{28A0092B-C50C-407E-A947-70E740481C1C}">
+                <a14:useLocalDpi xmlns:a14="http://schemas.microsoft.com/office/drawing/2010/main" val="0"/>
+              </a:ext>
+            </a:extLst>
+          </a:blip>
+          <a:stretch>
+            <a:fillRect/>
+          </a:stretch>
+        </p:blipFill>
+        <p:spPr>
+          <a:xfrm>
+            <a:off x="3993777" y="5882360"/>
+            <a:ext cx="649028" cy="649028"/>
+          </a:xfrm>
+          <a:prstGeom prst="rect">
+            <a:avLst/>
+          </a:prstGeom>
+        </p:spPr>
+      </p:pic>
+      <p:pic>
+        <p:nvPicPr>
+          <p:cNvPr id="40" name="Picture 39" descr="A picture containing drawing&#10;&#10;Description automatically generated">
+            <a:extLst>
+              <a:ext uri="{FF2B5EF4-FFF2-40B4-BE49-F238E27FC236}">
+                <a16:creationId xmlns:a16="http://schemas.microsoft.com/office/drawing/2014/main" id="{ABD31D31-66A7-402A-98B4-B1E2063AFEDD}"/>
+              </a:ext>
+            </a:extLst>
+          </p:cNvPr>
+          <p:cNvPicPr>
+            <a:picLocks noChangeAspect="1"/>
+          </p:cNvPicPr>
+          <p:nvPr/>
+        </p:nvPicPr>
+        <p:blipFill>
+          <a:blip r:embed="rId4">
+            <a:extLst>
+              <a:ext uri="{28A0092B-C50C-407E-A947-70E740481C1C}">
+                <a14:useLocalDpi xmlns:a14="http://schemas.microsoft.com/office/drawing/2010/main" val="0"/>
+              </a:ext>
+            </a:extLst>
+          </a:blip>
+          <a:stretch>
+            <a:fillRect/>
+          </a:stretch>
+        </p:blipFill>
+        <p:spPr>
+          <a:xfrm>
+            <a:off x="4820064" y="5882360"/>
+            <a:ext cx="649028" cy="649028"/>
+          </a:xfrm>
+          <a:prstGeom prst="rect">
+            <a:avLst/>
+          </a:prstGeom>
+        </p:spPr>
+      </p:pic>
+      <p:grpSp>
+        <p:nvGrpSpPr>
+          <p:cNvPr id="4" name="Group 3">
+            <a:extLst>
+              <a:ext uri="{FF2B5EF4-FFF2-40B4-BE49-F238E27FC236}">
+                <a16:creationId xmlns:a16="http://schemas.microsoft.com/office/drawing/2014/main" id="{4255FBF1-215F-4078-A1D3-9DB69832243E}"/>
+              </a:ext>
+            </a:extLst>
+          </p:cNvPr>
+          <p:cNvGrpSpPr/>
+          <p:nvPr/>
+        </p:nvGrpSpPr>
+        <p:grpSpPr>
+          <a:xfrm rot="1823761">
+            <a:off x="4879436" y="1254344"/>
+            <a:ext cx="6094068" cy="4162095"/>
+            <a:chOff x="4592332" y="1166539"/>
+            <a:chExt cx="6094068" cy="4162095"/>
+          </a:xfrm>
+        </p:grpSpPr>
+        <p:sp>
+          <p:nvSpPr>
+            <p:cNvPr id="21" name="Oval 20">
+              <a:extLst>
+                <a:ext uri="{FF2B5EF4-FFF2-40B4-BE49-F238E27FC236}">
+                  <a16:creationId xmlns:a16="http://schemas.microsoft.com/office/drawing/2014/main" id="{D17D8C7A-2364-4B00-A5D3-C56B7A70D27F}"/>
+                </a:ext>
+              </a:extLst>
+            </p:cNvPr>
+            <p:cNvSpPr/>
+            <p:nvPr/>
+          </p:nvSpPr>
+          <p:spPr>
+            <a:xfrm>
+              <a:off x="5364155" y="2812669"/>
+              <a:ext cx="227732" cy="227732"/>
+            </a:xfrm>
+            <a:prstGeom prst="ellipse">
+              <a:avLst/>
+            </a:prstGeom>
+            <a:solidFill>
+              <a:schemeClr val="bg1"/>
+            </a:solidFill>
+            <a:ln>
+              <a:solidFill>
+                <a:schemeClr val="bg1"/>
+              </a:solidFill>
+            </a:ln>
+          </p:spPr>
+          <p:style>
+            <a:lnRef idx="2">
+              <a:schemeClr val="accent1">
+                <a:shade val="50000"/>
+              </a:schemeClr>
+            </a:lnRef>
+            <a:fillRef idx="1">
+              <a:schemeClr val="accent1"/>
+            </a:fillRef>
+            <a:effectRef idx="0">
+              <a:schemeClr val="accent1"/>
+            </a:effectRef>
+            <a:fontRef idx="minor">
+              <a:schemeClr val="lt1"/>
+            </a:fontRef>
+          </p:style>
+          <p:txBody>
+            <a:bodyPr rtlCol="0" anchor="ctr"/>
+            <a:lstStyle/>
+            <a:p>
+              <a:pPr algn="ctr"/>
+              <a:endParaRPr lang="es-MX" dirty="0">
+                <a:solidFill>
+                  <a:sysClr val="windowText" lastClr="000000"/>
+                </a:solidFill>
+              </a:endParaRPr>
+            </a:p>
+          </p:txBody>
+        </p:sp>
+        <p:sp>
+          <p:nvSpPr>
+            <p:cNvPr id="23" name="Oval 22">
+              <a:extLst>
+                <a:ext uri="{FF2B5EF4-FFF2-40B4-BE49-F238E27FC236}">
+                  <a16:creationId xmlns:a16="http://schemas.microsoft.com/office/drawing/2014/main" id="{0CB06B11-22A5-46DD-A13B-15CE749034A3}"/>
+                </a:ext>
+              </a:extLst>
+            </p:cNvPr>
+            <p:cNvSpPr/>
+            <p:nvPr/>
+          </p:nvSpPr>
+          <p:spPr>
+            <a:xfrm>
+              <a:off x="4592332" y="4802441"/>
+              <a:ext cx="227732" cy="227732"/>
+            </a:xfrm>
+            <a:prstGeom prst="ellipse">
+              <a:avLst/>
+            </a:prstGeom>
+            <a:solidFill>
+              <a:schemeClr val="bg1"/>
+            </a:solidFill>
+            <a:ln>
+              <a:solidFill>
+                <a:schemeClr val="bg1"/>
+              </a:solidFill>
+            </a:ln>
+          </p:spPr>
+          <p:style>
+            <a:lnRef idx="2">
+              <a:schemeClr val="accent1">
+                <a:shade val="50000"/>
+              </a:schemeClr>
+            </a:lnRef>
+            <a:fillRef idx="1">
+              <a:schemeClr val="accent1"/>
+            </a:fillRef>
+            <a:effectRef idx="0">
+              <a:schemeClr val="accent1"/>
+            </a:effectRef>
+            <a:fontRef idx="minor">
+              <a:schemeClr val="lt1"/>
+            </a:fontRef>
+          </p:style>
+          <p:txBody>
+            <a:bodyPr rtlCol="0" anchor="ctr"/>
+            <a:lstStyle/>
+            <a:p>
+              <a:pPr algn="ctr"/>
+              <a:endParaRPr lang="es-MX" dirty="0">
+                <a:solidFill>
+                  <a:sysClr val="windowText" lastClr="000000"/>
+                </a:solidFill>
+              </a:endParaRPr>
+            </a:p>
+          </p:txBody>
+        </p:sp>
+        <p:sp>
+          <p:nvSpPr>
+            <p:cNvPr id="25" name="Oval 24">
+              <a:extLst>
+                <a:ext uri="{FF2B5EF4-FFF2-40B4-BE49-F238E27FC236}">
+                  <a16:creationId xmlns:a16="http://schemas.microsoft.com/office/drawing/2014/main" id="{5207A54F-DEEC-4DDC-ACFF-4A02261BB8BC}"/>
+                </a:ext>
+              </a:extLst>
+            </p:cNvPr>
+            <p:cNvSpPr/>
+            <p:nvPr/>
+          </p:nvSpPr>
+          <p:spPr>
+            <a:xfrm>
+              <a:off x="5158908" y="4169887"/>
+              <a:ext cx="227732" cy="227732"/>
+            </a:xfrm>
+            <a:prstGeom prst="ellipse">
+              <a:avLst/>
+            </a:prstGeom>
+            <a:solidFill>
+              <a:schemeClr val="bg1"/>
+            </a:solidFill>
+            <a:ln>
+              <a:solidFill>
+                <a:schemeClr val="bg1"/>
+              </a:solidFill>
+            </a:ln>
+          </p:spPr>
+          <p:style>
+            <a:lnRef idx="2">
+              <a:schemeClr val="accent1">
+                <a:shade val="50000"/>
+              </a:schemeClr>
+            </a:lnRef>
+            <a:fillRef idx="1">
+              <a:schemeClr val="accent1"/>
+            </a:fillRef>
+            <a:effectRef idx="0">
+              <a:schemeClr val="accent1"/>
+            </a:effectRef>
+            <a:fontRef idx="minor">
+              <a:schemeClr val="lt1"/>
+            </a:fontRef>
+          </p:style>
+          <p:txBody>
+            <a:bodyPr rtlCol="0" anchor="ctr"/>
+            <a:lstStyle/>
+            <a:p>
+              <a:pPr algn="ctr"/>
+              <a:endParaRPr lang="es-MX" dirty="0">
+                <a:solidFill>
+                  <a:sysClr val="windowText" lastClr="000000"/>
+                </a:solidFill>
+              </a:endParaRPr>
+            </a:p>
+          </p:txBody>
+        </p:sp>
+        <p:sp>
+          <p:nvSpPr>
+            <p:cNvPr id="27" name="Oval 26">
+              <a:extLst>
+                <a:ext uri="{FF2B5EF4-FFF2-40B4-BE49-F238E27FC236}">
+                  <a16:creationId xmlns:a16="http://schemas.microsoft.com/office/drawing/2014/main" id="{DA95D1DD-572E-40B3-A6E3-35B46DB44550}"/>
+                </a:ext>
+              </a:extLst>
+            </p:cNvPr>
+            <p:cNvSpPr/>
+            <p:nvPr/>
+          </p:nvSpPr>
+          <p:spPr>
+            <a:xfrm>
+              <a:off x="7122128" y="3315134"/>
+              <a:ext cx="227732" cy="227732"/>
+            </a:xfrm>
+            <a:prstGeom prst="ellipse">
+              <a:avLst/>
+            </a:prstGeom>
+            <a:solidFill>
+              <a:schemeClr val="bg1"/>
+            </a:solidFill>
+            <a:ln>
+              <a:solidFill>
+                <a:schemeClr val="bg1"/>
+              </a:solidFill>
+            </a:ln>
+          </p:spPr>
+          <p:style>
+            <a:lnRef idx="2">
+              <a:schemeClr val="accent1">
+                <a:shade val="50000"/>
+              </a:schemeClr>
+            </a:lnRef>
+            <a:fillRef idx="1">
+              <a:schemeClr val="accent1"/>
+            </a:fillRef>
+            <a:effectRef idx="0">
+              <a:schemeClr val="accent1"/>
+            </a:effectRef>
+            <a:fontRef idx="minor">
+              <a:schemeClr val="lt1"/>
+            </a:fontRef>
+          </p:style>
+          <p:txBody>
+            <a:bodyPr rtlCol="0" anchor="ctr"/>
+            <a:lstStyle/>
+            <a:p>
+              <a:pPr algn="ctr"/>
+              <a:endParaRPr lang="es-MX" dirty="0">
+                <a:solidFill>
+                  <a:sysClr val="windowText" lastClr="000000"/>
+                </a:solidFill>
+              </a:endParaRPr>
+            </a:p>
+          </p:txBody>
+        </p:sp>
+        <p:sp>
+          <p:nvSpPr>
+            <p:cNvPr id="29" name="Oval 28">
+              <a:extLst>
+                <a:ext uri="{FF2B5EF4-FFF2-40B4-BE49-F238E27FC236}">
+                  <a16:creationId xmlns:a16="http://schemas.microsoft.com/office/drawing/2014/main" id="{E0A59819-FC03-4E9A-BE0F-F13BE6288264}"/>
+                </a:ext>
+              </a:extLst>
+            </p:cNvPr>
+            <p:cNvSpPr/>
+            <p:nvPr/>
+          </p:nvSpPr>
+          <p:spPr>
+            <a:xfrm>
+              <a:off x="6552131" y="2199186"/>
+              <a:ext cx="227732" cy="227732"/>
+            </a:xfrm>
+            <a:prstGeom prst="ellipse">
+              <a:avLst/>
+            </a:prstGeom>
+            <a:solidFill>
+              <a:schemeClr val="bg1"/>
+            </a:solidFill>
+            <a:ln>
+              <a:solidFill>
+                <a:schemeClr val="bg1"/>
+              </a:solidFill>
+            </a:ln>
+          </p:spPr>
+          <p:style>
+            <a:lnRef idx="2">
+              <a:schemeClr val="accent1">
+                <a:shade val="50000"/>
+              </a:schemeClr>
+            </a:lnRef>
+            <a:fillRef idx="1">
+              <a:schemeClr val="accent1"/>
+            </a:fillRef>
+            <a:effectRef idx="0">
+              <a:schemeClr val="accent1"/>
+            </a:effectRef>
+            <a:fontRef idx="minor">
+              <a:schemeClr val="lt1"/>
+            </a:fontRef>
+          </p:style>
+          <p:txBody>
+            <a:bodyPr rtlCol="0" anchor="ctr"/>
+            <a:lstStyle/>
+            <a:p>
+              <a:pPr algn="ctr"/>
+              <a:endParaRPr lang="es-MX" dirty="0">
+                <a:solidFill>
+                  <a:sysClr val="windowText" lastClr="000000"/>
+                </a:solidFill>
+              </a:endParaRPr>
+            </a:p>
+          </p:txBody>
+        </p:sp>
+        <p:sp>
+          <p:nvSpPr>
+            <p:cNvPr id="16" name="Oval 15">
+              <a:extLst>
+                <a:ext uri="{FF2B5EF4-FFF2-40B4-BE49-F238E27FC236}">
+                  <a16:creationId xmlns:a16="http://schemas.microsoft.com/office/drawing/2014/main" id="{2482FA3C-CE29-4628-AD12-565CF24C6801}"/>
+                </a:ext>
+              </a:extLst>
+            </p:cNvPr>
+            <p:cNvSpPr/>
+            <p:nvPr/>
+          </p:nvSpPr>
+          <p:spPr>
+            <a:xfrm>
+              <a:off x="8075710" y="3315134"/>
+              <a:ext cx="227732" cy="227732"/>
+            </a:xfrm>
+            <a:prstGeom prst="ellipse">
+              <a:avLst/>
+            </a:prstGeom>
+            <a:solidFill>
+              <a:schemeClr val="bg1"/>
+            </a:solidFill>
+            <a:ln>
+              <a:solidFill>
+                <a:schemeClr val="bg1"/>
+              </a:solidFill>
+            </a:ln>
+          </p:spPr>
+          <p:style>
+            <a:lnRef idx="2">
+              <a:schemeClr val="accent1">
+                <a:shade val="50000"/>
+              </a:schemeClr>
+            </a:lnRef>
+            <a:fillRef idx="1">
+              <a:schemeClr val="accent1"/>
+            </a:fillRef>
+            <a:effectRef idx="0">
+              <a:schemeClr val="accent1"/>
+            </a:effectRef>
+            <a:fontRef idx="minor">
+              <a:schemeClr val="lt1"/>
+            </a:fontRef>
+          </p:style>
+          <p:txBody>
+            <a:bodyPr rtlCol="0" anchor="ctr"/>
+            <a:lstStyle/>
+            <a:p>
+              <a:pPr algn="ctr"/>
+              <a:endParaRPr lang="es-MX" dirty="0">
+                <a:solidFill>
+                  <a:sysClr val="windowText" lastClr="000000"/>
+                </a:solidFill>
+              </a:endParaRPr>
+            </a:p>
+          </p:txBody>
+        </p:sp>
+        <p:sp>
+          <p:nvSpPr>
+            <p:cNvPr id="18" name="Oval 17">
+              <a:extLst>
+                <a:ext uri="{FF2B5EF4-FFF2-40B4-BE49-F238E27FC236}">
+                  <a16:creationId xmlns:a16="http://schemas.microsoft.com/office/drawing/2014/main" id="{EF3C037C-9E3A-4991-AE5F-94FE1E04D7BA}"/>
+                </a:ext>
+              </a:extLst>
+            </p:cNvPr>
+            <p:cNvSpPr/>
+            <p:nvPr/>
+          </p:nvSpPr>
+          <p:spPr>
+            <a:xfrm>
+              <a:off x="9454775" y="2368996"/>
+              <a:ext cx="227732" cy="227732"/>
+            </a:xfrm>
+            <a:prstGeom prst="ellipse">
+              <a:avLst/>
+            </a:prstGeom>
+            <a:solidFill>
+              <a:schemeClr val="bg1"/>
+            </a:solidFill>
+            <a:ln>
+              <a:solidFill>
+                <a:schemeClr val="bg1"/>
+              </a:solidFill>
+            </a:ln>
+          </p:spPr>
+          <p:style>
+            <a:lnRef idx="2">
+              <a:schemeClr val="accent1">
+                <a:shade val="50000"/>
+              </a:schemeClr>
+            </a:lnRef>
+            <a:fillRef idx="1">
+              <a:schemeClr val="accent1"/>
+            </a:fillRef>
+            <a:effectRef idx="0">
+              <a:schemeClr val="accent1"/>
+            </a:effectRef>
+            <a:fontRef idx="minor">
+              <a:schemeClr val="lt1"/>
+            </a:fontRef>
+          </p:style>
+          <p:txBody>
+            <a:bodyPr rtlCol="0" anchor="ctr"/>
+            <a:lstStyle/>
+            <a:p>
+              <a:pPr algn="ctr"/>
+              <a:endParaRPr lang="es-MX" dirty="0">
+                <a:solidFill>
+                  <a:sysClr val="windowText" lastClr="000000"/>
+                </a:solidFill>
+              </a:endParaRPr>
+            </a:p>
+          </p:txBody>
+        </p:sp>
+        <p:sp>
+          <p:nvSpPr>
+            <p:cNvPr id="20" name="Oval 19">
+              <a:extLst>
+                <a:ext uri="{FF2B5EF4-FFF2-40B4-BE49-F238E27FC236}">
+                  <a16:creationId xmlns:a16="http://schemas.microsoft.com/office/drawing/2014/main" id="{257CF7D6-15E1-485E-8622-296F73C71668}"/>
+                </a:ext>
+              </a:extLst>
+            </p:cNvPr>
+            <p:cNvSpPr/>
+            <p:nvPr/>
+          </p:nvSpPr>
+          <p:spPr>
+            <a:xfrm>
+              <a:off x="10458668" y="1166539"/>
+              <a:ext cx="227732" cy="227732"/>
+            </a:xfrm>
+            <a:prstGeom prst="ellipse">
+              <a:avLst/>
+            </a:prstGeom>
+            <a:solidFill>
+              <a:schemeClr val="bg1"/>
+            </a:solidFill>
+            <a:ln>
+              <a:solidFill>
+                <a:schemeClr val="bg1"/>
+              </a:solidFill>
+            </a:ln>
+          </p:spPr>
+          <p:style>
+            <a:lnRef idx="2">
+              <a:schemeClr val="accent1">
+                <a:shade val="50000"/>
+              </a:schemeClr>
+            </a:lnRef>
+            <a:fillRef idx="1">
+              <a:schemeClr val="accent1"/>
+            </a:fillRef>
+            <a:effectRef idx="0">
+              <a:schemeClr val="accent1"/>
+            </a:effectRef>
+            <a:fontRef idx="minor">
+              <a:schemeClr val="lt1"/>
+            </a:fontRef>
+          </p:style>
+          <p:txBody>
+            <a:bodyPr rtlCol="0" anchor="ctr"/>
+            <a:lstStyle/>
+            <a:p>
+              <a:pPr algn="ctr"/>
+              <a:endParaRPr lang="es-MX" dirty="0">
+                <a:solidFill>
+                  <a:sysClr val="windowText" lastClr="000000"/>
+                </a:solidFill>
+              </a:endParaRPr>
+            </a:p>
+          </p:txBody>
+        </p:sp>
+        <p:sp>
+          <p:nvSpPr>
+            <p:cNvPr id="43" name="Oval 42">
+              <a:extLst>
+                <a:ext uri="{FF2B5EF4-FFF2-40B4-BE49-F238E27FC236}">
+                  <a16:creationId xmlns:a16="http://schemas.microsoft.com/office/drawing/2014/main" id="{6FB06464-092D-47F0-B78C-2FFCE9746ECF}"/>
+                </a:ext>
+              </a:extLst>
+            </p:cNvPr>
+            <p:cNvSpPr/>
+            <p:nvPr/>
+          </p:nvSpPr>
+          <p:spPr>
+            <a:xfrm>
+              <a:off x="7019602" y="5100902"/>
+              <a:ext cx="227732" cy="227732"/>
+            </a:xfrm>
+            <a:prstGeom prst="ellipse">
+              <a:avLst/>
+            </a:prstGeom>
+            <a:solidFill>
+              <a:schemeClr val="bg1"/>
+            </a:solidFill>
+            <a:ln>
+              <a:solidFill>
+                <a:schemeClr val="bg1"/>
+              </a:solidFill>
+            </a:ln>
+          </p:spPr>
+          <p:style>
+            <a:lnRef idx="2">
+              <a:schemeClr val="accent1">
+                <a:shade val="50000"/>
+              </a:schemeClr>
+            </a:lnRef>
+            <a:fillRef idx="1">
+              <a:schemeClr val="accent1"/>
+            </a:fillRef>
+            <a:effectRef idx="0">
+              <a:schemeClr val="accent1"/>
+            </a:effectRef>
+            <a:fontRef idx="minor">
+              <a:schemeClr val="lt1"/>
+            </a:fontRef>
+          </p:style>
+          <p:txBody>
+            <a:bodyPr rtlCol="0" anchor="ctr"/>
+            <a:lstStyle/>
+            <a:p>
+              <a:pPr algn="ctr"/>
+              <a:endParaRPr lang="es-MX" dirty="0">
+                <a:solidFill>
+                  <a:sysClr val="windowText" lastClr="000000"/>
+                </a:solidFill>
+              </a:endParaRPr>
+            </a:p>
+          </p:txBody>
+        </p:sp>
+        <p:sp>
+          <p:nvSpPr>
+            <p:cNvPr id="44" name="Oval 43">
+              <a:extLst>
+                <a:ext uri="{FF2B5EF4-FFF2-40B4-BE49-F238E27FC236}">
+                  <a16:creationId xmlns:a16="http://schemas.microsoft.com/office/drawing/2014/main" id="{6469A702-B120-4E64-879C-4A19BAD0DD58}"/>
+                </a:ext>
+              </a:extLst>
+            </p:cNvPr>
+            <p:cNvSpPr/>
+            <p:nvPr/>
+          </p:nvSpPr>
+          <p:spPr>
+            <a:xfrm>
+              <a:off x="6449605" y="3984954"/>
+              <a:ext cx="227732" cy="227732"/>
+            </a:xfrm>
+            <a:prstGeom prst="ellipse">
+              <a:avLst/>
+            </a:prstGeom>
+            <a:solidFill>
+              <a:schemeClr val="bg1"/>
+            </a:solidFill>
+            <a:ln>
+              <a:solidFill>
+                <a:schemeClr val="bg1"/>
+              </a:solidFill>
+            </a:ln>
+          </p:spPr>
+          <p:style>
+            <a:lnRef idx="2">
+              <a:schemeClr val="accent1">
+                <a:shade val="50000"/>
+              </a:schemeClr>
+            </a:lnRef>
+            <a:fillRef idx="1">
+              <a:schemeClr val="accent1"/>
+            </a:fillRef>
+            <a:effectRef idx="0">
+              <a:schemeClr val="accent1"/>
+            </a:effectRef>
+            <a:fontRef idx="minor">
+              <a:schemeClr val="lt1"/>
+            </a:fontRef>
+          </p:style>
+          <p:txBody>
+            <a:bodyPr rtlCol="0" anchor="ctr"/>
+            <a:lstStyle/>
+            <a:p>
+              <a:pPr algn="ctr"/>
+              <a:endParaRPr lang="es-MX" dirty="0">
+                <a:solidFill>
+                  <a:sysClr val="windowText" lastClr="000000"/>
+                </a:solidFill>
+              </a:endParaRPr>
+            </a:p>
+          </p:txBody>
+        </p:sp>
+        <p:sp>
+          <p:nvSpPr>
+            <p:cNvPr id="45" name="Oval 44">
+              <a:extLst>
+                <a:ext uri="{FF2B5EF4-FFF2-40B4-BE49-F238E27FC236}">
+                  <a16:creationId xmlns:a16="http://schemas.microsoft.com/office/drawing/2014/main" id="{B08AAF40-4A51-475B-9B08-4CC33BCD93ED}"/>
+                </a:ext>
+              </a:extLst>
+            </p:cNvPr>
+            <p:cNvSpPr/>
+            <p:nvPr/>
+          </p:nvSpPr>
+          <p:spPr>
+            <a:xfrm>
+              <a:off x="7973184" y="5100902"/>
+              <a:ext cx="227732" cy="227732"/>
+            </a:xfrm>
+            <a:prstGeom prst="ellipse">
+              <a:avLst/>
+            </a:prstGeom>
+            <a:solidFill>
+              <a:schemeClr val="bg1"/>
+            </a:solidFill>
+            <a:ln>
+              <a:solidFill>
+                <a:schemeClr val="bg1"/>
+              </a:solidFill>
+            </a:ln>
+          </p:spPr>
+          <p:style>
+            <a:lnRef idx="2">
+              <a:schemeClr val="accent1">
+                <a:shade val="50000"/>
+              </a:schemeClr>
+            </a:lnRef>
+            <a:fillRef idx="1">
+              <a:schemeClr val="accent1"/>
+            </a:fillRef>
+            <a:effectRef idx="0">
+              <a:schemeClr val="accent1"/>
+            </a:effectRef>
+            <a:fontRef idx="minor">
+              <a:schemeClr val="lt1"/>
+            </a:fontRef>
+          </p:style>
+          <p:txBody>
+            <a:bodyPr rtlCol="0" anchor="ctr"/>
+            <a:lstStyle/>
+            <a:p>
+              <a:pPr algn="ctr"/>
+              <a:endParaRPr lang="es-MX" dirty="0">
+                <a:solidFill>
+                  <a:sysClr val="windowText" lastClr="000000"/>
+                </a:solidFill>
+              </a:endParaRPr>
+            </a:p>
+          </p:txBody>
+        </p:sp>
+        <p:sp>
+          <p:nvSpPr>
+            <p:cNvPr id="46" name="Oval 45">
+              <a:extLst>
+                <a:ext uri="{FF2B5EF4-FFF2-40B4-BE49-F238E27FC236}">
+                  <a16:creationId xmlns:a16="http://schemas.microsoft.com/office/drawing/2014/main" id="{CBA10ECD-9113-4F20-B24C-747A0E440F66}"/>
+                </a:ext>
+              </a:extLst>
+            </p:cNvPr>
+            <p:cNvSpPr/>
+            <p:nvPr/>
+          </p:nvSpPr>
+          <p:spPr>
+            <a:xfrm>
+              <a:off x="9340909" y="4508139"/>
+              <a:ext cx="227732" cy="227732"/>
+            </a:xfrm>
+            <a:prstGeom prst="ellipse">
+              <a:avLst/>
+            </a:prstGeom>
+            <a:solidFill>
+              <a:schemeClr val="bg1"/>
+            </a:solidFill>
+            <a:ln>
+              <a:solidFill>
+                <a:schemeClr val="bg1"/>
+              </a:solidFill>
+            </a:ln>
+          </p:spPr>
+          <p:style>
+            <a:lnRef idx="2">
+              <a:schemeClr val="accent1">
+                <a:shade val="50000"/>
+              </a:schemeClr>
+            </a:lnRef>
+            <a:fillRef idx="1">
+              <a:schemeClr val="accent1"/>
+            </a:fillRef>
+            <a:effectRef idx="0">
+              <a:schemeClr val="accent1"/>
+            </a:effectRef>
+            <a:fontRef idx="minor">
+              <a:schemeClr val="lt1"/>
+            </a:fontRef>
+          </p:style>
+          <p:txBody>
+            <a:bodyPr rtlCol="0" anchor="ctr"/>
+            <a:lstStyle/>
+            <a:p>
+              <a:pPr algn="ctr"/>
+              <a:endParaRPr lang="es-MX" dirty="0">
+                <a:solidFill>
+                  <a:sysClr val="windowText" lastClr="000000"/>
+                </a:solidFill>
+              </a:endParaRPr>
+            </a:p>
+          </p:txBody>
+        </p:sp>
+        <p:sp>
+          <p:nvSpPr>
+            <p:cNvPr id="47" name="Oval 46">
+              <a:extLst>
+                <a:ext uri="{FF2B5EF4-FFF2-40B4-BE49-F238E27FC236}">
+                  <a16:creationId xmlns:a16="http://schemas.microsoft.com/office/drawing/2014/main" id="{5F6C5E9B-E865-4438-A0B6-3083BC48EAFB}"/>
+                </a:ext>
+              </a:extLst>
+            </p:cNvPr>
+            <p:cNvSpPr/>
+            <p:nvPr/>
+          </p:nvSpPr>
+          <p:spPr>
+            <a:xfrm>
+              <a:off x="10344802" y="3471529"/>
+              <a:ext cx="227732" cy="227732"/>
+            </a:xfrm>
+            <a:prstGeom prst="ellipse">
+              <a:avLst/>
+            </a:prstGeom>
+            <a:solidFill>
+              <a:schemeClr val="bg1"/>
+            </a:solidFill>
+            <a:ln>
+              <a:solidFill>
+                <a:schemeClr val="bg1"/>
+              </a:solidFill>
+            </a:ln>
+          </p:spPr>
+          <p:style>
+            <a:lnRef idx="2">
+              <a:schemeClr val="accent1">
+                <a:shade val="50000"/>
+              </a:schemeClr>
+            </a:lnRef>
+            <a:fillRef idx="1">
+              <a:schemeClr val="accent1"/>
+            </a:fillRef>
+            <a:effectRef idx="0">
+              <a:schemeClr val="accent1"/>
+            </a:effectRef>
+            <a:fontRef idx="minor">
+              <a:schemeClr val="lt1"/>
+            </a:fontRef>
+          </p:style>
+          <p:txBody>
+            <a:bodyPr rtlCol="0" anchor="ctr"/>
+            <a:lstStyle/>
+            <a:p>
+              <a:pPr algn="ctr"/>
+              <a:endParaRPr lang="es-MX" dirty="0">
+                <a:solidFill>
+                  <a:sysClr val="windowText" lastClr="000000"/>
+                </a:solidFill>
+              </a:endParaRPr>
+            </a:p>
+          </p:txBody>
+        </p:sp>
+      </p:grpSp>
+    </p:spTree>
+    <p:extLst>
+      <p:ext uri="{BB962C8B-B14F-4D97-AF65-F5344CB8AC3E}">
+        <p14:creationId xmlns:p14="http://schemas.microsoft.com/office/powerpoint/2010/main" val="2077829827"/>
+      </p:ext>
+    </p:extLst>
+  </p:cSld>
+  <p:clrMapOvr>
+    <a:masterClrMapping/>
+  </p:clrMapOvr>
+</p:sld>
+</file>
+
+<file path=ppt/slides/slide9.xml><?xml version="1.0" encoding="utf-8"?>
+<p:sld xmlns:a="http://schemas.openxmlformats.org/drawingml/2006/main" xmlns:r="http://schemas.openxmlformats.org/officeDocument/2006/relationships" xmlns:p="http://schemas.openxmlformats.org/presentationml/2006/main">
+  <p:cSld>
+    <p:bg>
+      <p:bgPr>
+        <a:solidFill>
+          <a:schemeClr val="tx1"/>
+        </a:solidFill>
+        <a:effectLst/>
+      </p:bgPr>
+    </p:bg>
+    <p:spTree>
+      <p:nvGrpSpPr>
+        <p:cNvPr id="1" name=""/>
+        <p:cNvGrpSpPr/>
+        <p:nvPr/>
+      </p:nvGrpSpPr>
+      <p:grpSpPr>
+        <a:xfrm>
+          <a:off x="0" y="0"/>
+          <a:ext cx="0" cy="0"/>
+          <a:chOff x="0" y="0"/>
+          <a:chExt cx="0" cy="0"/>
+        </a:xfrm>
+      </p:grpSpPr>
+      <p:sp>
+        <p:nvSpPr>
+          <p:cNvPr id="5" name="Rectangle: Rounded Corners 4">
+            <a:extLst>
+              <a:ext uri="{FF2B5EF4-FFF2-40B4-BE49-F238E27FC236}">
+                <a16:creationId xmlns:a16="http://schemas.microsoft.com/office/drawing/2014/main" id="{0FC681C2-F285-4A45-A560-9BC6B526B759}"/>
+              </a:ext>
+            </a:extLst>
+          </p:cNvPr>
+          <p:cNvSpPr/>
+          <p:nvPr/>
+        </p:nvSpPr>
+        <p:spPr>
+          <a:xfrm>
+            <a:off x="8995183" y="185884"/>
+            <a:ext cx="2854738" cy="461394"/>
+          </a:xfrm>
+          <a:prstGeom prst="roundRect">
+            <a:avLst>
+              <a:gd name="adj" fmla="val 50000"/>
+            </a:avLst>
+          </a:prstGeom>
+          <a:solidFill>
+            <a:srgbClr val="000000">
+              <a:alpha val="47843"/>
+            </a:srgbClr>
+          </a:solidFill>
+          <a:ln>
+            <a:noFill/>
+          </a:ln>
+        </p:spPr>
+        <p:style>
+          <a:lnRef idx="2">
+            <a:schemeClr val="accent1">
+              <a:shade val="50000"/>
+            </a:schemeClr>
+          </a:lnRef>
+          <a:fillRef idx="1">
+            <a:schemeClr val="accent1"/>
+          </a:fillRef>
+          <a:effectRef idx="0">
+            <a:schemeClr val="accent1"/>
+          </a:effectRef>
+          <a:fontRef idx="minor">
+            <a:schemeClr val="lt1"/>
+          </a:fontRef>
+        </p:style>
+        <p:txBody>
+          <a:bodyPr rtlCol="0" anchor="ctr"/>
+          <a:lstStyle/>
+          <a:p>
+            <a:pPr algn="ctr"/>
+            <a:r>
+              <a:rPr lang="es-MX" dirty="0">
+                <a:latin typeface="Consolas" panose="020B0609020204030204" pitchFamily="49" charset="0"/>
+                <a:cs typeface="Courier New" panose="02070309020205020404" pitchFamily="49" charset="0"/>
+              </a:rPr>
+              <a:t>Level4</a:t>
+            </a:r>
+          </a:p>
+        </p:txBody>
+      </p:sp>
+      <p:pic>
+        <p:nvPicPr>
+          <p:cNvPr id="9" name="Picture 8" descr="A picture containing drawing&#10;&#10;Description automatically generated">
+            <a:extLst>
+              <a:ext uri="{FF2B5EF4-FFF2-40B4-BE49-F238E27FC236}">
+                <a16:creationId xmlns:a16="http://schemas.microsoft.com/office/drawing/2014/main" id="{8A52CF7B-0A78-4E06-89CC-1B2C7399ED55}"/>
+              </a:ext>
+            </a:extLst>
+          </p:cNvPr>
+          <p:cNvPicPr>
+            <a:picLocks noChangeAspect="1"/>
+          </p:cNvPicPr>
+          <p:nvPr/>
+        </p:nvPicPr>
+        <p:blipFill>
+          <a:blip r:embed="rId2">
+            <a:extLst>
+              <a:ext uri="{28A0092B-C50C-407E-A947-70E740481C1C}">
+                <a14:useLocalDpi xmlns:a14="http://schemas.microsoft.com/office/drawing/2010/main" val="0"/>
+              </a:ext>
+            </a:extLst>
+          </a:blip>
+          <a:stretch>
+            <a:fillRect/>
+          </a:stretch>
+        </p:blipFill>
+        <p:spPr>
+          <a:xfrm>
+            <a:off x="639055" y="1845578"/>
+            <a:ext cx="3249505" cy="3707366"/>
+          </a:xfrm>
+          <a:prstGeom prst="rect">
+            <a:avLst/>
+          </a:prstGeom>
+        </p:spPr>
+      </p:pic>
+      <p:pic>
+        <p:nvPicPr>
+          <p:cNvPr id="11" name="Picture 10" descr="A picture containing drawing&#10;&#10;Description automatically generated">
+            <a:extLst>
+              <a:ext uri="{FF2B5EF4-FFF2-40B4-BE49-F238E27FC236}">
+                <a16:creationId xmlns:a16="http://schemas.microsoft.com/office/drawing/2014/main" id="{64959D38-761E-468C-BE9F-3F093F926245}"/>
+              </a:ext>
+            </a:extLst>
+          </p:cNvPr>
+          <p:cNvPicPr>
+            <a:picLocks noChangeAspect="1"/>
+          </p:cNvPicPr>
+          <p:nvPr/>
+        </p:nvPicPr>
+        <p:blipFill>
+          <a:blip r:embed="rId3">
+            <a:extLst>
+              <a:ext uri="{28A0092B-C50C-407E-A947-70E740481C1C}">
+                <a14:useLocalDpi xmlns:a14="http://schemas.microsoft.com/office/drawing/2010/main" val="0"/>
+              </a:ext>
+            </a:extLst>
+          </a:blip>
+          <a:stretch>
+            <a:fillRect/>
+          </a:stretch>
+        </p:blipFill>
+        <p:spPr>
+          <a:xfrm>
+            <a:off x="976363" y="2824022"/>
+            <a:ext cx="649028" cy="649028"/>
+          </a:xfrm>
+          <a:prstGeom prst="rect">
+            <a:avLst/>
+          </a:prstGeom>
+        </p:spPr>
+      </p:pic>
+      <p:pic>
+        <p:nvPicPr>
+          <p:cNvPr id="13" name="Picture 12" descr="A picture containing drawing&#10;&#10;Description automatically generated">
+            <a:extLst>
+              <a:ext uri="{FF2B5EF4-FFF2-40B4-BE49-F238E27FC236}">
+                <a16:creationId xmlns:a16="http://schemas.microsoft.com/office/drawing/2014/main" id="{553F88BB-B3E9-41F6-B51A-18A4EA6FBC81}"/>
+              </a:ext>
+            </a:extLst>
+          </p:cNvPr>
+          <p:cNvPicPr>
+            <a:picLocks noChangeAspect="1"/>
+          </p:cNvPicPr>
+          <p:nvPr/>
+        </p:nvPicPr>
+        <p:blipFill>
+          <a:blip r:embed="rId4">
+            <a:extLst>
+              <a:ext uri="{28A0092B-C50C-407E-A947-70E740481C1C}">
+                <a14:useLocalDpi xmlns:a14="http://schemas.microsoft.com/office/drawing/2010/main" val="0"/>
+              </a:ext>
+            </a:extLst>
+          </a:blip>
+          <a:stretch>
+            <a:fillRect/>
+          </a:stretch>
+        </p:blipFill>
+        <p:spPr>
+          <a:xfrm>
+            <a:off x="1953573" y="2824022"/>
+            <a:ext cx="649028" cy="649028"/>
+          </a:xfrm>
+          <a:prstGeom prst="rect">
+            <a:avLst/>
+          </a:prstGeom>
+        </p:spPr>
+      </p:pic>
+      <p:pic>
+        <p:nvPicPr>
+          <p:cNvPr id="15" name="Picture 14" descr="A picture containing drawing, light&#10;&#10;Description automatically generated">
+            <a:extLst>
+              <a:ext uri="{FF2B5EF4-FFF2-40B4-BE49-F238E27FC236}">
+                <a16:creationId xmlns:a16="http://schemas.microsoft.com/office/drawing/2014/main" id="{23EF0E69-5071-4578-AB80-000A88FF1C39}"/>
+              </a:ext>
+            </a:extLst>
+          </p:cNvPr>
+          <p:cNvPicPr>
+            <a:picLocks noChangeAspect="1"/>
+          </p:cNvPicPr>
+          <p:nvPr/>
+        </p:nvPicPr>
+        <p:blipFill>
+          <a:blip r:embed="rId5">
+            <a:extLst>
+              <a:ext uri="{28A0092B-C50C-407E-A947-70E740481C1C}">
+                <a14:useLocalDpi xmlns:a14="http://schemas.microsoft.com/office/drawing/2010/main" val="0"/>
+              </a:ext>
+            </a:extLst>
+          </a:blip>
+          <a:stretch>
+            <a:fillRect/>
+          </a:stretch>
+        </p:blipFill>
+        <p:spPr>
+          <a:xfrm>
+            <a:off x="2930782" y="2812669"/>
+            <a:ext cx="649028" cy="649028"/>
+          </a:xfrm>
+          <a:prstGeom prst="rect">
+            <a:avLst/>
+          </a:prstGeom>
+        </p:spPr>
+      </p:pic>
+      <p:pic>
+        <p:nvPicPr>
+          <p:cNvPr id="17" name="Picture 16" descr="A picture containing drawing&#10;&#10;Description automatically generated">
+            <a:extLst>
+              <a:ext uri="{FF2B5EF4-FFF2-40B4-BE49-F238E27FC236}">
+                <a16:creationId xmlns:a16="http://schemas.microsoft.com/office/drawing/2014/main" id="{3E927AAD-BB88-4654-A9C8-7B321C039A63}"/>
+              </a:ext>
+            </a:extLst>
+          </p:cNvPr>
+          <p:cNvPicPr>
+            <a:picLocks noChangeAspect="1"/>
+          </p:cNvPicPr>
+          <p:nvPr/>
+        </p:nvPicPr>
+        <p:blipFill>
+          <a:blip r:embed="rId6">
+            <a:extLst>
+              <a:ext uri="{28A0092B-C50C-407E-A947-70E740481C1C}">
+                <a14:useLocalDpi xmlns:a14="http://schemas.microsoft.com/office/drawing/2010/main" val="0"/>
+              </a:ext>
+            </a:extLst>
+          </a:blip>
+          <a:stretch>
+            <a:fillRect/>
+          </a:stretch>
+        </p:blipFill>
+        <p:spPr>
+          <a:xfrm>
+            <a:off x="1304545" y="3748591"/>
+            <a:ext cx="649028" cy="649028"/>
+          </a:xfrm>
+          <a:prstGeom prst="rect">
+            <a:avLst/>
+          </a:prstGeom>
+        </p:spPr>
+      </p:pic>
+      <p:pic>
+        <p:nvPicPr>
+          <p:cNvPr id="19" name="Picture 18" descr="A picture containing drawing&#10;&#10;Description automatically generated">
+            <a:extLst>
+              <a:ext uri="{FF2B5EF4-FFF2-40B4-BE49-F238E27FC236}">
+                <a16:creationId xmlns:a16="http://schemas.microsoft.com/office/drawing/2014/main" id="{1B9A1E90-79C0-4EF4-82E1-73939AF20932}"/>
+              </a:ext>
+            </a:extLst>
+          </p:cNvPr>
+          <p:cNvPicPr>
+            <a:picLocks noChangeAspect="1"/>
+          </p:cNvPicPr>
+          <p:nvPr/>
+        </p:nvPicPr>
+        <p:blipFill>
+          <a:blip r:embed="rId7">
+            <a:extLst>
+              <a:ext uri="{28A0092B-C50C-407E-A947-70E740481C1C}">
+                <a14:useLocalDpi xmlns:a14="http://schemas.microsoft.com/office/drawing/2010/main" val="0"/>
+              </a:ext>
+            </a:extLst>
+          </a:blip>
+          <a:stretch>
+            <a:fillRect/>
+          </a:stretch>
+        </p:blipFill>
+        <p:spPr>
+          <a:xfrm>
+            <a:off x="2512790" y="3748591"/>
+            <a:ext cx="649028" cy="649028"/>
+          </a:xfrm>
+          <a:prstGeom prst="rect">
+            <a:avLst/>
+          </a:prstGeom>
+        </p:spPr>
+      </p:pic>
+      <p:pic>
+        <p:nvPicPr>
+          <p:cNvPr id="3" name="Picture 2" descr="A picture containing drawing&#10;&#10;Description automatically generated">
+            <a:extLst>
+              <a:ext uri="{FF2B5EF4-FFF2-40B4-BE49-F238E27FC236}">
+                <a16:creationId xmlns:a16="http://schemas.microsoft.com/office/drawing/2014/main" id="{24211293-5E3D-410C-938A-9475250031A2}"/>
+              </a:ext>
+            </a:extLst>
+          </p:cNvPr>
+          <p:cNvPicPr>
+            <a:picLocks noChangeAspect="1"/>
+          </p:cNvPicPr>
+          <p:nvPr/>
+        </p:nvPicPr>
+        <p:blipFill>
+          <a:blip r:embed="rId8">
+            <a:extLst>
+              <a:ext uri="{28A0092B-C50C-407E-A947-70E740481C1C}">
+                <a14:useLocalDpi xmlns:a14="http://schemas.microsoft.com/office/drawing/2010/main" val="0"/>
+              </a:ext>
+            </a:extLst>
+          </a:blip>
+          <a:stretch>
+            <a:fillRect/>
+          </a:stretch>
+        </p:blipFill>
+        <p:spPr>
+          <a:xfrm>
+            <a:off x="1932097" y="4473020"/>
+            <a:ext cx="658842" cy="658842"/>
+          </a:xfrm>
+          <a:prstGeom prst="rect">
+            <a:avLst/>
+          </a:prstGeom>
+        </p:spPr>
+      </p:pic>
+      <p:pic>
+        <p:nvPicPr>
+          <p:cNvPr id="22" name="Picture 21" descr="A picture containing drawing&#10;&#10;Description automatically generated">
+            <a:extLst>
+              <a:ext uri="{FF2B5EF4-FFF2-40B4-BE49-F238E27FC236}">
+                <a16:creationId xmlns:a16="http://schemas.microsoft.com/office/drawing/2014/main" id="{B6AA59DF-6FA5-4E0B-BAA6-73C9B3BC78CE}"/>
+              </a:ext>
+            </a:extLst>
+          </p:cNvPr>
+          <p:cNvPicPr>
+            <a:picLocks noChangeAspect="1"/>
+          </p:cNvPicPr>
+          <p:nvPr/>
+        </p:nvPicPr>
+        <p:blipFill>
+          <a:blip r:embed="rId3">
+            <a:extLst>
+              <a:ext uri="{28A0092B-C50C-407E-A947-70E740481C1C}">
+                <a14:useLocalDpi xmlns:a14="http://schemas.microsoft.com/office/drawing/2010/main" val="0"/>
+              </a:ext>
+            </a:extLst>
+          </a:blip>
+          <a:stretch>
+            <a:fillRect/>
+          </a:stretch>
+        </p:blipFill>
+        <p:spPr>
+          <a:xfrm>
+            <a:off x="4224943" y="2965404"/>
+            <a:ext cx="649028" cy="649028"/>
+          </a:xfrm>
+          <a:prstGeom prst="rect">
+            <a:avLst/>
+          </a:prstGeom>
+        </p:spPr>
+      </p:pic>
+      <p:pic>
+        <p:nvPicPr>
+          <p:cNvPr id="24" name="Picture 23" descr="A picture containing drawing&#10;&#10;Description automatically generated">
+            <a:extLst>
+              <a:ext uri="{FF2B5EF4-FFF2-40B4-BE49-F238E27FC236}">
+                <a16:creationId xmlns:a16="http://schemas.microsoft.com/office/drawing/2014/main" id="{A38FD131-AA8F-47BE-899D-7FC3DBB72966}"/>
+              </a:ext>
+            </a:extLst>
+          </p:cNvPr>
+          <p:cNvPicPr>
+            <a:picLocks noChangeAspect="1"/>
+          </p:cNvPicPr>
+          <p:nvPr/>
+        </p:nvPicPr>
+        <p:blipFill>
+          <a:blip r:embed="rId3">
+            <a:extLst>
+              <a:ext uri="{28A0092B-C50C-407E-A947-70E740481C1C}">
+                <a14:useLocalDpi xmlns:a14="http://schemas.microsoft.com/office/drawing/2010/main" val="0"/>
+              </a:ext>
+            </a:extLst>
+          </a:blip>
+          <a:stretch>
+            <a:fillRect/>
+          </a:stretch>
+        </p:blipFill>
+        <p:spPr>
+          <a:xfrm>
+            <a:off x="5035375" y="2681263"/>
+            <a:ext cx="649028" cy="649028"/>
+          </a:xfrm>
+          <a:prstGeom prst="rect">
+            <a:avLst/>
+          </a:prstGeom>
+        </p:spPr>
+      </p:pic>
+      <p:pic>
+        <p:nvPicPr>
+          <p:cNvPr id="26" name="Picture 25" descr="A picture containing drawing&#10;&#10;Description automatically generated">
+            <a:extLst>
+              <a:ext uri="{FF2B5EF4-FFF2-40B4-BE49-F238E27FC236}">
+                <a16:creationId xmlns:a16="http://schemas.microsoft.com/office/drawing/2014/main" id="{F9360C11-FFF6-4374-A9F3-93CCA93B5ADC}"/>
+              </a:ext>
+            </a:extLst>
+          </p:cNvPr>
+          <p:cNvPicPr>
+            <a:picLocks noChangeAspect="1"/>
+          </p:cNvPicPr>
+          <p:nvPr/>
+        </p:nvPicPr>
+        <p:blipFill>
+          <a:blip r:embed="rId7">
+            <a:extLst>
+              <a:ext uri="{28A0092B-C50C-407E-A947-70E740481C1C}">
+                <a14:useLocalDpi xmlns:a14="http://schemas.microsoft.com/office/drawing/2010/main" val="0"/>
+              </a:ext>
+            </a:extLst>
+          </a:blip>
+          <a:stretch>
+            <a:fillRect/>
+          </a:stretch>
+        </p:blipFill>
+        <p:spPr>
+          <a:xfrm>
+            <a:off x="5900134" y="1640371"/>
+            <a:ext cx="649028" cy="649028"/>
+          </a:xfrm>
+          <a:prstGeom prst="rect">
+            <a:avLst/>
+          </a:prstGeom>
+        </p:spPr>
+      </p:pic>
+      <p:pic>
+        <p:nvPicPr>
+          <p:cNvPr id="28" name="Picture 27" descr="A picture containing drawing&#10;&#10;Description automatically generated">
+            <a:extLst>
+              <a:ext uri="{FF2B5EF4-FFF2-40B4-BE49-F238E27FC236}">
+                <a16:creationId xmlns:a16="http://schemas.microsoft.com/office/drawing/2014/main" id="{E41D9960-3EF5-47FD-91A6-680D2D06BFBA}"/>
+              </a:ext>
+            </a:extLst>
+          </p:cNvPr>
+          <p:cNvPicPr>
+            <a:picLocks noChangeAspect="1"/>
+          </p:cNvPicPr>
+          <p:nvPr/>
+        </p:nvPicPr>
+        <p:blipFill>
+          <a:blip r:embed="rId7">
+            <a:extLst>
+              <a:ext uri="{28A0092B-C50C-407E-A947-70E740481C1C}">
+                <a14:useLocalDpi xmlns:a14="http://schemas.microsoft.com/office/drawing/2010/main" val="0"/>
+              </a:ext>
+            </a:extLst>
+          </a:blip>
+          <a:stretch>
+            <a:fillRect/>
+          </a:stretch>
+        </p:blipFill>
+        <p:spPr>
+          <a:xfrm>
+            <a:off x="7235228" y="1712297"/>
+            <a:ext cx="649028" cy="649028"/>
+          </a:xfrm>
+          <a:prstGeom prst="rect">
+            <a:avLst/>
+          </a:prstGeom>
+        </p:spPr>
+      </p:pic>
+      <p:pic>
+        <p:nvPicPr>
+          <p:cNvPr id="31" name="Picture 30" descr="A picture containing drawing&#10;&#10;Description automatically generated">
+            <a:extLst>
+              <a:ext uri="{FF2B5EF4-FFF2-40B4-BE49-F238E27FC236}">
+                <a16:creationId xmlns:a16="http://schemas.microsoft.com/office/drawing/2014/main" id="{228243B5-89E4-40DA-B29D-ACB63040EDC9}"/>
+              </a:ext>
+            </a:extLst>
+          </p:cNvPr>
+          <p:cNvPicPr>
+            <a:picLocks noChangeAspect="1"/>
+          </p:cNvPicPr>
+          <p:nvPr/>
+        </p:nvPicPr>
+        <p:blipFill>
+          <a:blip r:embed="rId8">
+            <a:extLst>
+              <a:ext uri="{28A0092B-C50C-407E-A947-70E740481C1C}">
+                <a14:useLocalDpi xmlns:a14="http://schemas.microsoft.com/office/drawing/2010/main" val="0"/>
+              </a:ext>
+            </a:extLst>
+          </a:blip>
+          <a:stretch>
+            <a:fillRect/>
+          </a:stretch>
+        </p:blipFill>
+        <p:spPr>
+          <a:xfrm>
+            <a:off x="7167786" y="2958353"/>
+            <a:ext cx="658842" cy="658842"/>
+          </a:xfrm>
+          <a:prstGeom prst="rect">
+            <a:avLst/>
+          </a:prstGeom>
+        </p:spPr>
+      </p:pic>
+      <p:pic>
+        <p:nvPicPr>
+          <p:cNvPr id="32" name="Picture 31" descr="A picture containing drawing&#10;&#10;Description automatically generated">
+            <a:extLst>
+              <a:ext uri="{FF2B5EF4-FFF2-40B4-BE49-F238E27FC236}">
+                <a16:creationId xmlns:a16="http://schemas.microsoft.com/office/drawing/2014/main" id="{83A84E1F-A3A1-442D-B8AF-7AC360551D38}"/>
+              </a:ext>
+            </a:extLst>
+          </p:cNvPr>
+          <p:cNvPicPr>
+            <a:picLocks noChangeAspect="1"/>
+          </p:cNvPicPr>
+          <p:nvPr/>
+        </p:nvPicPr>
+        <p:blipFill>
+          <a:blip r:embed="rId8">
+            <a:extLst>
+              <a:ext uri="{28A0092B-C50C-407E-A947-70E740481C1C}">
+                <a14:useLocalDpi xmlns:a14="http://schemas.microsoft.com/office/drawing/2010/main" val="0"/>
+              </a:ext>
+            </a:extLst>
+          </a:blip>
+          <a:stretch>
+            <a:fillRect/>
+          </a:stretch>
+        </p:blipFill>
+        <p:spPr>
+          <a:xfrm>
+            <a:off x="7989764" y="3440254"/>
+            <a:ext cx="658842" cy="658842"/>
+          </a:xfrm>
+          <a:prstGeom prst="rect">
+            <a:avLst/>
+          </a:prstGeom>
+        </p:spPr>
+      </p:pic>
+      <p:pic>
+        <p:nvPicPr>
+          <p:cNvPr id="33" name="Picture 32" descr="A picture containing drawing&#10;&#10;Description automatically generated">
+            <a:extLst>
+              <a:ext uri="{FF2B5EF4-FFF2-40B4-BE49-F238E27FC236}">
+                <a16:creationId xmlns:a16="http://schemas.microsoft.com/office/drawing/2014/main" id="{60340ED0-C18F-4853-91B5-60256B997B34}"/>
+              </a:ext>
+            </a:extLst>
+          </p:cNvPr>
+          <p:cNvPicPr>
+            <a:picLocks noChangeAspect="1"/>
+          </p:cNvPicPr>
+          <p:nvPr/>
+        </p:nvPicPr>
+        <p:blipFill>
+          <a:blip r:embed="rId7">
+            <a:extLst>
+              <a:ext uri="{28A0092B-C50C-407E-A947-70E740481C1C}">
+                <a14:useLocalDpi xmlns:a14="http://schemas.microsoft.com/office/drawing/2010/main" val="0"/>
+              </a:ext>
+            </a:extLst>
+          </a:blip>
+          <a:stretch>
+            <a:fillRect/>
+          </a:stretch>
+        </p:blipFill>
+        <p:spPr>
+          <a:xfrm>
+            <a:off x="9652980" y="3330291"/>
+            <a:ext cx="649028" cy="649028"/>
+          </a:xfrm>
+          <a:prstGeom prst="rect">
+            <a:avLst/>
+          </a:prstGeom>
+        </p:spPr>
+      </p:pic>
+      <p:pic>
+        <p:nvPicPr>
+          <p:cNvPr id="34" name="Picture 33" descr="A picture containing drawing&#10;&#10;Description automatically generated">
+            <a:extLst>
+              <a:ext uri="{FF2B5EF4-FFF2-40B4-BE49-F238E27FC236}">
+                <a16:creationId xmlns:a16="http://schemas.microsoft.com/office/drawing/2014/main" id="{315DEDC8-9B3F-4059-9758-BE535FFD1E20}"/>
+              </a:ext>
+            </a:extLst>
+          </p:cNvPr>
+          <p:cNvPicPr>
+            <a:picLocks noChangeAspect="1"/>
+          </p:cNvPicPr>
+          <p:nvPr/>
+        </p:nvPicPr>
+        <p:blipFill>
+          <a:blip r:embed="rId6">
+            <a:extLst>
+              <a:ext uri="{28A0092B-C50C-407E-A947-70E740481C1C}">
+                <a14:useLocalDpi xmlns:a14="http://schemas.microsoft.com/office/drawing/2010/main" val="0"/>
+              </a:ext>
+            </a:extLst>
+          </a:blip>
+          <a:stretch>
+            <a:fillRect/>
+          </a:stretch>
+        </p:blipFill>
+        <p:spPr>
+          <a:xfrm>
+            <a:off x="11127299" y="2807431"/>
+            <a:ext cx="649028" cy="649028"/>
+          </a:xfrm>
+          <a:prstGeom prst="rect">
+            <a:avLst/>
+          </a:prstGeom>
+        </p:spPr>
+      </p:pic>
+      <p:pic>
+        <p:nvPicPr>
+          <p:cNvPr id="35" name="Picture 34" descr="A picture containing drawing&#10;&#10;Description automatically generated">
+            <a:extLst>
+              <a:ext uri="{FF2B5EF4-FFF2-40B4-BE49-F238E27FC236}">
+                <a16:creationId xmlns:a16="http://schemas.microsoft.com/office/drawing/2014/main" id="{74263AC3-4AFA-4184-AB2A-69E100F63AC6}"/>
+              </a:ext>
+            </a:extLst>
+          </p:cNvPr>
+          <p:cNvPicPr>
+            <a:picLocks noChangeAspect="1"/>
+          </p:cNvPicPr>
+          <p:nvPr/>
+        </p:nvPicPr>
+        <p:blipFill>
+          <a:blip r:embed="rId6">
+            <a:extLst>
+              <a:ext uri="{28A0092B-C50C-407E-A947-70E740481C1C}">
+                <a14:useLocalDpi xmlns:a14="http://schemas.microsoft.com/office/drawing/2010/main" val="0"/>
+              </a:ext>
+            </a:extLst>
+          </a:blip>
+          <a:stretch>
+            <a:fillRect/>
+          </a:stretch>
+        </p:blipFill>
+        <p:spPr>
+          <a:xfrm>
+            <a:off x="9862819" y="4728747"/>
+            <a:ext cx="649028" cy="649028"/>
+          </a:xfrm>
+          <a:prstGeom prst="rect">
+            <a:avLst/>
+          </a:prstGeom>
+        </p:spPr>
+      </p:pic>
+      <p:pic>
+        <p:nvPicPr>
+          <p:cNvPr id="36" name="Picture 35" descr="A picture containing drawing, light&#10;&#10;Description automatically generated">
+            <a:extLst>
+              <a:ext uri="{FF2B5EF4-FFF2-40B4-BE49-F238E27FC236}">
+                <a16:creationId xmlns:a16="http://schemas.microsoft.com/office/drawing/2014/main" id="{0B9C6FCC-6513-4B78-86B9-AAFC7F9A6474}"/>
+              </a:ext>
+            </a:extLst>
+          </p:cNvPr>
+          <p:cNvPicPr>
+            <a:picLocks noChangeAspect="1"/>
+          </p:cNvPicPr>
+          <p:nvPr/>
+        </p:nvPicPr>
+        <p:blipFill>
+          <a:blip r:embed="rId5">
+            <a:extLst>
+              <a:ext uri="{28A0092B-C50C-407E-A947-70E740481C1C}">
+                <a14:useLocalDpi xmlns:a14="http://schemas.microsoft.com/office/drawing/2010/main" val="0"/>
+              </a:ext>
+            </a:extLst>
+          </a:blip>
+          <a:stretch>
+            <a:fillRect/>
+          </a:stretch>
+        </p:blipFill>
+        <p:spPr>
+          <a:xfrm>
+            <a:off x="8472415" y="5114930"/>
+            <a:ext cx="649028" cy="649028"/>
+          </a:xfrm>
+          <a:prstGeom prst="rect">
+            <a:avLst/>
+          </a:prstGeom>
+        </p:spPr>
+      </p:pic>
+      <p:pic>
+        <p:nvPicPr>
+          <p:cNvPr id="37" name="Picture 36" descr="A picture containing drawing, light&#10;&#10;Description automatically generated">
+            <a:extLst>
+              <a:ext uri="{FF2B5EF4-FFF2-40B4-BE49-F238E27FC236}">
+                <a16:creationId xmlns:a16="http://schemas.microsoft.com/office/drawing/2014/main" id="{1CD44EE8-E141-4F96-AD9A-537A57BFE9B0}"/>
+              </a:ext>
+            </a:extLst>
+          </p:cNvPr>
+          <p:cNvPicPr>
+            <a:picLocks noChangeAspect="1"/>
+          </p:cNvPicPr>
+          <p:nvPr/>
+        </p:nvPicPr>
+        <p:blipFill>
+          <a:blip r:embed="rId5">
+            <a:extLst>
+              <a:ext uri="{28A0092B-C50C-407E-A947-70E740481C1C}">
+                <a14:useLocalDpi xmlns:a14="http://schemas.microsoft.com/office/drawing/2010/main" val="0"/>
+              </a:ext>
+            </a:extLst>
+          </a:blip>
+          <a:stretch>
+            <a:fillRect/>
+          </a:stretch>
+        </p:blipFill>
+        <p:spPr>
+          <a:xfrm>
+            <a:off x="7006408" y="4946245"/>
+            <a:ext cx="649028" cy="649028"/>
+          </a:xfrm>
+          <a:prstGeom prst="rect">
+            <a:avLst/>
+          </a:prstGeom>
+        </p:spPr>
+      </p:pic>
+      <p:pic>
+        <p:nvPicPr>
+          <p:cNvPr id="38" name="Picture 37" descr="A picture containing drawing&#10;&#10;Description automatically generated">
+            <a:extLst>
+              <a:ext uri="{FF2B5EF4-FFF2-40B4-BE49-F238E27FC236}">
+                <a16:creationId xmlns:a16="http://schemas.microsoft.com/office/drawing/2014/main" id="{0C2736DA-AB69-465A-B2F4-3C3D576F4982}"/>
+              </a:ext>
+            </a:extLst>
+          </p:cNvPr>
+          <p:cNvPicPr>
+            <a:picLocks noChangeAspect="1"/>
+          </p:cNvPicPr>
+          <p:nvPr/>
+        </p:nvPicPr>
+        <p:blipFill>
+          <a:blip r:embed="rId4">
+            <a:extLst>
+              <a:ext uri="{28A0092B-C50C-407E-A947-70E740481C1C}">
+                <a14:useLocalDpi xmlns:a14="http://schemas.microsoft.com/office/drawing/2010/main" val="0"/>
+              </a:ext>
+            </a:extLst>
+          </a:blip>
+          <a:stretch>
+            <a:fillRect/>
+          </a:stretch>
+        </p:blipFill>
+        <p:spPr>
+          <a:xfrm>
+            <a:off x="6170252" y="4453841"/>
+            <a:ext cx="649028" cy="649028"/>
+          </a:xfrm>
+          <a:prstGeom prst="rect">
+            <a:avLst/>
+          </a:prstGeom>
+        </p:spPr>
+      </p:pic>
+      <p:pic>
+        <p:nvPicPr>
+          <p:cNvPr id="40" name="Picture 39" descr="A picture containing drawing&#10;&#10;Description automatically generated">
+            <a:extLst>
+              <a:ext uri="{FF2B5EF4-FFF2-40B4-BE49-F238E27FC236}">
+                <a16:creationId xmlns:a16="http://schemas.microsoft.com/office/drawing/2014/main" id="{ABD31D31-66A7-402A-98B4-B1E2063AFEDD}"/>
+              </a:ext>
+            </a:extLst>
+          </p:cNvPr>
+          <p:cNvPicPr>
+            <a:picLocks noChangeAspect="1"/>
+          </p:cNvPicPr>
+          <p:nvPr/>
+        </p:nvPicPr>
+        <p:blipFill>
+          <a:blip r:embed="rId4">
+            <a:extLst>
+              <a:ext uri="{28A0092B-C50C-407E-A947-70E740481C1C}">
+                <a14:useLocalDpi xmlns:a14="http://schemas.microsoft.com/office/drawing/2010/main" val="0"/>
+              </a:ext>
+            </a:extLst>
+          </a:blip>
+          <a:stretch>
+            <a:fillRect/>
+          </a:stretch>
+        </p:blipFill>
+        <p:spPr>
+          <a:xfrm>
+            <a:off x="6243242" y="3200733"/>
+            <a:ext cx="649028" cy="649028"/>
+          </a:xfrm>
+          <a:prstGeom prst="rect">
+            <a:avLst/>
+          </a:prstGeom>
+        </p:spPr>
+      </p:pic>
+      <p:grpSp>
+        <p:nvGrpSpPr>
+          <p:cNvPr id="4" name="Group 3">
+            <a:extLst>
+              <a:ext uri="{FF2B5EF4-FFF2-40B4-BE49-F238E27FC236}">
+                <a16:creationId xmlns:a16="http://schemas.microsoft.com/office/drawing/2014/main" id="{4255FBF1-215F-4078-A1D3-9DB69832243E}"/>
+              </a:ext>
+            </a:extLst>
+          </p:cNvPr>
+          <p:cNvGrpSpPr/>
+          <p:nvPr/>
+        </p:nvGrpSpPr>
+        <p:grpSpPr>
+          <a:xfrm rot="1823761">
+            <a:off x="4879436" y="1254344"/>
+            <a:ext cx="6094068" cy="4162095"/>
+            <a:chOff x="4592332" y="1166539"/>
+            <a:chExt cx="6094068" cy="4162095"/>
+          </a:xfrm>
+        </p:grpSpPr>
+        <p:sp>
+          <p:nvSpPr>
+            <p:cNvPr id="21" name="Oval 20">
+              <a:extLst>
+                <a:ext uri="{FF2B5EF4-FFF2-40B4-BE49-F238E27FC236}">
+                  <a16:creationId xmlns:a16="http://schemas.microsoft.com/office/drawing/2014/main" id="{D17D8C7A-2364-4B00-A5D3-C56B7A70D27F}"/>
+                </a:ext>
+              </a:extLst>
+            </p:cNvPr>
+            <p:cNvSpPr/>
+            <p:nvPr/>
+          </p:nvSpPr>
+          <p:spPr>
+            <a:xfrm>
+              <a:off x="5364155" y="2812669"/>
+              <a:ext cx="227732" cy="227732"/>
+            </a:xfrm>
+            <a:prstGeom prst="ellipse">
+              <a:avLst/>
+            </a:prstGeom>
+            <a:solidFill>
+              <a:schemeClr val="bg1"/>
+            </a:solidFill>
+            <a:ln>
+              <a:solidFill>
+                <a:schemeClr val="bg1"/>
+              </a:solidFill>
+            </a:ln>
+          </p:spPr>
+          <p:style>
+            <a:lnRef idx="2">
+              <a:schemeClr val="accent1">
+                <a:shade val="50000"/>
+              </a:schemeClr>
+            </a:lnRef>
+            <a:fillRef idx="1">
+              <a:schemeClr val="accent1"/>
+            </a:fillRef>
+            <a:effectRef idx="0">
+              <a:schemeClr val="accent1"/>
+            </a:effectRef>
+            <a:fontRef idx="minor">
+              <a:schemeClr val="lt1"/>
+            </a:fontRef>
+          </p:style>
+          <p:txBody>
+            <a:bodyPr rtlCol="0" anchor="ctr"/>
+            <a:lstStyle/>
+            <a:p>
+              <a:pPr algn="ctr"/>
+              <a:endParaRPr lang="es-MX" dirty="0">
+                <a:solidFill>
+                  <a:sysClr val="windowText" lastClr="000000"/>
+                </a:solidFill>
+              </a:endParaRPr>
+            </a:p>
+          </p:txBody>
+        </p:sp>
+        <p:sp>
+          <p:nvSpPr>
+            <p:cNvPr id="23" name="Oval 22">
+              <a:extLst>
+                <a:ext uri="{FF2B5EF4-FFF2-40B4-BE49-F238E27FC236}">
+                  <a16:creationId xmlns:a16="http://schemas.microsoft.com/office/drawing/2014/main" id="{0CB06B11-22A5-46DD-A13B-15CE749034A3}"/>
+                </a:ext>
+              </a:extLst>
+            </p:cNvPr>
+            <p:cNvSpPr/>
+            <p:nvPr/>
+          </p:nvSpPr>
+          <p:spPr>
+            <a:xfrm>
+              <a:off x="4592332" y="4802441"/>
+              <a:ext cx="227732" cy="227732"/>
+            </a:xfrm>
+            <a:prstGeom prst="ellipse">
+              <a:avLst/>
+            </a:prstGeom>
+            <a:solidFill>
+              <a:schemeClr val="bg1"/>
+            </a:solidFill>
+            <a:ln>
+              <a:solidFill>
+                <a:schemeClr val="bg1"/>
+              </a:solidFill>
+            </a:ln>
+          </p:spPr>
+          <p:style>
+            <a:lnRef idx="2">
+              <a:schemeClr val="accent1">
+                <a:shade val="50000"/>
+              </a:schemeClr>
+            </a:lnRef>
+            <a:fillRef idx="1">
+              <a:schemeClr val="accent1"/>
+            </a:fillRef>
+            <a:effectRef idx="0">
+              <a:schemeClr val="accent1"/>
+            </a:effectRef>
+            <a:fontRef idx="minor">
+              <a:schemeClr val="lt1"/>
+            </a:fontRef>
+          </p:style>
+          <p:txBody>
+            <a:bodyPr rtlCol="0" anchor="ctr"/>
+            <a:lstStyle/>
+            <a:p>
+              <a:pPr algn="ctr"/>
+              <a:endParaRPr lang="es-MX" dirty="0">
+                <a:solidFill>
+                  <a:sysClr val="windowText" lastClr="000000"/>
+                </a:solidFill>
+              </a:endParaRPr>
+            </a:p>
+          </p:txBody>
+        </p:sp>
+        <p:sp>
+          <p:nvSpPr>
+            <p:cNvPr id="25" name="Oval 24">
+              <a:extLst>
+                <a:ext uri="{FF2B5EF4-FFF2-40B4-BE49-F238E27FC236}">
+                  <a16:creationId xmlns:a16="http://schemas.microsoft.com/office/drawing/2014/main" id="{5207A54F-DEEC-4DDC-ACFF-4A02261BB8BC}"/>
+                </a:ext>
+              </a:extLst>
+            </p:cNvPr>
+            <p:cNvSpPr/>
+            <p:nvPr/>
+          </p:nvSpPr>
+          <p:spPr>
+            <a:xfrm>
+              <a:off x="5158908" y="4169887"/>
+              <a:ext cx="227732" cy="227732"/>
+            </a:xfrm>
+            <a:prstGeom prst="ellipse">
+              <a:avLst/>
+            </a:prstGeom>
+            <a:solidFill>
+              <a:schemeClr val="bg1"/>
+            </a:solidFill>
+            <a:ln>
+              <a:solidFill>
+                <a:schemeClr val="bg1"/>
+              </a:solidFill>
+            </a:ln>
+          </p:spPr>
+          <p:style>
+            <a:lnRef idx="2">
+              <a:schemeClr val="accent1">
+                <a:shade val="50000"/>
+              </a:schemeClr>
+            </a:lnRef>
+            <a:fillRef idx="1">
+              <a:schemeClr val="accent1"/>
+            </a:fillRef>
+            <a:effectRef idx="0">
+              <a:schemeClr val="accent1"/>
+            </a:effectRef>
+            <a:fontRef idx="minor">
+              <a:schemeClr val="lt1"/>
+            </a:fontRef>
+          </p:style>
+          <p:txBody>
+            <a:bodyPr rtlCol="0" anchor="ctr"/>
+            <a:lstStyle/>
+            <a:p>
+              <a:pPr algn="ctr"/>
+              <a:endParaRPr lang="es-MX" dirty="0">
+                <a:solidFill>
+                  <a:sysClr val="windowText" lastClr="000000"/>
+                </a:solidFill>
+              </a:endParaRPr>
+            </a:p>
+          </p:txBody>
+        </p:sp>
+        <p:sp>
+          <p:nvSpPr>
+            <p:cNvPr id="27" name="Oval 26">
+              <a:extLst>
+                <a:ext uri="{FF2B5EF4-FFF2-40B4-BE49-F238E27FC236}">
+                  <a16:creationId xmlns:a16="http://schemas.microsoft.com/office/drawing/2014/main" id="{DA95D1DD-572E-40B3-A6E3-35B46DB44550}"/>
+                </a:ext>
+              </a:extLst>
+            </p:cNvPr>
+            <p:cNvSpPr/>
+            <p:nvPr/>
+          </p:nvSpPr>
+          <p:spPr>
+            <a:xfrm>
+              <a:off x="7122128" y="3315134"/>
+              <a:ext cx="227732" cy="227732"/>
+            </a:xfrm>
+            <a:prstGeom prst="ellipse">
+              <a:avLst/>
+            </a:prstGeom>
+            <a:solidFill>
+              <a:schemeClr val="bg1"/>
+            </a:solidFill>
+            <a:ln>
+              <a:solidFill>
+                <a:schemeClr val="bg1"/>
+              </a:solidFill>
+            </a:ln>
+          </p:spPr>
+          <p:style>
+            <a:lnRef idx="2">
+              <a:schemeClr val="accent1">
+                <a:shade val="50000"/>
+              </a:schemeClr>
+            </a:lnRef>
+            <a:fillRef idx="1">
+              <a:schemeClr val="accent1"/>
+            </a:fillRef>
+            <a:effectRef idx="0">
+              <a:schemeClr val="accent1"/>
+            </a:effectRef>
+            <a:fontRef idx="minor">
+              <a:schemeClr val="lt1"/>
+            </a:fontRef>
+          </p:style>
+          <p:txBody>
+            <a:bodyPr rtlCol="0" anchor="ctr"/>
+            <a:lstStyle/>
+            <a:p>
+              <a:pPr algn="ctr"/>
+              <a:endParaRPr lang="es-MX" dirty="0">
+                <a:solidFill>
+                  <a:sysClr val="windowText" lastClr="000000"/>
+                </a:solidFill>
+              </a:endParaRPr>
+            </a:p>
+          </p:txBody>
+        </p:sp>
+        <p:sp>
+          <p:nvSpPr>
+            <p:cNvPr id="29" name="Oval 28">
+              <a:extLst>
+                <a:ext uri="{FF2B5EF4-FFF2-40B4-BE49-F238E27FC236}">
+                  <a16:creationId xmlns:a16="http://schemas.microsoft.com/office/drawing/2014/main" id="{E0A59819-FC03-4E9A-BE0F-F13BE6288264}"/>
+                </a:ext>
+              </a:extLst>
+            </p:cNvPr>
+            <p:cNvSpPr/>
+            <p:nvPr/>
+          </p:nvSpPr>
+          <p:spPr>
+            <a:xfrm>
+              <a:off x="6552131" y="2199186"/>
+              <a:ext cx="227732" cy="227732"/>
+            </a:xfrm>
+            <a:prstGeom prst="ellipse">
+              <a:avLst/>
+            </a:prstGeom>
+            <a:solidFill>
+              <a:schemeClr val="bg1"/>
+            </a:solidFill>
+            <a:ln>
+              <a:solidFill>
+                <a:schemeClr val="bg1"/>
+              </a:solidFill>
+            </a:ln>
+          </p:spPr>
+          <p:style>
+            <a:lnRef idx="2">
+              <a:schemeClr val="accent1">
+                <a:shade val="50000"/>
+              </a:schemeClr>
+            </a:lnRef>
+            <a:fillRef idx="1">
+              <a:schemeClr val="accent1"/>
+            </a:fillRef>
+            <a:effectRef idx="0">
+              <a:schemeClr val="accent1"/>
+            </a:effectRef>
+            <a:fontRef idx="minor">
+              <a:schemeClr val="lt1"/>
+            </a:fontRef>
+          </p:style>
+          <p:txBody>
+            <a:bodyPr rtlCol="0" anchor="ctr"/>
+            <a:lstStyle/>
+            <a:p>
+              <a:pPr algn="ctr"/>
+              <a:endParaRPr lang="es-MX" dirty="0">
+                <a:solidFill>
+                  <a:sysClr val="windowText" lastClr="000000"/>
+                </a:solidFill>
+              </a:endParaRPr>
+            </a:p>
+          </p:txBody>
+        </p:sp>
+        <p:sp>
+          <p:nvSpPr>
+            <p:cNvPr id="16" name="Oval 15">
+              <a:extLst>
+                <a:ext uri="{FF2B5EF4-FFF2-40B4-BE49-F238E27FC236}">
+                  <a16:creationId xmlns:a16="http://schemas.microsoft.com/office/drawing/2014/main" id="{2482FA3C-CE29-4628-AD12-565CF24C6801}"/>
+                </a:ext>
+              </a:extLst>
+            </p:cNvPr>
+            <p:cNvSpPr/>
+            <p:nvPr/>
+          </p:nvSpPr>
+          <p:spPr>
+            <a:xfrm>
+              <a:off x="8075710" y="3315134"/>
+              <a:ext cx="227732" cy="227732"/>
+            </a:xfrm>
+            <a:prstGeom prst="ellipse">
+              <a:avLst/>
+            </a:prstGeom>
+            <a:solidFill>
+              <a:schemeClr val="bg1"/>
+            </a:solidFill>
+            <a:ln>
+              <a:solidFill>
+                <a:schemeClr val="bg1"/>
+              </a:solidFill>
+            </a:ln>
+          </p:spPr>
+          <p:style>
+            <a:lnRef idx="2">
+              <a:schemeClr val="accent1">
+                <a:shade val="50000"/>
+              </a:schemeClr>
+            </a:lnRef>
+            <a:fillRef idx="1">
+              <a:schemeClr val="accent1"/>
+            </a:fillRef>
+            <a:effectRef idx="0">
+              <a:schemeClr val="accent1"/>
+            </a:effectRef>
+            <a:fontRef idx="minor">
+              <a:schemeClr val="lt1"/>
+            </a:fontRef>
+          </p:style>
+          <p:txBody>
+            <a:bodyPr rtlCol="0" anchor="ctr"/>
+            <a:lstStyle/>
+            <a:p>
+              <a:pPr algn="ctr"/>
+              <a:endParaRPr lang="es-MX" dirty="0">
+                <a:solidFill>
+                  <a:sysClr val="windowText" lastClr="000000"/>
+                </a:solidFill>
+              </a:endParaRPr>
+            </a:p>
+          </p:txBody>
+        </p:sp>
+        <p:sp>
+          <p:nvSpPr>
+            <p:cNvPr id="18" name="Oval 17">
+              <a:extLst>
+                <a:ext uri="{FF2B5EF4-FFF2-40B4-BE49-F238E27FC236}">
+                  <a16:creationId xmlns:a16="http://schemas.microsoft.com/office/drawing/2014/main" id="{EF3C037C-9E3A-4991-AE5F-94FE1E04D7BA}"/>
+                </a:ext>
+              </a:extLst>
+            </p:cNvPr>
+            <p:cNvSpPr/>
+            <p:nvPr/>
+          </p:nvSpPr>
+          <p:spPr>
+            <a:xfrm>
+              <a:off x="9454775" y="2368996"/>
+              <a:ext cx="227732" cy="227732"/>
+            </a:xfrm>
+            <a:prstGeom prst="ellipse">
+              <a:avLst/>
+            </a:prstGeom>
+            <a:solidFill>
+              <a:schemeClr val="bg1"/>
+            </a:solidFill>
+            <a:ln>
+              <a:solidFill>
+                <a:schemeClr val="bg1"/>
+              </a:solidFill>
+            </a:ln>
+          </p:spPr>
+          <p:style>
+            <a:lnRef idx="2">
+              <a:schemeClr val="accent1">
+                <a:shade val="50000"/>
+              </a:schemeClr>
+            </a:lnRef>
+            <a:fillRef idx="1">
+              <a:schemeClr val="accent1"/>
+            </a:fillRef>
+            <a:effectRef idx="0">
+              <a:schemeClr val="accent1"/>
+            </a:effectRef>
+            <a:fontRef idx="minor">
+              <a:schemeClr val="lt1"/>
+            </a:fontRef>
+          </p:style>
+          <p:txBody>
+            <a:bodyPr rtlCol="0" anchor="ctr"/>
+            <a:lstStyle/>
+            <a:p>
+              <a:pPr algn="ctr"/>
+              <a:endParaRPr lang="es-MX" dirty="0">
+                <a:solidFill>
+                  <a:sysClr val="windowText" lastClr="000000"/>
+                </a:solidFill>
+              </a:endParaRPr>
+            </a:p>
+          </p:txBody>
+        </p:sp>
+        <p:sp>
+          <p:nvSpPr>
+            <p:cNvPr id="20" name="Oval 19">
+              <a:extLst>
+                <a:ext uri="{FF2B5EF4-FFF2-40B4-BE49-F238E27FC236}">
+                  <a16:creationId xmlns:a16="http://schemas.microsoft.com/office/drawing/2014/main" id="{257CF7D6-15E1-485E-8622-296F73C71668}"/>
+                </a:ext>
+              </a:extLst>
+            </p:cNvPr>
+            <p:cNvSpPr/>
+            <p:nvPr/>
+          </p:nvSpPr>
+          <p:spPr>
+            <a:xfrm>
+              <a:off x="10458668" y="1166539"/>
+              <a:ext cx="227732" cy="227732"/>
+            </a:xfrm>
+            <a:prstGeom prst="ellipse">
+              <a:avLst/>
+            </a:prstGeom>
+            <a:solidFill>
+              <a:schemeClr val="bg1"/>
+            </a:solidFill>
+            <a:ln>
+              <a:solidFill>
+                <a:schemeClr val="bg1"/>
+              </a:solidFill>
+            </a:ln>
+          </p:spPr>
+          <p:style>
+            <a:lnRef idx="2">
+              <a:schemeClr val="accent1">
+                <a:shade val="50000"/>
+              </a:schemeClr>
+            </a:lnRef>
+            <a:fillRef idx="1">
+              <a:schemeClr val="accent1"/>
+            </a:fillRef>
+            <a:effectRef idx="0">
+              <a:schemeClr val="accent1"/>
+            </a:effectRef>
+            <a:fontRef idx="minor">
+              <a:schemeClr val="lt1"/>
+            </a:fontRef>
+          </p:style>
+          <p:txBody>
+            <a:bodyPr rtlCol="0" anchor="ctr"/>
+            <a:lstStyle/>
+            <a:p>
+              <a:pPr algn="ctr"/>
+              <a:endParaRPr lang="es-MX" dirty="0">
+                <a:solidFill>
+                  <a:sysClr val="windowText" lastClr="000000"/>
+                </a:solidFill>
+              </a:endParaRPr>
+            </a:p>
+          </p:txBody>
+        </p:sp>
+        <p:sp>
+          <p:nvSpPr>
+            <p:cNvPr id="43" name="Oval 42">
+              <a:extLst>
+                <a:ext uri="{FF2B5EF4-FFF2-40B4-BE49-F238E27FC236}">
+                  <a16:creationId xmlns:a16="http://schemas.microsoft.com/office/drawing/2014/main" id="{6FB06464-092D-47F0-B78C-2FFCE9746ECF}"/>
+                </a:ext>
+              </a:extLst>
+            </p:cNvPr>
+            <p:cNvSpPr/>
+            <p:nvPr/>
+          </p:nvSpPr>
+          <p:spPr>
+            <a:xfrm>
+              <a:off x="7019602" y="5100902"/>
+              <a:ext cx="227732" cy="227732"/>
+            </a:xfrm>
+            <a:prstGeom prst="ellipse">
+              <a:avLst/>
+            </a:prstGeom>
+            <a:solidFill>
+              <a:schemeClr val="bg1"/>
+            </a:solidFill>
+            <a:ln>
+              <a:solidFill>
+                <a:schemeClr val="bg1"/>
+              </a:solidFill>
+            </a:ln>
+          </p:spPr>
+          <p:style>
+            <a:lnRef idx="2">
+              <a:schemeClr val="accent1">
+                <a:shade val="50000"/>
+              </a:schemeClr>
+            </a:lnRef>
+            <a:fillRef idx="1">
+              <a:schemeClr val="accent1"/>
+            </a:fillRef>
+            <a:effectRef idx="0">
+              <a:schemeClr val="accent1"/>
+            </a:effectRef>
+            <a:fontRef idx="minor">
+              <a:schemeClr val="lt1"/>
+            </a:fontRef>
+          </p:style>
+          <p:txBody>
+            <a:bodyPr rtlCol="0" anchor="ctr"/>
+            <a:lstStyle/>
+            <a:p>
+              <a:pPr algn="ctr"/>
+              <a:endParaRPr lang="es-MX" dirty="0">
+                <a:solidFill>
+                  <a:sysClr val="windowText" lastClr="000000"/>
+                </a:solidFill>
+              </a:endParaRPr>
+            </a:p>
+          </p:txBody>
+        </p:sp>
+        <p:sp>
+          <p:nvSpPr>
+            <p:cNvPr id="44" name="Oval 43">
+              <a:extLst>
+                <a:ext uri="{FF2B5EF4-FFF2-40B4-BE49-F238E27FC236}">
+                  <a16:creationId xmlns:a16="http://schemas.microsoft.com/office/drawing/2014/main" id="{6469A702-B120-4E64-879C-4A19BAD0DD58}"/>
+                </a:ext>
+              </a:extLst>
+            </p:cNvPr>
+            <p:cNvSpPr/>
+            <p:nvPr/>
+          </p:nvSpPr>
+          <p:spPr>
+            <a:xfrm>
+              <a:off x="6449605" y="3984954"/>
+              <a:ext cx="227732" cy="227732"/>
+            </a:xfrm>
+            <a:prstGeom prst="ellipse">
+              <a:avLst/>
+            </a:prstGeom>
+            <a:solidFill>
+              <a:schemeClr val="bg1"/>
+            </a:solidFill>
+            <a:ln>
+              <a:solidFill>
+                <a:schemeClr val="bg1"/>
+              </a:solidFill>
+            </a:ln>
+          </p:spPr>
+          <p:style>
+            <a:lnRef idx="2">
+              <a:schemeClr val="accent1">
+                <a:shade val="50000"/>
+              </a:schemeClr>
+            </a:lnRef>
+            <a:fillRef idx="1">
+              <a:schemeClr val="accent1"/>
+            </a:fillRef>
+            <a:effectRef idx="0">
+              <a:schemeClr val="accent1"/>
+            </a:effectRef>
+            <a:fontRef idx="minor">
+              <a:schemeClr val="lt1"/>
+            </a:fontRef>
+          </p:style>
+          <p:txBody>
+            <a:bodyPr rtlCol="0" anchor="ctr"/>
+            <a:lstStyle/>
+            <a:p>
+              <a:pPr algn="ctr"/>
+              <a:endParaRPr lang="es-MX" dirty="0">
+                <a:solidFill>
+                  <a:sysClr val="windowText" lastClr="000000"/>
+                </a:solidFill>
+              </a:endParaRPr>
+            </a:p>
+          </p:txBody>
+        </p:sp>
+        <p:sp>
+          <p:nvSpPr>
+            <p:cNvPr id="45" name="Oval 44">
+              <a:extLst>
+                <a:ext uri="{FF2B5EF4-FFF2-40B4-BE49-F238E27FC236}">
+                  <a16:creationId xmlns:a16="http://schemas.microsoft.com/office/drawing/2014/main" id="{B08AAF40-4A51-475B-9B08-4CC33BCD93ED}"/>
+                </a:ext>
+              </a:extLst>
+            </p:cNvPr>
+            <p:cNvSpPr/>
+            <p:nvPr/>
+          </p:nvSpPr>
+          <p:spPr>
+            <a:xfrm>
+              <a:off x="7973184" y="5100902"/>
+              <a:ext cx="227732" cy="227732"/>
+            </a:xfrm>
+            <a:prstGeom prst="ellipse">
+              <a:avLst/>
+            </a:prstGeom>
+            <a:solidFill>
+              <a:schemeClr val="bg1"/>
+            </a:solidFill>
+            <a:ln>
+              <a:solidFill>
+                <a:schemeClr val="bg1"/>
+              </a:solidFill>
+            </a:ln>
+          </p:spPr>
+          <p:style>
+            <a:lnRef idx="2">
+              <a:schemeClr val="accent1">
+                <a:shade val="50000"/>
+              </a:schemeClr>
+            </a:lnRef>
+            <a:fillRef idx="1">
+              <a:schemeClr val="accent1"/>
+            </a:fillRef>
+            <a:effectRef idx="0">
+              <a:schemeClr val="accent1"/>
+            </a:effectRef>
+            <a:fontRef idx="minor">
+              <a:schemeClr val="lt1"/>
+            </a:fontRef>
+          </p:style>
+          <p:txBody>
+            <a:bodyPr rtlCol="0" anchor="ctr"/>
+            <a:lstStyle/>
+            <a:p>
+              <a:pPr algn="ctr"/>
+              <a:endParaRPr lang="es-MX" dirty="0">
+                <a:solidFill>
+                  <a:sysClr val="windowText" lastClr="000000"/>
+                </a:solidFill>
+              </a:endParaRPr>
+            </a:p>
+          </p:txBody>
+        </p:sp>
+        <p:sp>
+          <p:nvSpPr>
+            <p:cNvPr id="46" name="Oval 45">
+              <a:extLst>
+                <a:ext uri="{FF2B5EF4-FFF2-40B4-BE49-F238E27FC236}">
+                  <a16:creationId xmlns:a16="http://schemas.microsoft.com/office/drawing/2014/main" id="{CBA10ECD-9113-4F20-B24C-747A0E440F66}"/>
+                </a:ext>
+              </a:extLst>
+            </p:cNvPr>
+            <p:cNvSpPr/>
+            <p:nvPr/>
+          </p:nvSpPr>
+          <p:spPr>
+            <a:xfrm>
+              <a:off x="9340909" y="4508139"/>
+              <a:ext cx="227732" cy="227732"/>
+            </a:xfrm>
+            <a:prstGeom prst="ellipse">
+              <a:avLst/>
+            </a:prstGeom>
+            <a:solidFill>
+              <a:schemeClr val="bg1"/>
+            </a:solidFill>
+            <a:ln>
+              <a:solidFill>
+                <a:schemeClr val="bg1"/>
+              </a:solidFill>
+            </a:ln>
+          </p:spPr>
+          <p:style>
+            <a:lnRef idx="2">
+              <a:schemeClr val="accent1">
+                <a:shade val="50000"/>
+              </a:schemeClr>
+            </a:lnRef>
+            <a:fillRef idx="1">
+              <a:schemeClr val="accent1"/>
+            </a:fillRef>
+            <a:effectRef idx="0">
+              <a:schemeClr val="accent1"/>
+            </a:effectRef>
+            <a:fontRef idx="minor">
+              <a:schemeClr val="lt1"/>
+            </a:fontRef>
+          </p:style>
+          <p:txBody>
+            <a:bodyPr rtlCol="0" anchor="ctr"/>
+            <a:lstStyle/>
+            <a:p>
+              <a:pPr algn="ctr"/>
+              <a:endParaRPr lang="es-MX" dirty="0">
+                <a:solidFill>
+                  <a:sysClr val="windowText" lastClr="000000"/>
+                </a:solidFill>
+              </a:endParaRPr>
+            </a:p>
+          </p:txBody>
+        </p:sp>
+        <p:sp>
+          <p:nvSpPr>
+            <p:cNvPr id="47" name="Oval 46">
+              <a:extLst>
+                <a:ext uri="{FF2B5EF4-FFF2-40B4-BE49-F238E27FC236}">
+                  <a16:creationId xmlns:a16="http://schemas.microsoft.com/office/drawing/2014/main" id="{5F6C5E9B-E865-4438-A0B6-3083BC48EAFB}"/>
+                </a:ext>
+              </a:extLst>
+            </p:cNvPr>
+            <p:cNvSpPr/>
+            <p:nvPr/>
+          </p:nvSpPr>
+          <p:spPr>
+            <a:xfrm>
+              <a:off x="10344802" y="3471529"/>
+              <a:ext cx="227732" cy="227732"/>
+            </a:xfrm>
+            <a:prstGeom prst="ellipse">
+              <a:avLst/>
+            </a:prstGeom>
+            <a:solidFill>
+              <a:schemeClr val="bg1"/>
+            </a:solidFill>
+            <a:ln>
+              <a:solidFill>
+                <a:schemeClr val="bg1"/>
+              </a:solidFill>
+            </a:ln>
+          </p:spPr>
+          <p:style>
+            <a:lnRef idx="2">
+              <a:schemeClr val="accent1">
+                <a:shade val="50000"/>
+              </a:schemeClr>
+            </a:lnRef>
+            <a:fillRef idx="1">
+              <a:schemeClr val="accent1"/>
+            </a:fillRef>
+            <a:effectRef idx="0">
+              <a:schemeClr val="accent1"/>
+            </a:effectRef>
+            <a:fontRef idx="minor">
+              <a:schemeClr val="lt1"/>
+            </a:fontRef>
+          </p:style>
+          <p:txBody>
+            <a:bodyPr rtlCol="0" anchor="ctr"/>
+            <a:lstStyle/>
+            <a:p>
+              <a:pPr algn="ctr"/>
+              <a:endParaRPr lang="es-MX" dirty="0">
+                <a:solidFill>
+                  <a:sysClr val="windowText" lastClr="000000"/>
+                </a:solidFill>
+              </a:endParaRPr>
+            </a:p>
+          </p:txBody>
+        </p:sp>
+      </p:grpSp>
+      <p:cxnSp>
+        <p:nvCxnSpPr>
+          <p:cNvPr id="2" name="Straight Connector 1">
+            <a:extLst>
+              <a:ext uri="{FF2B5EF4-FFF2-40B4-BE49-F238E27FC236}">
+                <a16:creationId xmlns:a16="http://schemas.microsoft.com/office/drawing/2014/main" id="{2B1B797C-4C50-45EB-A001-8B3EDE1D5916}"/>
+              </a:ext>
+            </a:extLst>
+          </p:cNvPr>
+          <p:cNvCxnSpPr>
+            <a:cxnSpLocks/>
+            <a:stCxn id="23" idx="7"/>
+            <a:endCxn id="25" idx="3"/>
+          </p:cNvCxnSpPr>
+          <p:nvPr/>
+        </p:nvCxnSpPr>
+        <p:spPr>
+          <a:xfrm flipV="1">
+            <a:off x="4662327" y="3060412"/>
+            <a:ext cx="588382" cy="201516"/>
+          </a:xfrm>
+          <a:prstGeom prst="line">
+            <a:avLst/>
+          </a:prstGeom>
+          <a:ln w="76200">
+            <a:solidFill>
+              <a:schemeClr val="bg1"/>
+            </a:solidFill>
+          </a:ln>
+        </p:spPr>
+        <p:style>
+          <a:lnRef idx="1">
+            <a:schemeClr val="accent1"/>
+          </a:lnRef>
+          <a:fillRef idx="0">
+            <a:schemeClr val="accent1"/>
+          </a:fillRef>
+          <a:effectRef idx="0">
+            <a:schemeClr val="accent1"/>
+          </a:effectRef>
+          <a:fontRef idx="minor">
+            <a:schemeClr val="tx1"/>
+          </a:fontRef>
+        </p:style>
+      </p:cxnSp>
+      <p:cxnSp>
+        <p:nvCxnSpPr>
+          <p:cNvPr id="49" name="Straight Connector 48">
+            <a:extLst>
+              <a:ext uri="{FF2B5EF4-FFF2-40B4-BE49-F238E27FC236}">
+                <a16:creationId xmlns:a16="http://schemas.microsoft.com/office/drawing/2014/main" id="{617BDE1A-B23A-4C71-BD17-DBDBB26E1D6C}"/>
+              </a:ext>
+            </a:extLst>
+          </p:cNvPr>
+          <p:cNvCxnSpPr>
+            <a:cxnSpLocks/>
+            <a:stCxn id="25" idx="0"/>
+            <a:endCxn id="21" idx="4"/>
+          </p:cNvCxnSpPr>
+          <p:nvPr/>
+        </p:nvCxnSpPr>
+        <p:spPr>
+          <a:xfrm flipV="1">
+            <a:off x="5418509" y="2063100"/>
+            <a:ext cx="748526" cy="870387"/>
+          </a:xfrm>
+          <a:prstGeom prst="line">
+            <a:avLst/>
+          </a:prstGeom>
+          <a:ln w="76200">
+            <a:solidFill>
+              <a:schemeClr val="bg1"/>
+            </a:solidFill>
+          </a:ln>
+        </p:spPr>
+        <p:style>
+          <a:lnRef idx="1">
+            <a:schemeClr val="accent1"/>
+          </a:lnRef>
+          <a:fillRef idx="0">
+            <a:schemeClr val="accent1"/>
+          </a:fillRef>
+          <a:effectRef idx="0">
+            <a:schemeClr val="accent1"/>
+          </a:effectRef>
+          <a:fontRef idx="minor">
+            <a:schemeClr val="tx1"/>
+          </a:fontRef>
+        </p:style>
+      </p:cxnSp>
+      <p:cxnSp>
+        <p:nvCxnSpPr>
+          <p:cNvPr id="50" name="Straight Connector 49">
+            <a:extLst>
+              <a:ext uri="{FF2B5EF4-FFF2-40B4-BE49-F238E27FC236}">
+                <a16:creationId xmlns:a16="http://schemas.microsoft.com/office/drawing/2014/main" id="{A7BFB941-1AF9-4B57-B296-129CC8F03E89}"/>
+              </a:ext>
+            </a:extLst>
+          </p:cNvPr>
+          <p:cNvCxnSpPr>
+            <a:cxnSpLocks/>
+            <a:stCxn id="21" idx="7"/>
+            <a:endCxn id="29" idx="3"/>
+          </p:cNvCxnSpPr>
+          <p:nvPr/>
+        </p:nvCxnSpPr>
+        <p:spPr>
+          <a:xfrm>
+            <a:off x="6334835" y="1936175"/>
+            <a:ext cx="1114720" cy="129346"/>
+          </a:xfrm>
+          <a:prstGeom prst="line">
+            <a:avLst/>
+          </a:prstGeom>
+          <a:ln w="76200">
+            <a:solidFill>
+              <a:schemeClr val="bg1"/>
+            </a:solidFill>
+          </a:ln>
+        </p:spPr>
+        <p:style>
+          <a:lnRef idx="1">
+            <a:schemeClr val="accent1"/>
+          </a:lnRef>
+          <a:fillRef idx="0">
+            <a:schemeClr val="accent1"/>
+          </a:fillRef>
+          <a:effectRef idx="0">
+            <a:schemeClr val="accent1"/>
+          </a:effectRef>
+          <a:fontRef idx="minor">
+            <a:schemeClr val="tx1"/>
+          </a:fontRef>
+        </p:style>
+      </p:cxnSp>
+      <p:cxnSp>
+        <p:nvCxnSpPr>
+          <p:cNvPr id="51" name="Straight Connector 50">
+            <a:extLst>
+              <a:ext uri="{FF2B5EF4-FFF2-40B4-BE49-F238E27FC236}">
+                <a16:creationId xmlns:a16="http://schemas.microsoft.com/office/drawing/2014/main" id="{E48A1214-5FFC-4ADD-B038-C14CADC10F3C}"/>
+              </a:ext>
+            </a:extLst>
+          </p:cNvPr>
+          <p:cNvCxnSpPr>
+            <a:cxnSpLocks/>
+            <a:stCxn id="29" idx="5"/>
+            <a:endCxn id="27" idx="1"/>
+          </p:cNvCxnSpPr>
+          <p:nvPr/>
+        </p:nvCxnSpPr>
+        <p:spPr>
+          <a:xfrm flipH="1">
+            <a:off x="7458041" y="2146998"/>
+            <a:ext cx="130411" cy="1030589"/>
+          </a:xfrm>
+          <a:prstGeom prst="line">
+            <a:avLst/>
+          </a:prstGeom>
+          <a:ln w="76200">
+            <a:solidFill>
+              <a:schemeClr val="bg1"/>
+            </a:solidFill>
+          </a:ln>
+        </p:spPr>
+        <p:style>
+          <a:lnRef idx="1">
+            <a:schemeClr val="accent1"/>
+          </a:lnRef>
+          <a:fillRef idx="0">
+            <a:schemeClr val="accent1"/>
+          </a:fillRef>
+          <a:effectRef idx="0">
+            <a:schemeClr val="accent1"/>
+          </a:effectRef>
+          <a:fontRef idx="minor">
+            <a:schemeClr val="tx1"/>
+          </a:fontRef>
+        </p:style>
+      </p:cxnSp>
+      <p:cxnSp>
+        <p:nvCxnSpPr>
+          <p:cNvPr id="53" name="Straight Connector 52">
+            <a:extLst>
+              <a:ext uri="{FF2B5EF4-FFF2-40B4-BE49-F238E27FC236}">
+                <a16:creationId xmlns:a16="http://schemas.microsoft.com/office/drawing/2014/main" id="{C8A47AD1-895D-4B52-9E1C-40009E14599B}"/>
+              </a:ext>
+            </a:extLst>
+          </p:cNvPr>
+          <p:cNvCxnSpPr>
+            <a:cxnSpLocks/>
+            <a:stCxn id="27" idx="6"/>
+            <a:endCxn id="16" idx="2"/>
+          </p:cNvCxnSpPr>
+          <p:nvPr/>
+        </p:nvCxnSpPr>
+        <p:spPr>
+          <a:xfrm>
+            <a:off x="7584966" y="3345387"/>
+            <a:ext cx="626082" cy="367261"/>
+          </a:xfrm>
+          <a:prstGeom prst="line">
+            <a:avLst/>
+          </a:prstGeom>
+          <a:ln w="76200">
+            <a:solidFill>
+              <a:schemeClr val="bg1"/>
+            </a:solidFill>
+          </a:ln>
+        </p:spPr>
+        <p:style>
+          <a:lnRef idx="1">
+            <a:schemeClr val="accent1"/>
+          </a:lnRef>
+          <a:fillRef idx="0">
+            <a:schemeClr val="accent1"/>
+          </a:fillRef>
+          <a:effectRef idx="0">
+            <a:schemeClr val="accent1"/>
+          </a:effectRef>
+          <a:fontRef idx="minor">
+            <a:schemeClr val="tx1"/>
+          </a:fontRef>
+        </p:style>
+      </p:cxnSp>
+      <p:cxnSp>
+        <p:nvCxnSpPr>
+          <p:cNvPr id="56" name="Straight Connector 55">
+            <a:extLst>
+              <a:ext uri="{FF2B5EF4-FFF2-40B4-BE49-F238E27FC236}">
+                <a16:creationId xmlns:a16="http://schemas.microsoft.com/office/drawing/2014/main" id="{18D07AD0-8E1D-4AA0-8760-06D25D6A860F}"/>
+              </a:ext>
+            </a:extLst>
+          </p:cNvPr>
+          <p:cNvCxnSpPr>
+            <a:cxnSpLocks/>
+            <a:stCxn id="16" idx="6"/>
+            <a:endCxn id="18" idx="3"/>
+          </p:cNvCxnSpPr>
+          <p:nvPr/>
+        </p:nvCxnSpPr>
+        <p:spPr>
+          <a:xfrm flipV="1">
+            <a:off x="8407478" y="3680652"/>
+            <a:ext cx="1459829" cy="147222"/>
+          </a:xfrm>
+          <a:prstGeom prst="line">
+            <a:avLst/>
+          </a:prstGeom>
+          <a:ln w="76200">
+            <a:solidFill>
+              <a:schemeClr val="bg1"/>
+            </a:solidFill>
+          </a:ln>
+        </p:spPr>
+        <p:style>
+          <a:lnRef idx="1">
+            <a:schemeClr val="accent1"/>
+          </a:lnRef>
+          <a:fillRef idx="0">
+            <a:schemeClr val="accent1"/>
+          </a:fillRef>
+          <a:effectRef idx="0">
+            <a:schemeClr val="accent1"/>
+          </a:effectRef>
+          <a:fontRef idx="minor">
+            <a:schemeClr val="tx1"/>
+          </a:fontRef>
+        </p:style>
+      </p:cxnSp>
+      <p:cxnSp>
+        <p:nvCxnSpPr>
+          <p:cNvPr id="61" name="Straight Connector 60">
+            <a:extLst>
+              <a:ext uri="{FF2B5EF4-FFF2-40B4-BE49-F238E27FC236}">
+                <a16:creationId xmlns:a16="http://schemas.microsoft.com/office/drawing/2014/main" id="{DBDCEB69-AB3B-4262-AF72-F14D780D7C0B}"/>
+              </a:ext>
+            </a:extLst>
+          </p:cNvPr>
+          <p:cNvCxnSpPr>
+            <a:cxnSpLocks/>
+            <a:stCxn id="18" idx="7"/>
+            <a:endCxn id="20" idx="3"/>
+          </p:cNvCxnSpPr>
+          <p:nvPr/>
+        </p:nvCxnSpPr>
+        <p:spPr>
+          <a:xfrm flipV="1">
+            <a:off x="10087681" y="3151418"/>
+            <a:ext cx="1253945" cy="471814"/>
+          </a:xfrm>
+          <a:prstGeom prst="line">
+            <a:avLst/>
+          </a:prstGeom>
+          <a:ln w="76200">
+            <a:solidFill>
+              <a:schemeClr val="bg1"/>
+            </a:solidFill>
+          </a:ln>
+        </p:spPr>
+        <p:style>
+          <a:lnRef idx="1">
+            <a:schemeClr val="accent1"/>
+          </a:lnRef>
+          <a:fillRef idx="0">
+            <a:schemeClr val="accent1"/>
+          </a:fillRef>
+          <a:effectRef idx="0">
+            <a:schemeClr val="accent1"/>
+          </a:effectRef>
+          <a:fontRef idx="minor">
+            <a:schemeClr val="tx1"/>
+          </a:fontRef>
+        </p:style>
+      </p:cxnSp>
+      <p:cxnSp>
+        <p:nvCxnSpPr>
+          <p:cNvPr id="64" name="Straight Connector 63">
+            <a:extLst>
+              <a:ext uri="{FF2B5EF4-FFF2-40B4-BE49-F238E27FC236}">
+                <a16:creationId xmlns:a16="http://schemas.microsoft.com/office/drawing/2014/main" id="{3F40951B-8A36-4D80-8DD8-49B3B251542C}"/>
+              </a:ext>
+            </a:extLst>
+          </p:cNvPr>
+          <p:cNvCxnSpPr>
+            <a:cxnSpLocks/>
+            <a:stCxn id="20" idx="5"/>
+            <a:endCxn id="47" idx="7"/>
+          </p:cNvCxnSpPr>
+          <p:nvPr/>
+        </p:nvCxnSpPr>
+        <p:spPr>
+          <a:xfrm flipH="1">
+            <a:off x="10297520" y="3232895"/>
+            <a:ext cx="1183003" cy="1791656"/>
+          </a:xfrm>
+          <a:prstGeom prst="line">
+            <a:avLst/>
+          </a:prstGeom>
+          <a:ln w="76200">
+            <a:solidFill>
+              <a:schemeClr val="bg1"/>
+            </a:solidFill>
+          </a:ln>
+        </p:spPr>
+        <p:style>
+          <a:lnRef idx="1">
+            <a:schemeClr val="accent1"/>
+          </a:lnRef>
+          <a:fillRef idx="0">
+            <a:schemeClr val="accent1"/>
+          </a:fillRef>
+          <a:effectRef idx="0">
+            <a:schemeClr val="accent1"/>
+          </a:effectRef>
+          <a:fontRef idx="minor">
+            <a:schemeClr val="tx1"/>
+          </a:fontRef>
+        </p:style>
+      </p:cxnSp>
+      <p:cxnSp>
+        <p:nvCxnSpPr>
+          <p:cNvPr id="67" name="Straight Connector 66">
+            <a:extLst>
+              <a:ext uri="{FF2B5EF4-FFF2-40B4-BE49-F238E27FC236}">
+                <a16:creationId xmlns:a16="http://schemas.microsoft.com/office/drawing/2014/main" id="{9F556F54-9C27-40EA-AA28-F3C6D19642BF}"/>
+              </a:ext>
+            </a:extLst>
+          </p:cNvPr>
+          <p:cNvCxnSpPr>
+            <a:cxnSpLocks/>
+            <a:stCxn id="47" idx="3"/>
+            <a:endCxn id="46" idx="7"/>
+          </p:cNvCxnSpPr>
+          <p:nvPr/>
+        </p:nvCxnSpPr>
+        <p:spPr>
+          <a:xfrm flipH="1">
+            <a:off x="8907116" y="5081971"/>
+            <a:ext cx="1170030" cy="328763"/>
+          </a:xfrm>
+          <a:prstGeom prst="line">
+            <a:avLst/>
+          </a:prstGeom>
+          <a:ln w="76200">
+            <a:solidFill>
+              <a:schemeClr val="bg1"/>
+            </a:solidFill>
+          </a:ln>
+        </p:spPr>
+        <p:style>
+          <a:lnRef idx="1">
+            <a:schemeClr val="accent1"/>
+          </a:lnRef>
+          <a:fillRef idx="0">
+            <a:schemeClr val="accent1"/>
+          </a:fillRef>
+          <a:effectRef idx="0">
+            <a:schemeClr val="accent1"/>
+          </a:effectRef>
+          <a:fontRef idx="minor">
+            <a:schemeClr val="tx1"/>
+          </a:fontRef>
+        </p:style>
+      </p:cxnSp>
+      <p:cxnSp>
+        <p:nvCxnSpPr>
+          <p:cNvPr id="70" name="Straight Connector 69">
+            <a:extLst>
+              <a:ext uri="{FF2B5EF4-FFF2-40B4-BE49-F238E27FC236}">
+                <a16:creationId xmlns:a16="http://schemas.microsoft.com/office/drawing/2014/main" id="{331D153D-C873-4904-9867-2BB4C6C41F0F}"/>
+              </a:ext>
+            </a:extLst>
+          </p:cNvPr>
+          <p:cNvCxnSpPr>
+            <a:cxnSpLocks/>
+            <a:stCxn id="46" idx="2"/>
+            <a:endCxn id="45" idx="7"/>
+          </p:cNvCxnSpPr>
+          <p:nvPr/>
+        </p:nvCxnSpPr>
+        <p:spPr>
+          <a:xfrm flipH="1" flipV="1">
+            <a:off x="7427464" y="5229988"/>
+            <a:ext cx="1271250" cy="151843"/>
+          </a:xfrm>
+          <a:prstGeom prst="line">
+            <a:avLst/>
+          </a:prstGeom>
+          <a:ln w="76200">
+            <a:solidFill>
+              <a:schemeClr val="bg1"/>
+            </a:solidFill>
+          </a:ln>
+        </p:spPr>
+        <p:style>
+          <a:lnRef idx="1">
+            <a:schemeClr val="accent1"/>
+          </a:lnRef>
+          <a:fillRef idx="0">
+            <a:schemeClr val="accent1"/>
+          </a:fillRef>
+          <a:effectRef idx="0">
+            <a:schemeClr val="accent1"/>
+          </a:effectRef>
+          <a:fontRef idx="minor">
+            <a:schemeClr val="tx1"/>
+          </a:fontRef>
+        </p:style>
+      </p:cxnSp>
+      <p:cxnSp>
+        <p:nvCxnSpPr>
+          <p:cNvPr id="73" name="Straight Connector 72">
+            <a:extLst>
+              <a:ext uri="{FF2B5EF4-FFF2-40B4-BE49-F238E27FC236}">
+                <a16:creationId xmlns:a16="http://schemas.microsoft.com/office/drawing/2014/main" id="{2CF6C859-21C9-45F2-A65D-5CD41F3245F8}"/>
+              </a:ext>
+            </a:extLst>
+          </p:cNvPr>
+          <p:cNvCxnSpPr>
+            <a:cxnSpLocks/>
+            <a:stCxn id="45" idx="3"/>
+            <a:endCxn id="43" idx="6"/>
+          </p:cNvCxnSpPr>
+          <p:nvPr/>
+        </p:nvCxnSpPr>
+        <p:spPr>
+          <a:xfrm flipH="1" flipV="1">
+            <a:off x="6592981" y="4833824"/>
+            <a:ext cx="614109" cy="453584"/>
+          </a:xfrm>
+          <a:prstGeom prst="line">
+            <a:avLst/>
+          </a:prstGeom>
+          <a:ln w="76200">
+            <a:solidFill>
+              <a:schemeClr val="bg1"/>
+            </a:solidFill>
+          </a:ln>
+        </p:spPr>
+        <p:style>
+          <a:lnRef idx="1">
+            <a:schemeClr val="accent1"/>
+          </a:lnRef>
+          <a:fillRef idx="0">
+            <a:schemeClr val="accent1"/>
+          </a:fillRef>
+          <a:effectRef idx="0">
+            <a:schemeClr val="accent1"/>
+          </a:effectRef>
+          <a:fontRef idx="minor">
+            <a:schemeClr val="tx1"/>
+          </a:fontRef>
+        </p:style>
+      </p:cxnSp>
+      <p:cxnSp>
+        <p:nvCxnSpPr>
+          <p:cNvPr id="76" name="Straight Connector 75">
+            <a:extLst>
+              <a:ext uri="{FF2B5EF4-FFF2-40B4-BE49-F238E27FC236}">
+                <a16:creationId xmlns:a16="http://schemas.microsoft.com/office/drawing/2014/main" id="{9467E50E-A1F1-4CA7-B27B-F3107A9F0954}"/>
+              </a:ext>
+            </a:extLst>
+          </p:cNvPr>
+          <p:cNvCxnSpPr>
+            <a:cxnSpLocks/>
+            <a:stCxn id="43" idx="1"/>
+            <a:endCxn id="44" idx="5"/>
+          </p:cNvCxnSpPr>
+          <p:nvPr/>
+        </p:nvCxnSpPr>
+        <p:spPr>
+          <a:xfrm flipV="1">
+            <a:off x="6466056" y="3635434"/>
+            <a:ext cx="130410" cy="1030590"/>
+          </a:xfrm>
+          <a:prstGeom prst="line">
+            <a:avLst/>
+          </a:prstGeom>
+          <a:ln w="76200">
+            <a:solidFill>
+              <a:schemeClr val="bg1"/>
+            </a:solidFill>
+          </a:ln>
+        </p:spPr>
+        <p:style>
+          <a:lnRef idx="1">
+            <a:schemeClr val="accent1"/>
+          </a:lnRef>
+          <a:fillRef idx="0">
+            <a:schemeClr val="accent1"/>
+          </a:fillRef>
+          <a:effectRef idx="0">
+            <a:schemeClr val="accent1"/>
+          </a:effectRef>
+          <a:fontRef idx="minor">
+            <a:schemeClr val="tx1"/>
+          </a:fontRef>
+        </p:style>
+      </p:cxnSp>
+      <p:cxnSp>
+        <p:nvCxnSpPr>
+          <p:cNvPr id="80" name="Straight Connector 79">
+            <a:extLst>
+              <a:ext uri="{FF2B5EF4-FFF2-40B4-BE49-F238E27FC236}">
+                <a16:creationId xmlns:a16="http://schemas.microsoft.com/office/drawing/2014/main" id="{7EE71FDF-5E38-46C9-B4C0-3D26377FE360}"/>
+              </a:ext>
+            </a:extLst>
+          </p:cNvPr>
+          <p:cNvCxnSpPr>
+            <a:cxnSpLocks/>
+            <a:stCxn id="44" idx="3"/>
+            <a:endCxn id="23" idx="5"/>
+          </p:cNvCxnSpPr>
+          <p:nvPr/>
+        </p:nvCxnSpPr>
+        <p:spPr>
+          <a:xfrm flipH="1" flipV="1">
+            <a:off x="4580850" y="3400825"/>
+            <a:ext cx="1876719" cy="153132"/>
+          </a:xfrm>
+          <a:prstGeom prst="line">
+            <a:avLst/>
+          </a:prstGeom>
+          <a:ln w="76200">
+            <a:solidFill>
+              <a:schemeClr val="bg1"/>
+            </a:solidFill>
+          </a:ln>
+        </p:spPr>
+        <p:style>
+          <a:lnRef idx="1">
+            <a:schemeClr val="accent1"/>
+          </a:lnRef>
+          <a:fillRef idx="0">
+            <a:schemeClr val="accent1"/>
+          </a:fillRef>
+          <a:effectRef idx="0">
+            <a:schemeClr val="accent1"/>
+          </a:effectRef>
+          <a:fontRef idx="minor">
+            <a:schemeClr val="tx1"/>
+          </a:fontRef>
+        </p:style>
+      </p:cxnSp>
+    </p:spTree>
+    <p:extLst>
+      <p:ext uri="{BB962C8B-B14F-4D97-AF65-F5344CB8AC3E}">
+        <p14:creationId xmlns:p14="http://schemas.microsoft.com/office/powerpoint/2010/main" val="2761061280"/>
+      </p:ext>
+    </p:extLst>
+  </p:cSld>
+  <p:clrMapOvr>
+    <a:masterClrMapping/>
+  </p:clrMapOvr>
+</p:sld>
+</file>
+
 <file path=ppt/theme/theme1.xml><?xml version="1.0" encoding="utf-8"?>
 <a:theme xmlns:a="http://schemas.openxmlformats.org/drawingml/2006/main" name="Office Theme">
   <a:themeElements>

--- a/interface.pptx
+++ b/interface.pptx
@@ -11691,6 +11691,51 @@
           <a:xfrm flipV="1">
             <a:off x="8984330" y="3910249"/>
             <a:ext cx="987275" cy="816584"/>
+          </a:xfrm>
+          <a:prstGeom prst="line">
+            <a:avLst/>
+          </a:prstGeom>
+          <a:ln w="76200">
+            <a:solidFill>
+              <a:schemeClr val="bg1"/>
+            </a:solidFill>
+          </a:ln>
+        </p:spPr>
+        <p:style>
+          <a:lnRef idx="1">
+            <a:schemeClr val="accent1"/>
+          </a:lnRef>
+          <a:fillRef idx="0">
+            <a:schemeClr val="accent1"/>
+          </a:fillRef>
+          <a:effectRef idx="0">
+            <a:schemeClr val="accent1"/>
+          </a:effectRef>
+          <a:fontRef idx="minor">
+            <a:schemeClr val="tx1"/>
+          </a:fontRef>
+        </p:style>
+      </p:cxnSp>
+      <p:cxnSp>
+        <p:nvCxnSpPr>
+          <p:cNvPr id="44" name="Straight Connector 43">
+            <a:extLst>
+              <a:ext uri="{FF2B5EF4-FFF2-40B4-BE49-F238E27FC236}">
+                <a16:creationId xmlns:a16="http://schemas.microsoft.com/office/drawing/2014/main" id="{E2CF6CDD-E5B2-4F1C-A204-0DEAB9995F68}"/>
+              </a:ext>
+            </a:extLst>
+          </p:cNvPr>
+          <p:cNvCxnSpPr>
+            <a:cxnSpLocks/>
+            <a:stCxn id="18" idx="3"/>
+            <a:endCxn id="16" idx="7"/>
+          </p:cNvCxnSpPr>
+          <p:nvPr/>
+        </p:nvCxnSpPr>
+        <p:spPr>
+          <a:xfrm flipH="1">
+            <a:off x="8270091" y="2916752"/>
+            <a:ext cx="1206695" cy="431733"/>
           </a:xfrm>
           <a:prstGeom prst="line">
             <a:avLst/>
@@ -14123,7 +14168,7 @@
         </p:blipFill>
         <p:spPr>
           <a:xfrm>
-            <a:off x="6243242" y="3200733"/>
+            <a:off x="6008111" y="3327427"/>
             <a:ext cx="649028" cy="649028"/>
           </a:xfrm>
           <a:prstGeom prst="rect">
@@ -14131,781 +14176,760 @@
           </a:prstGeom>
         </p:spPr>
       </p:pic>
-      <p:grpSp>
-        <p:nvGrpSpPr>
-          <p:cNvPr id="4" name="Group 3">
-            <a:extLst>
-              <a:ext uri="{FF2B5EF4-FFF2-40B4-BE49-F238E27FC236}">
-                <a16:creationId xmlns:a16="http://schemas.microsoft.com/office/drawing/2014/main" id="{4255FBF1-215F-4078-A1D3-9DB69832243E}"/>
-              </a:ext>
-            </a:extLst>
-          </p:cNvPr>
-          <p:cNvGrpSpPr/>
-          <p:nvPr/>
-        </p:nvGrpSpPr>
-        <p:grpSpPr>
+      <p:sp>
+        <p:nvSpPr>
+          <p:cNvPr id="21" name="Oval 20">
+            <a:extLst>
+              <a:ext uri="{FF2B5EF4-FFF2-40B4-BE49-F238E27FC236}">
+                <a16:creationId xmlns:a16="http://schemas.microsoft.com/office/drawing/2014/main" id="{D17D8C7A-2364-4B00-A5D3-C56B7A70D27F}"/>
+              </a:ext>
+            </a:extLst>
+          </p:cNvPr>
+          <p:cNvSpPr/>
+          <p:nvPr/>
+        </p:nvSpPr>
+        <p:spPr>
           <a:xfrm rot="1823761">
-            <a:off x="4879436" y="1254344"/>
-            <a:ext cx="6094068" cy="4162095"/>
-            <a:chOff x="4592332" y="1166539"/>
-            <a:chExt cx="6094068" cy="4162095"/>
-          </a:xfrm>
-        </p:grpSpPr>
-        <p:sp>
-          <p:nvSpPr>
-            <p:cNvPr id="21" name="Oval 20">
-              <a:extLst>
-                <a:ext uri="{FF2B5EF4-FFF2-40B4-BE49-F238E27FC236}">
-                  <a16:creationId xmlns:a16="http://schemas.microsoft.com/office/drawing/2014/main" id="{D17D8C7A-2364-4B00-A5D3-C56B7A70D27F}"/>
-                </a:ext>
-              </a:extLst>
-            </p:cNvPr>
-            <p:cNvSpPr/>
-            <p:nvPr/>
-          </p:nvSpPr>
-          <p:spPr>
-            <a:xfrm>
-              <a:off x="5364155" y="2812669"/>
-              <a:ext cx="227732" cy="227732"/>
-            </a:xfrm>
-            <a:prstGeom prst="ellipse">
-              <a:avLst/>
-            </a:prstGeom>
+            <a:off x="6110782" y="1851019"/>
+            <a:ext cx="227732" cy="227732"/>
+          </a:xfrm>
+          <a:prstGeom prst="ellipse">
+            <a:avLst/>
+          </a:prstGeom>
+          <a:solidFill>
+            <a:schemeClr val="bg1"/>
+          </a:solidFill>
+          <a:ln>
             <a:solidFill>
               <a:schemeClr val="bg1"/>
             </a:solidFill>
-            <a:ln>
+          </a:ln>
+        </p:spPr>
+        <p:style>
+          <a:lnRef idx="2">
+            <a:schemeClr val="accent1">
+              <a:shade val="50000"/>
+            </a:schemeClr>
+          </a:lnRef>
+          <a:fillRef idx="1">
+            <a:schemeClr val="accent1"/>
+          </a:fillRef>
+          <a:effectRef idx="0">
+            <a:schemeClr val="accent1"/>
+          </a:effectRef>
+          <a:fontRef idx="minor">
+            <a:schemeClr val="lt1"/>
+          </a:fontRef>
+        </p:style>
+        <p:txBody>
+          <a:bodyPr rtlCol="0" anchor="ctr"/>
+          <a:lstStyle/>
+          <a:p>
+            <a:pPr algn="ctr"/>
+            <a:endParaRPr lang="es-MX" dirty="0">
               <a:solidFill>
-                <a:schemeClr val="bg1"/>
+                <a:sysClr val="windowText" lastClr="000000"/>
               </a:solidFill>
-            </a:ln>
-          </p:spPr>
-          <p:style>
-            <a:lnRef idx="2">
-              <a:schemeClr val="accent1">
-                <a:shade val="50000"/>
-              </a:schemeClr>
-            </a:lnRef>
-            <a:fillRef idx="1">
-              <a:schemeClr val="accent1"/>
-            </a:fillRef>
-            <a:effectRef idx="0">
-              <a:schemeClr val="accent1"/>
-            </a:effectRef>
-            <a:fontRef idx="minor">
-              <a:schemeClr val="lt1"/>
-            </a:fontRef>
-          </p:style>
-          <p:txBody>
-            <a:bodyPr rtlCol="0" anchor="ctr"/>
-            <a:lstStyle/>
-            <a:p>
-              <a:pPr algn="ctr"/>
-              <a:endParaRPr lang="es-MX" dirty="0">
-                <a:solidFill>
-                  <a:sysClr val="windowText" lastClr="000000"/>
-                </a:solidFill>
-              </a:endParaRPr>
-            </a:p>
-          </p:txBody>
-        </p:sp>
-        <p:sp>
-          <p:nvSpPr>
-            <p:cNvPr id="23" name="Oval 22">
-              <a:extLst>
-                <a:ext uri="{FF2B5EF4-FFF2-40B4-BE49-F238E27FC236}">
-                  <a16:creationId xmlns:a16="http://schemas.microsoft.com/office/drawing/2014/main" id="{0CB06B11-22A5-46DD-A13B-15CE749034A3}"/>
-                </a:ext>
-              </a:extLst>
-            </p:cNvPr>
-            <p:cNvSpPr/>
-            <p:nvPr/>
-          </p:nvSpPr>
-          <p:spPr>
-            <a:xfrm>
-              <a:off x="4592332" y="4802441"/>
-              <a:ext cx="227732" cy="227732"/>
-            </a:xfrm>
-            <a:prstGeom prst="ellipse">
-              <a:avLst/>
-            </a:prstGeom>
+            </a:endParaRPr>
+          </a:p>
+        </p:txBody>
+      </p:sp>
+      <p:sp>
+        <p:nvSpPr>
+          <p:cNvPr id="23" name="Oval 22">
+            <a:extLst>
+              <a:ext uri="{FF2B5EF4-FFF2-40B4-BE49-F238E27FC236}">
+                <a16:creationId xmlns:a16="http://schemas.microsoft.com/office/drawing/2014/main" id="{0CB06B11-22A5-46DD-A13B-15CE749034A3}"/>
+              </a:ext>
+            </a:extLst>
+          </p:cNvPr>
+          <p:cNvSpPr/>
+          <p:nvPr/>
+        </p:nvSpPr>
+        <p:spPr>
+          <a:xfrm rot="1823761">
+            <a:off x="4438274" y="3176772"/>
+            <a:ext cx="227732" cy="227732"/>
+          </a:xfrm>
+          <a:prstGeom prst="ellipse">
+            <a:avLst/>
+          </a:prstGeom>
+          <a:solidFill>
+            <a:schemeClr val="bg1"/>
+          </a:solidFill>
+          <a:ln>
             <a:solidFill>
               <a:schemeClr val="bg1"/>
             </a:solidFill>
-            <a:ln>
+          </a:ln>
+        </p:spPr>
+        <p:style>
+          <a:lnRef idx="2">
+            <a:schemeClr val="accent1">
+              <a:shade val="50000"/>
+            </a:schemeClr>
+          </a:lnRef>
+          <a:fillRef idx="1">
+            <a:schemeClr val="accent1"/>
+          </a:fillRef>
+          <a:effectRef idx="0">
+            <a:schemeClr val="accent1"/>
+          </a:effectRef>
+          <a:fontRef idx="minor">
+            <a:schemeClr val="lt1"/>
+          </a:fontRef>
+        </p:style>
+        <p:txBody>
+          <a:bodyPr rtlCol="0" anchor="ctr"/>
+          <a:lstStyle/>
+          <a:p>
+            <a:pPr algn="ctr"/>
+            <a:endParaRPr lang="es-MX" dirty="0">
               <a:solidFill>
-                <a:schemeClr val="bg1"/>
+                <a:sysClr val="windowText" lastClr="000000"/>
               </a:solidFill>
-            </a:ln>
-          </p:spPr>
-          <p:style>
-            <a:lnRef idx="2">
-              <a:schemeClr val="accent1">
-                <a:shade val="50000"/>
-              </a:schemeClr>
-            </a:lnRef>
-            <a:fillRef idx="1">
-              <a:schemeClr val="accent1"/>
-            </a:fillRef>
-            <a:effectRef idx="0">
-              <a:schemeClr val="accent1"/>
-            </a:effectRef>
-            <a:fontRef idx="minor">
-              <a:schemeClr val="lt1"/>
-            </a:fontRef>
-          </p:style>
-          <p:txBody>
-            <a:bodyPr rtlCol="0" anchor="ctr"/>
-            <a:lstStyle/>
-            <a:p>
-              <a:pPr algn="ctr"/>
-              <a:endParaRPr lang="es-MX" dirty="0">
-                <a:solidFill>
-                  <a:sysClr val="windowText" lastClr="000000"/>
-                </a:solidFill>
-              </a:endParaRPr>
-            </a:p>
-          </p:txBody>
-        </p:sp>
-        <p:sp>
-          <p:nvSpPr>
-            <p:cNvPr id="25" name="Oval 24">
-              <a:extLst>
-                <a:ext uri="{FF2B5EF4-FFF2-40B4-BE49-F238E27FC236}">
-                  <a16:creationId xmlns:a16="http://schemas.microsoft.com/office/drawing/2014/main" id="{5207A54F-DEEC-4DDC-ACFF-4A02261BB8BC}"/>
-                </a:ext>
-              </a:extLst>
-            </p:cNvPr>
-            <p:cNvSpPr/>
-            <p:nvPr/>
-          </p:nvSpPr>
-          <p:spPr>
-            <a:xfrm>
-              <a:off x="5158908" y="4169887"/>
-              <a:ext cx="227732" cy="227732"/>
-            </a:xfrm>
-            <a:prstGeom prst="ellipse">
-              <a:avLst/>
-            </a:prstGeom>
+            </a:endParaRPr>
+          </a:p>
+        </p:txBody>
+      </p:sp>
+      <p:sp>
+        <p:nvSpPr>
+          <p:cNvPr id="25" name="Oval 24">
+            <a:extLst>
+              <a:ext uri="{FF2B5EF4-FFF2-40B4-BE49-F238E27FC236}">
+                <a16:creationId xmlns:a16="http://schemas.microsoft.com/office/drawing/2014/main" id="{5207A54F-DEEC-4DDC-ACFF-4A02261BB8BC}"/>
+              </a:ext>
+            </a:extLst>
+          </p:cNvPr>
+          <p:cNvSpPr/>
+          <p:nvPr/>
+        </p:nvSpPr>
+        <p:spPr>
+          <a:xfrm rot="1823761">
+            <a:off x="5247030" y="2917836"/>
+            <a:ext cx="227732" cy="227732"/>
+          </a:xfrm>
+          <a:prstGeom prst="ellipse">
+            <a:avLst/>
+          </a:prstGeom>
+          <a:solidFill>
+            <a:schemeClr val="bg1"/>
+          </a:solidFill>
+          <a:ln>
             <a:solidFill>
               <a:schemeClr val="bg1"/>
             </a:solidFill>
-            <a:ln>
+          </a:ln>
+        </p:spPr>
+        <p:style>
+          <a:lnRef idx="2">
+            <a:schemeClr val="accent1">
+              <a:shade val="50000"/>
+            </a:schemeClr>
+          </a:lnRef>
+          <a:fillRef idx="1">
+            <a:schemeClr val="accent1"/>
+          </a:fillRef>
+          <a:effectRef idx="0">
+            <a:schemeClr val="accent1"/>
+          </a:effectRef>
+          <a:fontRef idx="minor">
+            <a:schemeClr val="lt1"/>
+          </a:fontRef>
+        </p:style>
+        <p:txBody>
+          <a:bodyPr rtlCol="0" anchor="ctr"/>
+          <a:lstStyle/>
+          <a:p>
+            <a:pPr algn="ctr"/>
+            <a:endParaRPr lang="es-MX" dirty="0">
               <a:solidFill>
-                <a:schemeClr val="bg1"/>
+                <a:sysClr val="windowText" lastClr="000000"/>
               </a:solidFill>
-            </a:ln>
-          </p:spPr>
-          <p:style>
-            <a:lnRef idx="2">
-              <a:schemeClr val="accent1">
-                <a:shade val="50000"/>
-              </a:schemeClr>
-            </a:lnRef>
-            <a:fillRef idx="1">
-              <a:schemeClr val="accent1"/>
-            </a:fillRef>
-            <a:effectRef idx="0">
-              <a:schemeClr val="accent1"/>
-            </a:effectRef>
-            <a:fontRef idx="minor">
-              <a:schemeClr val="lt1"/>
-            </a:fontRef>
-          </p:style>
-          <p:txBody>
-            <a:bodyPr rtlCol="0" anchor="ctr"/>
-            <a:lstStyle/>
-            <a:p>
-              <a:pPr algn="ctr"/>
-              <a:endParaRPr lang="es-MX" dirty="0">
-                <a:solidFill>
-                  <a:sysClr val="windowText" lastClr="000000"/>
-                </a:solidFill>
-              </a:endParaRPr>
-            </a:p>
-          </p:txBody>
-        </p:sp>
-        <p:sp>
-          <p:nvSpPr>
-            <p:cNvPr id="27" name="Oval 26">
-              <a:extLst>
-                <a:ext uri="{FF2B5EF4-FFF2-40B4-BE49-F238E27FC236}">
-                  <a16:creationId xmlns:a16="http://schemas.microsoft.com/office/drawing/2014/main" id="{DA95D1DD-572E-40B3-A6E3-35B46DB44550}"/>
-                </a:ext>
-              </a:extLst>
-            </p:cNvPr>
-            <p:cNvSpPr/>
-            <p:nvPr/>
-          </p:nvSpPr>
-          <p:spPr>
-            <a:xfrm>
-              <a:off x="7122128" y="3315134"/>
-              <a:ext cx="227732" cy="227732"/>
-            </a:xfrm>
-            <a:prstGeom prst="ellipse">
-              <a:avLst/>
-            </a:prstGeom>
+            </a:endParaRPr>
+          </a:p>
+        </p:txBody>
+      </p:sp>
+      <p:sp>
+        <p:nvSpPr>
+          <p:cNvPr id="27" name="Oval 26">
+            <a:extLst>
+              <a:ext uri="{FF2B5EF4-FFF2-40B4-BE49-F238E27FC236}">
+                <a16:creationId xmlns:a16="http://schemas.microsoft.com/office/drawing/2014/main" id="{DA95D1DD-572E-40B3-A6E3-35B46DB44550}"/>
+              </a:ext>
+            </a:extLst>
+          </p:cNvPr>
+          <p:cNvSpPr/>
+          <p:nvPr/>
+        </p:nvSpPr>
+        <p:spPr>
+          <a:xfrm rot="1823761">
+            <a:off x="7372885" y="3173908"/>
+            <a:ext cx="227732" cy="227732"/>
+          </a:xfrm>
+          <a:prstGeom prst="ellipse">
+            <a:avLst/>
+          </a:prstGeom>
+          <a:solidFill>
+            <a:schemeClr val="bg1"/>
+          </a:solidFill>
+          <a:ln>
             <a:solidFill>
               <a:schemeClr val="bg1"/>
             </a:solidFill>
-            <a:ln>
+          </a:ln>
+        </p:spPr>
+        <p:style>
+          <a:lnRef idx="2">
+            <a:schemeClr val="accent1">
+              <a:shade val="50000"/>
+            </a:schemeClr>
+          </a:lnRef>
+          <a:fillRef idx="1">
+            <a:schemeClr val="accent1"/>
+          </a:fillRef>
+          <a:effectRef idx="0">
+            <a:schemeClr val="accent1"/>
+          </a:effectRef>
+          <a:fontRef idx="minor">
+            <a:schemeClr val="lt1"/>
+          </a:fontRef>
+        </p:style>
+        <p:txBody>
+          <a:bodyPr rtlCol="0" anchor="ctr"/>
+          <a:lstStyle/>
+          <a:p>
+            <a:pPr algn="ctr"/>
+            <a:endParaRPr lang="es-MX" dirty="0">
               <a:solidFill>
-                <a:schemeClr val="bg1"/>
+                <a:sysClr val="windowText" lastClr="000000"/>
               </a:solidFill>
-            </a:ln>
-          </p:spPr>
-          <p:style>
-            <a:lnRef idx="2">
-              <a:schemeClr val="accent1">
-                <a:shade val="50000"/>
-              </a:schemeClr>
-            </a:lnRef>
-            <a:fillRef idx="1">
-              <a:schemeClr val="accent1"/>
-            </a:fillRef>
-            <a:effectRef idx="0">
-              <a:schemeClr val="accent1"/>
-            </a:effectRef>
-            <a:fontRef idx="minor">
-              <a:schemeClr val="lt1"/>
-            </a:fontRef>
-          </p:style>
-          <p:txBody>
-            <a:bodyPr rtlCol="0" anchor="ctr"/>
-            <a:lstStyle/>
-            <a:p>
-              <a:pPr algn="ctr"/>
-              <a:endParaRPr lang="es-MX" dirty="0">
-                <a:solidFill>
-                  <a:sysClr val="windowText" lastClr="000000"/>
-                </a:solidFill>
-              </a:endParaRPr>
-            </a:p>
-          </p:txBody>
-        </p:sp>
-        <p:sp>
-          <p:nvSpPr>
-            <p:cNvPr id="29" name="Oval 28">
-              <a:extLst>
-                <a:ext uri="{FF2B5EF4-FFF2-40B4-BE49-F238E27FC236}">
-                  <a16:creationId xmlns:a16="http://schemas.microsoft.com/office/drawing/2014/main" id="{E0A59819-FC03-4E9A-BE0F-F13BE6288264}"/>
-                </a:ext>
-              </a:extLst>
-            </p:cNvPr>
-            <p:cNvSpPr/>
-            <p:nvPr/>
-          </p:nvSpPr>
-          <p:spPr>
-            <a:xfrm>
-              <a:off x="6552131" y="2199186"/>
-              <a:ext cx="227732" cy="227732"/>
-            </a:xfrm>
-            <a:prstGeom prst="ellipse">
-              <a:avLst/>
-            </a:prstGeom>
+            </a:endParaRPr>
+          </a:p>
+        </p:txBody>
+      </p:sp>
+      <p:sp>
+        <p:nvSpPr>
+          <p:cNvPr id="29" name="Oval 28">
+            <a:extLst>
+              <a:ext uri="{FF2B5EF4-FFF2-40B4-BE49-F238E27FC236}">
+                <a16:creationId xmlns:a16="http://schemas.microsoft.com/office/drawing/2014/main" id="{E0A59819-FC03-4E9A-BE0F-F13BE6288264}"/>
+              </a:ext>
+            </a:extLst>
+          </p:cNvPr>
+          <p:cNvSpPr/>
+          <p:nvPr/>
+        </p:nvSpPr>
+        <p:spPr>
+          <a:xfrm rot="1823761">
+            <a:off x="7445876" y="1922945"/>
+            <a:ext cx="227732" cy="227732"/>
+          </a:xfrm>
+          <a:prstGeom prst="ellipse">
+            <a:avLst/>
+          </a:prstGeom>
+          <a:solidFill>
+            <a:schemeClr val="bg1"/>
+          </a:solidFill>
+          <a:ln>
             <a:solidFill>
               <a:schemeClr val="bg1"/>
             </a:solidFill>
-            <a:ln>
+          </a:ln>
+        </p:spPr>
+        <p:style>
+          <a:lnRef idx="2">
+            <a:schemeClr val="accent1">
+              <a:shade val="50000"/>
+            </a:schemeClr>
+          </a:lnRef>
+          <a:fillRef idx="1">
+            <a:schemeClr val="accent1"/>
+          </a:fillRef>
+          <a:effectRef idx="0">
+            <a:schemeClr val="accent1"/>
+          </a:effectRef>
+          <a:fontRef idx="minor">
+            <a:schemeClr val="lt1"/>
+          </a:fontRef>
+        </p:style>
+        <p:txBody>
+          <a:bodyPr rtlCol="0" anchor="ctr"/>
+          <a:lstStyle/>
+          <a:p>
+            <a:pPr algn="ctr"/>
+            <a:endParaRPr lang="es-MX" dirty="0">
               <a:solidFill>
-                <a:schemeClr val="bg1"/>
+                <a:sysClr val="windowText" lastClr="000000"/>
               </a:solidFill>
-            </a:ln>
-          </p:spPr>
-          <p:style>
-            <a:lnRef idx="2">
-              <a:schemeClr val="accent1">
-                <a:shade val="50000"/>
-              </a:schemeClr>
-            </a:lnRef>
-            <a:fillRef idx="1">
-              <a:schemeClr val="accent1"/>
-            </a:fillRef>
-            <a:effectRef idx="0">
-              <a:schemeClr val="accent1"/>
-            </a:effectRef>
-            <a:fontRef idx="minor">
-              <a:schemeClr val="lt1"/>
-            </a:fontRef>
-          </p:style>
-          <p:txBody>
-            <a:bodyPr rtlCol="0" anchor="ctr"/>
-            <a:lstStyle/>
-            <a:p>
-              <a:pPr algn="ctr"/>
-              <a:endParaRPr lang="es-MX" dirty="0">
-                <a:solidFill>
-                  <a:sysClr val="windowText" lastClr="000000"/>
-                </a:solidFill>
-              </a:endParaRPr>
-            </a:p>
-          </p:txBody>
-        </p:sp>
-        <p:sp>
-          <p:nvSpPr>
-            <p:cNvPr id="16" name="Oval 15">
-              <a:extLst>
-                <a:ext uri="{FF2B5EF4-FFF2-40B4-BE49-F238E27FC236}">
-                  <a16:creationId xmlns:a16="http://schemas.microsoft.com/office/drawing/2014/main" id="{2482FA3C-CE29-4628-AD12-565CF24C6801}"/>
-                </a:ext>
-              </a:extLst>
-            </p:cNvPr>
-            <p:cNvSpPr/>
-            <p:nvPr/>
-          </p:nvSpPr>
-          <p:spPr>
-            <a:xfrm>
-              <a:off x="8075710" y="3315134"/>
-              <a:ext cx="227732" cy="227732"/>
-            </a:xfrm>
-            <a:prstGeom prst="ellipse">
-              <a:avLst/>
-            </a:prstGeom>
+            </a:endParaRPr>
+          </a:p>
+        </p:txBody>
+      </p:sp>
+      <p:sp>
+        <p:nvSpPr>
+          <p:cNvPr id="16" name="Oval 15">
+            <a:extLst>
+              <a:ext uri="{FF2B5EF4-FFF2-40B4-BE49-F238E27FC236}">
+                <a16:creationId xmlns:a16="http://schemas.microsoft.com/office/drawing/2014/main" id="{2482FA3C-CE29-4628-AD12-565CF24C6801}"/>
+              </a:ext>
+            </a:extLst>
+          </p:cNvPr>
+          <p:cNvSpPr/>
+          <p:nvPr/>
+        </p:nvSpPr>
+        <p:spPr>
+          <a:xfrm rot="1823761">
+            <a:off x="8195397" y="3656395"/>
+            <a:ext cx="227732" cy="227732"/>
+          </a:xfrm>
+          <a:prstGeom prst="ellipse">
+            <a:avLst/>
+          </a:prstGeom>
+          <a:solidFill>
+            <a:schemeClr val="bg1"/>
+          </a:solidFill>
+          <a:ln>
             <a:solidFill>
               <a:schemeClr val="bg1"/>
             </a:solidFill>
-            <a:ln>
+          </a:ln>
+        </p:spPr>
+        <p:style>
+          <a:lnRef idx="2">
+            <a:schemeClr val="accent1">
+              <a:shade val="50000"/>
+            </a:schemeClr>
+          </a:lnRef>
+          <a:fillRef idx="1">
+            <a:schemeClr val="accent1"/>
+          </a:fillRef>
+          <a:effectRef idx="0">
+            <a:schemeClr val="accent1"/>
+          </a:effectRef>
+          <a:fontRef idx="minor">
+            <a:schemeClr val="lt1"/>
+          </a:fontRef>
+        </p:style>
+        <p:txBody>
+          <a:bodyPr rtlCol="0" anchor="ctr"/>
+          <a:lstStyle/>
+          <a:p>
+            <a:pPr algn="ctr"/>
+            <a:endParaRPr lang="es-MX" dirty="0">
               <a:solidFill>
-                <a:schemeClr val="bg1"/>
+                <a:sysClr val="windowText" lastClr="000000"/>
               </a:solidFill>
-            </a:ln>
-          </p:spPr>
-          <p:style>
-            <a:lnRef idx="2">
-              <a:schemeClr val="accent1">
-                <a:shade val="50000"/>
-              </a:schemeClr>
-            </a:lnRef>
-            <a:fillRef idx="1">
-              <a:schemeClr val="accent1"/>
-            </a:fillRef>
-            <a:effectRef idx="0">
-              <a:schemeClr val="accent1"/>
-            </a:effectRef>
-            <a:fontRef idx="minor">
-              <a:schemeClr val="lt1"/>
-            </a:fontRef>
-          </p:style>
-          <p:txBody>
-            <a:bodyPr rtlCol="0" anchor="ctr"/>
-            <a:lstStyle/>
-            <a:p>
-              <a:pPr algn="ctr"/>
-              <a:endParaRPr lang="es-MX" dirty="0">
-                <a:solidFill>
-                  <a:sysClr val="windowText" lastClr="000000"/>
-                </a:solidFill>
-              </a:endParaRPr>
-            </a:p>
-          </p:txBody>
-        </p:sp>
-        <p:sp>
-          <p:nvSpPr>
-            <p:cNvPr id="18" name="Oval 17">
-              <a:extLst>
-                <a:ext uri="{FF2B5EF4-FFF2-40B4-BE49-F238E27FC236}">
-                  <a16:creationId xmlns:a16="http://schemas.microsoft.com/office/drawing/2014/main" id="{EF3C037C-9E3A-4991-AE5F-94FE1E04D7BA}"/>
-                </a:ext>
-              </a:extLst>
-            </p:cNvPr>
-            <p:cNvSpPr/>
-            <p:nvPr/>
-          </p:nvSpPr>
-          <p:spPr>
-            <a:xfrm>
-              <a:off x="9454775" y="2368996"/>
-              <a:ext cx="227732" cy="227732"/>
-            </a:xfrm>
-            <a:prstGeom prst="ellipse">
-              <a:avLst/>
-            </a:prstGeom>
+            </a:endParaRPr>
+          </a:p>
+        </p:txBody>
+      </p:sp>
+      <p:sp>
+        <p:nvSpPr>
+          <p:cNvPr id="18" name="Oval 17">
+            <a:extLst>
+              <a:ext uri="{FF2B5EF4-FFF2-40B4-BE49-F238E27FC236}">
+                <a16:creationId xmlns:a16="http://schemas.microsoft.com/office/drawing/2014/main" id="{EF3C037C-9E3A-4991-AE5F-94FE1E04D7BA}"/>
+              </a:ext>
+            </a:extLst>
+          </p:cNvPr>
+          <p:cNvSpPr/>
+          <p:nvPr/>
+        </p:nvSpPr>
+        <p:spPr>
+          <a:xfrm rot="1823761">
+            <a:off x="9863628" y="3538076"/>
+            <a:ext cx="227732" cy="227732"/>
+          </a:xfrm>
+          <a:prstGeom prst="ellipse">
+            <a:avLst/>
+          </a:prstGeom>
+          <a:solidFill>
+            <a:schemeClr val="bg1"/>
+          </a:solidFill>
+          <a:ln>
             <a:solidFill>
               <a:schemeClr val="bg1"/>
             </a:solidFill>
-            <a:ln>
+          </a:ln>
+        </p:spPr>
+        <p:style>
+          <a:lnRef idx="2">
+            <a:schemeClr val="accent1">
+              <a:shade val="50000"/>
+            </a:schemeClr>
+          </a:lnRef>
+          <a:fillRef idx="1">
+            <a:schemeClr val="accent1"/>
+          </a:fillRef>
+          <a:effectRef idx="0">
+            <a:schemeClr val="accent1"/>
+          </a:effectRef>
+          <a:fontRef idx="minor">
+            <a:schemeClr val="lt1"/>
+          </a:fontRef>
+        </p:style>
+        <p:txBody>
+          <a:bodyPr rtlCol="0" anchor="ctr"/>
+          <a:lstStyle/>
+          <a:p>
+            <a:pPr algn="ctr"/>
+            <a:endParaRPr lang="es-MX" dirty="0">
               <a:solidFill>
-                <a:schemeClr val="bg1"/>
+                <a:sysClr val="windowText" lastClr="000000"/>
               </a:solidFill>
-            </a:ln>
-          </p:spPr>
-          <p:style>
-            <a:lnRef idx="2">
-              <a:schemeClr val="accent1">
-                <a:shade val="50000"/>
-              </a:schemeClr>
-            </a:lnRef>
-            <a:fillRef idx="1">
-              <a:schemeClr val="accent1"/>
-            </a:fillRef>
-            <a:effectRef idx="0">
-              <a:schemeClr val="accent1"/>
-            </a:effectRef>
-            <a:fontRef idx="minor">
-              <a:schemeClr val="lt1"/>
-            </a:fontRef>
-          </p:style>
-          <p:txBody>
-            <a:bodyPr rtlCol="0" anchor="ctr"/>
-            <a:lstStyle/>
-            <a:p>
-              <a:pPr algn="ctr"/>
-              <a:endParaRPr lang="es-MX" dirty="0">
-                <a:solidFill>
-                  <a:sysClr val="windowText" lastClr="000000"/>
-                </a:solidFill>
-              </a:endParaRPr>
-            </a:p>
-          </p:txBody>
-        </p:sp>
-        <p:sp>
-          <p:nvSpPr>
-            <p:cNvPr id="20" name="Oval 19">
-              <a:extLst>
-                <a:ext uri="{FF2B5EF4-FFF2-40B4-BE49-F238E27FC236}">
-                  <a16:creationId xmlns:a16="http://schemas.microsoft.com/office/drawing/2014/main" id="{257CF7D6-15E1-485E-8622-296F73C71668}"/>
-                </a:ext>
-              </a:extLst>
-            </p:cNvPr>
-            <p:cNvSpPr/>
-            <p:nvPr/>
-          </p:nvSpPr>
-          <p:spPr>
-            <a:xfrm>
-              <a:off x="10458668" y="1166539"/>
-              <a:ext cx="227732" cy="227732"/>
-            </a:xfrm>
-            <a:prstGeom prst="ellipse">
-              <a:avLst/>
-            </a:prstGeom>
+            </a:endParaRPr>
+          </a:p>
+        </p:txBody>
+      </p:sp>
+      <p:sp>
+        <p:nvSpPr>
+          <p:cNvPr id="20" name="Oval 19">
+            <a:extLst>
+              <a:ext uri="{FF2B5EF4-FFF2-40B4-BE49-F238E27FC236}">
+                <a16:creationId xmlns:a16="http://schemas.microsoft.com/office/drawing/2014/main" id="{257CF7D6-15E1-485E-8622-296F73C71668}"/>
+              </a:ext>
+            </a:extLst>
+          </p:cNvPr>
+          <p:cNvSpPr/>
+          <p:nvPr/>
+        </p:nvSpPr>
+        <p:spPr>
+          <a:xfrm rot="1823761">
+            <a:off x="11337947" y="3008842"/>
+            <a:ext cx="227732" cy="227732"/>
+          </a:xfrm>
+          <a:prstGeom prst="ellipse">
+            <a:avLst/>
+          </a:prstGeom>
+          <a:solidFill>
+            <a:schemeClr val="bg1"/>
+          </a:solidFill>
+          <a:ln>
             <a:solidFill>
               <a:schemeClr val="bg1"/>
             </a:solidFill>
-            <a:ln>
+          </a:ln>
+        </p:spPr>
+        <p:style>
+          <a:lnRef idx="2">
+            <a:schemeClr val="accent1">
+              <a:shade val="50000"/>
+            </a:schemeClr>
+          </a:lnRef>
+          <a:fillRef idx="1">
+            <a:schemeClr val="accent1"/>
+          </a:fillRef>
+          <a:effectRef idx="0">
+            <a:schemeClr val="accent1"/>
+          </a:effectRef>
+          <a:fontRef idx="minor">
+            <a:schemeClr val="lt1"/>
+          </a:fontRef>
+        </p:style>
+        <p:txBody>
+          <a:bodyPr rtlCol="0" anchor="ctr"/>
+          <a:lstStyle/>
+          <a:p>
+            <a:pPr algn="ctr"/>
+            <a:endParaRPr lang="es-MX" dirty="0">
               <a:solidFill>
-                <a:schemeClr val="bg1"/>
+                <a:sysClr val="windowText" lastClr="000000"/>
               </a:solidFill>
-            </a:ln>
-          </p:spPr>
-          <p:style>
-            <a:lnRef idx="2">
-              <a:schemeClr val="accent1">
-                <a:shade val="50000"/>
-              </a:schemeClr>
-            </a:lnRef>
-            <a:fillRef idx="1">
-              <a:schemeClr val="accent1"/>
-            </a:fillRef>
-            <a:effectRef idx="0">
-              <a:schemeClr val="accent1"/>
-            </a:effectRef>
-            <a:fontRef idx="minor">
-              <a:schemeClr val="lt1"/>
-            </a:fontRef>
-          </p:style>
-          <p:txBody>
-            <a:bodyPr rtlCol="0" anchor="ctr"/>
-            <a:lstStyle/>
-            <a:p>
-              <a:pPr algn="ctr"/>
-              <a:endParaRPr lang="es-MX" dirty="0">
-                <a:solidFill>
-                  <a:sysClr val="windowText" lastClr="000000"/>
-                </a:solidFill>
-              </a:endParaRPr>
-            </a:p>
-          </p:txBody>
-        </p:sp>
-        <p:sp>
-          <p:nvSpPr>
-            <p:cNvPr id="43" name="Oval 42">
-              <a:extLst>
-                <a:ext uri="{FF2B5EF4-FFF2-40B4-BE49-F238E27FC236}">
-                  <a16:creationId xmlns:a16="http://schemas.microsoft.com/office/drawing/2014/main" id="{6FB06464-092D-47F0-B78C-2FFCE9746ECF}"/>
-                </a:ext>
-              </a:extLst>
-            </p:cNvPr>
-            <p:cNvSpPr/>
-            <p:nvPr/>
-          </p:nvSpPr>
-          <p:spPr>
-            <a:xfrm>
-              <a:off x="7019602" y="5100902"/>
-              <a:ext cx="227732" cy="227732"/>
-            </a:xfrm>
-            <a:prstGeom prst="ellipse">
-              <a:avLst/>
-            </a:prstGeom>
+            </a:endParaRPr>
+          </a:p>
+        </p:txBody>
+      </p:sp>
+      <p:sp>
+        <p:nvSpPr>
+          <p:cNvPr id="43" name="Oval 42">
+            <a:extLst>
+              <a:ext uri="{FF2B5EF4-FFF2-40B4-BE49-F238E27FC236}">
+                <a16:creationId xmlns:a16="http://schemas.microsoft.com/office/drawing/2014/main" id="{6FB06464-092D-47F0-B78C-2FFCE9746ECF}"/>
+              </a:ext>
+            </a:extLst>
+          </p:cNvPr>
+          <p:cNvSpPr/>
+          <p:nvPr/>
+        </p:nvSpPr>
+        <p:spPr>
+          <a:xfrm rot="1823761">
+            <a:off x="6380900" y="4662345"/>
+            <a:ext cx="227732" cy="227732"/>
+          </a:xfrm>
+          <a:prstGeom prst="ellipse">
+            <a:avLst/>
+          </a:prstGeom>
+          <a:solidFill>
+            <a:schemeClr val="bg1"/>
+          </a:solidFill>
+          <a:ln>
             <a:solidFill>
               <a:schemeClr val="bg1"/>
             </a:solidFill>
-            <a:ln>
+          </a:ln>
+        </p:spPr>
+        <p:style>
+          <a:lnRef idx="2">
+            <a:schemeClr val="accent1">
+              <a:shade val="50000"/>
+            </a:schemeClr>
+          </a:lnRef>
+          <a:fillRef idx="1">
+            <a:schemeClr val="accent1"/>
+          </a:fillRef>
+          <a:effectRef idx="0">
+            <a:schemeClr val="accent1"/>
+          </a:effectRef>
+          <a:fontRef idx="minor">
+            <a:schemeClr val="lt1"/>
+          </a:fontRef>
+        </p:style>
+        <p:txBody>
+          <a:bodyPr rtlCol="0" anchor="ctr"/>
+          <a:lstStyle/>
+          <a:p>
+            <a:pPr algn="ctr"/>
+            <a:endParaRPr lang="es-MX" dirty="0">
               <a:solidFill>
-                <a:schemeClr val="bg1"/>
+                <a:sysClr val="windowText" lastClr="000000"/>
               </a:solidFill>
-            </a:ln>
-          </p:spPr>
-          <p:style>
-            <a:lnRef idx="2">
-              <a:schemeClr val="accent1">
-                <a:shade val="50000"/>
-              </a:schemeClr>
-            </a:lnRef>
-            <a:fillRef idx="1">
-              <a:schemeClr val="accent1"/>
-            </a:fillRef>
-            <a:effectRef idx="0">
-              <a:schemeClr val="accent1"/>
-            </a:effectRef>
-            <a:fontRef idx="minor">
-              <a:schemeClr val="lt1"/>
-            </a:fontRef>
-          </p:style>
-          <p:txBody>
-            <a:bodyPr rtlCol="0" anchor="ctr"/>
-            <a:lstStyle/>
-            <a:p>
-              <a:pPr algn="ctr"/>
-              <a:endParaRPr lang="es-MX" dirty="0">
-                <a:solidFill>
-                  <a:sysClr val="windowText" lastClr="000000"/>
-                </a:solidFill>
-              </a:endParaRPr>
-            </a:p>
-          </p:txBody>
-        </p:sp>
-        <p:sp>
-          <p:nvSpPr>
-            <p:cNvPr id="44" name="Oval 43">
-              <a:extLst>
-                <a:ext uri="{FF2B5EF4-FFF2-40B4-BE49-F238E27FC236}">
-                  <a16:creationId xmlns:a16="http://schemas.microsoft.com/office/drawing/2014/main" id="{6469A702-B120-4E64-879C-4A19BAD0DD58}"/>
-                </a:ext>
-              </a:extLst>
-            </p:cNvPr>
-            <p:cNvSpPr/>
-            <p:nvPr/>
-          </p:nvSpPr>
-          <p:spPr>
-            <a:xfrm>
-              <a:off x="6449605" y="3984954"/>
-              <a:ext cx="227732" cy="227732"/>
-            </a:xfrm>
-            <a:prstGeom prst="ellipse">
-              <a:avLst/>
-            </a:prstGeom>
+            </a:endParaRPr>
+          </a:p>
+        </p:txBody>
+      </p:sp>
+      <p:sp>
+        <p:nvSpPr>
+          <p:cNvPr id="44" name="Oval 43">
+            <a:extLst>
+              <a:ext uri="{FF2B5EF4-FFF2-40B4-BE49-F238E27FC236}">
+                <a16:creationId xmlns:a16="http://schemas.microsoft.com/office/drawing/2014/main" id="{6469A702-B120-4E64-879C-4A19BAD0DD58}"/>
+              </a:ext>
+            </a:extLst>
+          </p:cNvPr>
+          <p:cNvSpPr/>
+          <p:nvPr/>
+        </p:nvSpPr>
+        <p:spPr>
+          <a:xfrm rot="1823761">
+            <a:off x="6218759" y="3538075"/>
+            <a:ext cx="227732" cy="227732"/>
+          </a:xfrm>
+          <a:prstGeom prst="ellipse">
+            <a:avLst/>
+          </a:prstGeom>
+          <a:solidFill>
+            <a:schemeClr val="bg1"/>
+          </a:solidFill>
+          <a:ln>
             <a:solidFill>
               <a:schemeClr val="bg1"/>
             </a:solidFill>
-            <a:ln>
+          </a:ln>
+        </p:spPr>
+        <p:style>
+          <a:lnRef idx="2">
+            <a:schemeClr val="accent1">
+              <a:shade val="50000"/>
+            </a:schemeClr>
+          </a:lnRef>
+          <a:fillRef idx="1">
+            <a:schemeClr val="accent1"/>
+          </a:fillRef>
+          <a:effectRef idx="0">
+            <a:schemeClr val="accent1"/>
+          </a:effectRef>
+          <a:fontRef idx="minor">
+            <a:schemeClr val="lt1"/>
+          </a:fontRef>
+        </p:style>
+        <p:txBody>
+          <a:bodyPr rtlCol="0" anchor="ctr"/>
+          <a:lstStyle/>
+          <a:p>
+            <a:pPr algn="ctr"/>
+            <a:endParaRPr lang="es-MX" dirty="0">
               <a:solidFill>
-                <a:schemeClr val="bg1"/>
+                <a:sysClr val="windowText" lastClr="000000"/>
               </a:solidFill>
-            </a:ln>
-          </p:spPr>
-          <p:style>
-            <a:lnRef idx="2">
-              <a:schemeClr val="accent1">
-                <a:shade val="50000"/>
-              </a:schemeClr>
-            </a:lnRef>
-            <a:fillRef idx="1">
-              <a:schemeClr val="accent1"/>
-            </a:fillRef>
-            <a:effectRef idx="0">
-              <a:schemeClr val="accent1"/>
-            </a:effectRef>
-            <a:fontRef idx="minor">
-              <a:schemeClr val="lt1"/>
-            </a:fontRef>
-          </p:style>
-          <p:txBody>
-            <a:bodyPr rtlCol="0" anchor="ctr"/>
-            <a:lstStyle/>
-            <a:p>
-              <a:pPr algn="ctr"/>
-              <a:endParaRPr lang="es-MX" dirty="0">
-                <a:solidFill>
-                  <a:sysClr val="windowText" lastClr="000000"/>
-                </a:solidFill>
-              </a:endParaRPr>
-            </a:p>
-          </p:txBody>
-        </p:sp>
-        <p:sp>
-          <p:nvSpPr>
-            <p:cNvPr id="45" name="Oval 44">
-              <a:extLst>
-                <a:ext uri="{FF2B5EF4-FFF2-40B4-BE49-F238E27FC236}">
-                  <a16:creationId xmlns:a16="http://schemas.microsoft.com/office/drawing/2014/main" id="{B08AAF40-4A51-475B-9B08-4CC33BCD93ED}"/>
-                </a:ext>
-              </a:extLst>
-            </p:cNvPr>
-            <p:cNvSpPr/>
-            <p:nvPr/>
-          </p:nvSpPr>
-          <p:spPr>
-            <a:xfrm>
-              <a:off x="7973184" y="5100902"/>
-              <a:ext cx="227732" cy="227732"/>
-            </a:xfrm>
-            <a:prstGeom prst="ellipse">
-              <a:avLst/>
-            </a:prstGeom>
+            </a:endParaRPr>
+          </a:p>
+        </p:txBody>
+      </p:sp>
+      <p:sp>
+        <p:nvSpPr>
+          <p:cNvPr id="45" name="Oval 44">
+            <a:extLst>
+              <a:ext uri="{FF2B5EF4-FFF2-40B4-BE49-F238E27FC236}">
+                <a16:creationId xmlns:a16="http://schemas.microsoft.com/office/drawing/2014/main" id="{B08AAF40-4A51-475B-9B08-4CC33BCD93ED}"/>
+              </a:ext>
+            </a:extLst>
+          </p:cNvPr>
+          <p:cNvSpPr/>
+          <p:nvPr/>
+        </p:nvSpPr>
+        <p:spPr>
+          <a:xfrm rot="1823761">
+            <a:off x="7203411" y="5144832"/>
+            <a:ext cx="227732" cy="227732"/>
+          </a:xfrm>
+          <a:prstGeom prst="ellipse">
+            <a:avLst/>
+          </a:prstGeom>
+          <a:solidFill>
+            <a:schemeClr val="bg1"/>
+          </a:solidFill>
+          <a:ln>
             <a:solidFill>
               <a:schemeClr val="bg1"/>
             </a:solidFill>
-            <a:ln>
+          </a:ln>
+        </p:spPr>
+        <p:style>
+          <a:lnRef idx="2">
+            <a:schemeClr val="accent1">
+              <a:shade val="50000"/>
+            </a:schemeClr>
+          </a:lnRef>
+          <a:fillRef idx="1">
+            <a:schemeClr val="accent1"/>
+          </a:fillRef>
+          <a:effectRef idx="0">
+            <a:schemeClr val="accent1"/>
+          </a:effectRef>
+          <a:fontRef idx="minor">
+            <a:schemeClr val="lt1"/>
+          </a:fontRef>
+        </p:style>
+        <p:txBody>
+          <a:bodyPr rtlCol="0" anchor="ctr"/>
+          <a:lstStyle/>
+          <a:p>
+            <a:pPr algn="ctr"/>
+            <a:endParaRPr lang="es-MX" dirty="0">
               <a:solidFill>
-                <a:schemeClr val="bg1"/>
+                <a:sysClr val="windowText" lastClr="000000"/>
               </a:solidFill>
-            </a:ln>
-          </p:spPr>
-          <p:style>
-            <a:lnRef idx="2">
-              <a:schemeClr val="accent1">
-                <a:shade val="50000"/>
-              </a:schemeClr>
-            </a:lnRef>
-            <a:fillRef idx="1">
-              <a:schemeClr val="accent1"/>
-            </a:fillRef>
-            <a:effectRef idx="0">
-              <a:schemeClr val="accent1"/>
-            </a:effectRef>
-            <a:fontRef idx="minor">
-              <a:schemeClr val="lt1"/>
-            </a:fontRef>
-          </p:style>
-          <p:txBody>
-            <a:bodyPr rtlCol="0" anchor="ctr"/>
-            <a:lstStyle/>
-            <a:p>
-              <a:pPr algn="ctr"/>
-              <a:endParaRPr lang="es-MX" dirty="0">
-                <a:solidFill>
-                  <a:sysClr val="windowText" lastClr="000000"/>
-                </a:solidFill>
-              </a:endParaRPr>
-            </a:p>
-          </p:txBody>
-        </p:sp>
-        <p:sp>
-          <p:nvSpPr>
-            <p:cNvPr id="46" name="Oval 45">
-              <a:extLst>
-                <a:ext uri="{FF2B5EF4-FFF2-40B4-BE49-F238E27FC236}">
-                  <a16:creationId xmlns:a16="http://schemas.microsoft.com/office/drawing/2014/main" id="{CBA10ECD-9113-4F20-B24C-747A0E440F66}"/>
-                </a:ext>
-              </a:extLst>
-            </p:cNvPr>
-            <p:cNvSpPr/>
-            <p:nvPr/>
-          </p:nvSpPr>
-          <p:spPr>
-            <a:xfrm>
-              <a:off x="9340909" y="4508139"/>
-              <a:ext cx="227732" cy="227732"/>
-            </a:xfrm>
-            <a:prstGeom prst="ellipse">
-              <a:avLst/>
-            </a:prstGeom>
+            </a:endParaRPr>
+          </a:p>
+        </p:txBody>
+      </p:sp>
+      <p:sp>
+        <p:nvSpPr>
+          <p:cNvPr id="46" name="Oval 45">
+            <a:extLst>
+              <a:ext uri="{FF2B5EF4-FFF2-40B4-BE49-F238E27FC236}">
+                <a16:creationId xmlns:a16="http://schemas.microsoft.com/office/drawing/2014/main" id="{CBA10ECD-9113-4F20-B24C-747A0E440F66}"/>
+              </a:ext>
+            </a:extLst>
+          </p:cNvPr>
+          <p:cNvSpPr/>
+          <p:nvPr/>
+        </p:nvSpPr>
+        <p:spPr>
+          <a:xfrm rot="1823761">
+            <a:off x="8683063" y="5325578"/>
+            <a:ext cx="227732" cy="227732"/>
+          </a:xfrm>
+          <a:prstGeom prst="ellipse">
+            <a:avLst/>
+          </a:prstGeom>
+          <a:solidFill>
+            <a:schemeClr val="bg1"/>
+          </a:solidFill>
+          <a:ln>
             <a:solidFill>
               <a:schemeClr val="bg1"/>
             </a:solidFill>
-            <a:ln>
+          </a:ln>
+        </p:spPr>
+        <p:style>
+          <a:lnRef idx="2">
+            <a:schemeClr val="accent1">
+              <a:shade val="50000"/>
+            </a:schemeClr>
+          </a:lnRef>
+          <a:fillRef idx="1">
+            <a:schemeClr val="accent1"/>
+          </a:fillRef>
+          <a:effectRef idx="0">
+            <a:schemeClr val="accent1"/>
+          </a:effectRef>
+          <a:fontRef idx="minor">
+            <a:schemeClr val="lt1"/>
+          </a:fontRef>
+        </p:style>
+        <p:txBody>
+          <a:bodyPr rtlCol="0" anchor="ctr"/>
+          <a:lstStyle/>
+          <a:p>
+            <a:pPr algn="ctr"/>
+            <a:endParaRPr lang="es-MX" dirty="0">
               <a:solidFill>
-                <a:schemeClr val="bg1"/>
+                <a:sysClr val="windowText" lastClr="000000"/>
               </a:solidFill>
-            </a:ln>
-          </p:spPr>
-          <p:style>
-            <a:lnRef idx="2">
-              <a:schemeClr val="accent1">
-                <a:shade val="50000"/>
-              </a:schemeClr>
-            </a:lnRef>
-            <a:fillRef idx="1">
-              <a:schemeClr val="accent1"/>
-            </a:fillRef>
-            <a:effectRef idx="0">
-              <a:schemeClr val="accent1"/>
-            </a:effectRef>
-            <a:fontRef idx="minor">
-              <a:schemeClr val="lt1"/>
-            </a:fontRef>
-          </p:style>
-          <p:txBody>
-            <a:bodyPr rtlCol="0" anchor="ctr"/>
-            <a:lstStyle/>
-            <a:p>
-              <a:pPr algn="ctr"/>
-              <a:endParaRPr lang="es-MX" dirty="0">
-                <a:solidFill>
-                  <a:sysClr val="windowText" lastClr="000000"/>
-                </a:solidFill>
-              </a:endParaRPr>
-            </a:p>
-          </p:txBody>
-        </p:sp>
-        <p:sp>
-          <p:nvSpPr>
-            <p:cNvPr id="47" name="Oval 46">
-              <a:extLst>
-                <a:ext uri="{FF2B5EF4-FFF2-40B4-BE49-F238E27FC236}">
-                  <a16:creationId xmlns:a16="http://schemas.microsoft.com/office/drawing/2014/main" id="{5F6C5E9B-E865-4438-A0B6-3083BC48EAFB}"/>
-                </a:ext>
-              </a:extLst>
-            </p:cNvPr>
-            <p:cNvSpPr/>
-            <p:nvPr/>
-          </p:nvSpPr>
-          <p:spPr>
-            <a:xfrm>
-              <a:off x="10344802" y="3471529"/>
-              <a:ext cx="227732" cy="227732"/>
-            </a:xfrm>
-            <a:prstGeom prst="ellipse">
-              <a:avLst/>
-            </a:prstGeom>
+            </a:endParaRPr>
+          </a:p>
+        </p:txBody>
+      </p:sp>
+      <p:sp>
+        <p:nvSpPr>
+          <p:cNvPr id="47" name="Oval 46">
+            <a:extLst>
+              <a:ext uri="{FF2B5EF4-FFF2-40B4-BE49-F238E27FC236}">
+                <a16:creationId xmlns:a16="http://schemas.microsoft.com/office/drawing/2014/main" id="{5F6C5E9B-E865-4438-A0B6-3083BC48EAFB}"/>
+              </a:ext>
+            </a:extLst>
+          </p:cNvPr>
+          <p:cNvSpPr/>
+          <p:nvPr/>
+        </p:nvSpPr>
+        <p:spPr>
+          <a:xfrm rot="1823761">
+            <a:off x="10073467" y="4939395"/>
+            <a:ext cx="227732" cy="227732"/>
+          </a:xfrm>
+          <a:prstGeom prst="ellipse">
+            <a:avLst/>
+          </a:prstGeom>
+          <a:solidFill>
+            <a:schemeClr val="bg1"/>
+          </a:solidFill>
+          <a:ln>
             <a:solidFill>
               <a:schemeClr val="bg1"/>
             </a:solidFill>
-            <a:ln>
+          </a:ln>
+        </p:spPr>
+        <p:style>
+          <a:lnRef idx="2">
+            <a:schemeClr val="accent1">
+              <a:shade val="50000"/>
+            </a:schemeClr>
+          </a:lnRef>
+          <a:fillRef idx="1">
+            <a:schemeClr val="accent1"/>
+          </a:fillRef>
+          <a:effectRef idx="0">
+            <a:schemeClr val="accent1"/>
+          </a:effectRef>
+          <a:fontRef idx="minor">
+            <a:schemeClr val="lt1"/>
+          </a:fontRef>
+        </p:style>
+        <p:txBody>
+          <a:bodyPr rtlCol="0" anchor="ctr"/>
+          <a:lstStyle/>
+          <a:p>
+            <a:pPr algn="ctr"/>
+            <a:endParaRPr lang="es-MX" dirty="0">
               <a:solidFill>
-                <a:schemeClr val="bg1"/>
+                <a:sysClr val="windowText" lastClr="000000"/>
               </a:solidFill>
-            </a:ln>
-          </p:spPr>
-          <p:style>
-            <a:lnRef idx="2">
-              <a:schemeClr val="accent1">
-                <a:shade val="50000"/>
-              </a:schemeClr>
-            </a:lnRef>
-            <a:fillRef idx="1">
-              <a:schemeClr val="accent1"/>
-            </a:fillRef>
-            <a:effectRef idx="0">
-              <a:schemeClr val="accent1"/>
-            </a:effectRef>
-            <a:fontRef idx="minor">
-              <a:schemeClr val="lt1"/>
-            </a:fontRef>
-          </p:style>
-          <p:txBody>
-            <a:bodyPr rtlCol="0" anchor="ctr"/>
-            <a:lstStyle/>
-            <a:p>
-              <a:pPr algn="ctr"/>
-              <a:endParaRPr lang="es-MX" dirty="0">
-                <a:solidFill>
-                  <a:sysClr val="windowText" lastClr="000000"/>
-                </a:solidFill>
-              </a:endParaRPr>
-            </a:p>
-          </p:txBody>
-        </p:sp>
-      </p:grpSp>
+            </a:endParaRPr>
+          </a:p>
+        </p:txBody>
+      </p:sp>
       <p:cxnSp>
         <p:nvCxnSpPr>
           <p:cNvPr id="2" name="Straight Connector 1">
@@ -15418,9 +15442,148 @@
           <p:nvPr/>
         </p:nvCxnSpPr>
         <p:spPr>
-          <a:xfrm flipV="1">
-            <a:off x="6466056" y="3635434"/>
-            <a:ext cx="130410" cy="1030590"/>
+          <a:xfrm flipH="1" flipV="1">
+            <a:off x="6361335" y="3762128"/>
+            <a:ext cx="104721" cy="903896"/>
+          </a:xfrm>
+          <a:prstGeom prst="line">
+            <a:avLst/>
+          </a:prstGeom>
+          <a:ln w="76200">
+            <a:solidFill>
+              <a:schemeClr val="bg1"/>
+            </a:solidFill>
+          </a:ln>
+        </p:spPr>
+        <p:style>
+          <a:lnRef idx="1">
+            <a:schemeClr val="accent1"/>
+          </a:lnRef>
+          <a:fillRef idx="0">
+            <a:schemeClr val="accent1"/>
+          </a:fillRef>
+          <a:effectRef idx="0">
+            <a:schemeClr val="accent1"/>
+          </a:effectRef>
+          <a:fontRef idx="minor">
+            <a:schemeClr val="tx1"/>
+          </a:fontRef>
+        </p:style>
+      </p:cxnSp>
+      <p:pic>
+        <p:nvPicPr>
+          <p:cNvPr id="86" name="Picture 85" descr="A picture containing drawing&#10;&#10;Description automatically generated">
+            <a:extLst>
+              <a:ext uri="{FF2B5EF4-FFF2-40B4-BE49-F238E27FC236}">
+                <a16:creationId xmlns:a16="http://schemas.microsoft.com/office/drawing/2014/main" id="{2D5EF1F4-5F75-4518-8617-2B3A8698E2A9}"/>
+              </a:ext>
+            </a:extLst>
+          </p:cNvPr>
+          <p:cNvPicPr>
+            <a:picLocks noChangeAspect="1"/>
+          </p:cNvPicPr>
+          <p:nvPr/>
+        </p:nvPicPr>
+        <p:blipFill>
+          <a:blip r:embed="rId3">
+            <a:extLst>
+              <a:ext uri="{28A0092B-C50C-407E-A947-70E740481C1C}">
+                <a14:useLocalDpi xmlns:a14="http://schemas.microsoft.com/office/drawing/2010/main" val="0"/>
+              </a:ext>
+            </a:extLst>
+          </a:blip>
+          <a:stretch>
+            <a:fillRect/>
+          </a:stretch>
+        </p:blipFill>
+        <p:spPr>
+          <a:xfrm>
+            <a:off x="5122970" y="3413789"/>
+            <a:ext cx="649028" cy="649028"/>
+          </a:xfrm>
+          <a:prstGeom prst="rect">
+            <a:avLst/>
+          </a:prstGeom>
+        </p:spPr>
+      </p:pic>
+      <p:sp>
+        <p:nvSpPr>
+          <p:cNvPr id="87" name="Oval 86">
+            <a:extLst>
+              <a:ext uri="{FF2B5EF4-FFF2-40B4-BE49-F238E27FC236}">
+                <a16:creationId xmlns:a16="http://schemas.microsoft.com/office/drawing/2014/main" id="{2D7E23B8-F4FA-4ABD-B1BF-A5C1AC23C9E0}"/>
+              </a:ext>
+            </a:extLst>
+          </p:cNvPr>
+          <p:cNvSpPr/>
+          <p:nvPr/>
+        </p:nvSpPr>
+        <p:spPr>
+          <a:xfrm rot="1823761">
+            <a:off x="5336301" y="3625157"/>
+            <a:ext cx="227732" cy="227732"/>
+          </a:xfrm>
+          <a:prstGeom prst="ellipse">
+            <a:avLst/>
+          </a:prstGeom>
+          <a:solidFill>
+            <a:schemeClr val="bg1"/>
+          </a:solidFill>
+          <a:ln>
+            <a:solidFill>
+              <a:schemeClr val="bg1"/>
+            </a:solidFill>
+          </a:ln>
+        </p:spPr>
+        <p:style>
+          <a:lnRef idx="2">
+            <a:schemeClr val="accent1">
+              <a:shade val="50000"/>
+            </a:schemeClr>
+          </a:lnRef>
+          <a:fillRef idx="1">
+            <a:schemeClr val="accent1"/>
+          </a:fillRef>
+          <a:effectRef idx="0">
+            <a:schemeClr val="accent1"/>
+          </a:effectRef>
+          <a:fontRef idx="minor">
+            <a:schemeClr val="lt1"/>
+          </a:fontRef>
+        </p:style>
+        <p:txBody>
+          <a:bodyPr rtlCol="0" anchor="ctr"/>
+          <a:lstStyle/>
+          <a:p>
+            <a:pPr algn="ctr"/>
+            <a:endParaRPr lang="es-MX" dirty="0">
+              <a:solidFill>
+                <a:sysClr val="windowText" lastClr="000000"/>
+              </a:solidFill>
+            </a:endParaRPr>
+          </a:p>
+        </p:txBody>
+      </p:sp>
+      <p:cxnSp>
+        <p:nvCxnSpPr>
+          <p:cNvPr id="80" name="Straight Connector 79">
+            <a:extLst>
+              <a:ext uri="{FF2B5EF4-FFF2-40B4-BE49-F238E27FC236}">
+                <a16:creationId xmlns:a16="http://schemas.microsoft.com/office/drawing/2014/main" id="{7EE71FDF-5E38-46C9-B4C0-3D26377FE360}"/>
+              </a:ext>
+            </a:extLst>
+          </p:cNvPr>
+          <p:cNvCxnSpPr>
+            <a:cxnSpLocks/>
+            <a:stCxn id="44" idx="3"/>
+            <a:endCxn id="87" idx="7"/>
+          </p:cNvCxnSpPr>
+          <p:nvPr/>
+        </p:nvCxnSpPr>
+        <p:spPr>
+          <a:xfrm flipH="1">
+            <a:off x="5560354" y="3680651"/>
+            <a:ext cx="662084" cy="29662"/>
           </a:xfrm>
           <a:prstGeom prst="line">
             <a:avLst/>
@@ -15448,24 +15611,24 @@
       </p:cxnSp>
       <p:cxnSp>
         <p:nvCxnSpPr>
-          <p:cNvPr id="80" name="Straight Connector 79">
-            <a:extLst>
-              <a:ext uri="{FF2B5EF4-FFF2-40B4-BE49-F238E27FC236}">
-                <a16:creationId xmlns:a16="http://schemas.microsoft.com/office/drawing/2014/main" id="{7EE71FDF-5E38-46C9-B4C0-3D26377FE360}"/>
+          <p:cNvPr id="89" name="Straight Connector 88">
+            <a:extLst>
+              <a:ext uri="{FF2B5EF4-FFF2-40B4-BE49-F238E27FC236}">
+                <a16:creationId xmlns:a16="http://schemas.microsoft.com/office/drawing/2014/main" id="{F56F58C8-832E-4ECD-9023-B7FB176BDBA8}"/>
               </a:ext>
             </a:extLst>
           </p:cNvPr>
           <p:cNvCxnSpPr>
             <a:cxnSpLocks/>
-            <a:stCxn id="44" idx="3"/>
-            <a:endCxn id="23" idx="5"/>
+            <a:stCxn id="87" idx="2"/>
+            <a:endCxn id="23" idx="6"/>
           </p:cNvCxnSpPr>
           <p:nvPr/>
         </p:nvCxnSpPr>
         <p:spPr>
           <a:xfrm flipH="1" flipV="1">
-            <a:off x="4580850" y="3400825"/>
-            <a:ext cx="1876719" cy="153132"/>
+            <a:off x="4650355" y="3348251"/>
+            <a:ext cx="701597" cy="333159"/>
           </a:xfrm>
           <a:prstGeom prst="line">
             <a:avLst/>
